--- a/Slides/Lecture 9.pptx
+++ b/Slides/Lecture 9.pptx
@@ -8108,7 +8108,69 @@
             <a:pPr lvl="1"/>
             <a:r>
               <a:rPr lang="en-US" sz="2000" dirty="0"/>
-              <a:t>On exit of work-sharing constructs</a:t>
+              <a:t>On exit of work-sharing constructs unless </a:t>
+            </a:r>
+            <a:r>
+              <a:rPr lang="en-US" sz="2000" b="1" dirty="0">
+                <a:solidFill>
+                  <a:srgbClr val="00B050"/>
+                </a:solidFill>
+              </a:rPr>
+              <a:t>nowait </a:t>
+            </a:r>
+            <a:r>
+              <a:rPr lang="en-US" sz="2000" dirty="0"/>
+              <a:t>is present</a:t>
+            </a:r>
+          </a:p>
+          <a:p>
+            <a:pPr lvl="1"/>
+            <a:r>
+              <a:rPr lang="en-US" sz="2000" dirty="0"/>
+              <a:t>Immediately before and after TSPs</a:t>
+            </a:r>
+          </a:p>
+          <a:p>
+            <a:pPr lvl="1"/>
+            <a:r>
+              <a:rPr lang="en-US" sz="2000" dirty="0"/>
+              <a:t>During the following runtime functions: </a:t>
+            </a:r>
+            <a:r>
+              <a:rPr lang="en-US" sz="2000" b="1" dirty="0" err="1">
+                <a:solidFill>
+                  <a:srgbClr val="00B050"/>
+                </a:solidFill>
+              </a:rPr>
+              <a:t>omp_set_lock</a:t>
+            </a:r>
+            <a:r>
+              <a:rPr lang="en-US" sz="2000" b="1" dirty="0">
+                <a:solidFill>
+                  <a:srgbClr val="00B050"/>
+                </a:solidFill>
+              </a:rPr>
+              <a:t>() </a:t>
+            </a:r>
+            <a:r>
+              <a:rPr lang="en-US" sz="2000" dirty="0"/>
+              <a:t>and </a:t>
+            </a:r>
+            <a:r>
+              <a:rPr lang="en-US" sz="2000" b="1" dirty="0" err="1">
+                <a:solidFill>
+                  <a:srgbClr val="00B050"/>
+                </a:solidFill>
+              </a:rPr>
+              <a:t>omp_unset_lock</a:t>
+            </a:r>
+            <a:r>
+              <a:rPr lang="en-US" sz="2000" b="1" dirty="0">
+                <a:solidFill>
+                  <a:srgbClr val="00B050"/>
+                </a:solidFill>
+              </a:rPr>
+              <a:t>()</a:t>
             </a:r>
           </a:p>
           <a:p>

--- a/Slides/Lecture 9.pptx
+++ b/Slides/Lecture 9.pptx
@@ -5,41 +5,43 @@
     <p:sldMasterId id="2147483648" r:id="rId1"/>
   </p:sldMasterIdLst>
   <p:notesMasterIdLst>
-    <p:notesMasterId r:id="rId31"/>
+    <p:notesMasterId r:id="rId33"/>
   </p:notesMasterIdLst>
   <p:handoutMasterIdLst>
-    <p:handoutMasterId r:id="rId32"/>
+    <p:handoutMasterId r:id="rId34"/>
   </p:handoutMasterIdLst>
   <p:sldIdLst>
     <p:sldId id="256" r:id="rId2"/>
     <p:sldId id="305" r:id="rId3"/>
     <p:sldId id="362" r:id="rId4"/>
-    <p:sldId id="360" r:id="rId5"/>
-    <p:sldId id="361" r:id="rId6"/>
-    <p:sldId id="363" r:id="rId7"/>
-    <p:sldId id="364" r:id="rId8"/>
-    <p:sldId id="365" r:id="rId9"/>
-    <p:sldId id="366" r:id="rId10"/>
-    <p:sldId id="369" r:id="rId11"/>
-    <p:sldId id="370" r:id="rId12"/>
-    <p:sldId id="372" r:id="rId13"/>
-    <p:sldId id="371" r:id="rId14"/>
-    <p:sldId id="358" r:id="rId15"/>
-    <p:sldId id="359" r:id="rId16"/>
-    <p:sldId id="367" r:id="rId17"/>
-    <p:sldId id="368" r:id="rId18"/>
-    <p:sldId id="373" r:id="rId19"/>
-    <p:sldId id="374" r:id="rId20"/>
-    <p:sldId id="375" r:id="rId21"/>
-    <p:sldId id="376" r:id="rId22"/>
-    <p:sldId id="377" r:id="rId23"/>
-    <p:sldId id="378" r:id="rId24"/>
-    <p:sldId id="379" r:id="rId25"/>
-    <p:sldId id="380" r:id="rId26"/>
-    <p:sldId id="381" r:id="rId27"/>
-    <p:sldId id="382" r:id="rId28"/>
-    <p:sldId id="383" r:id="rId29"/>
-    <p:sldId id="356" r:id="rId30"/>
+    <p:sldId id="384" r:id="rId5"/>
+    <p:sldId id="360" r:id="rId6"/>
+    <p:sldId id="361" r:id="rId7"/>
+    <p:sldId id="385" r:id="rId8"/>
+    <p:sldId id="363" r:id="rId9"/>
+    <p:sldId id="364" r:id="rId10"/>
+    <p:sldId id="365" r:id="rId11"/>
+    <p:sldId id="366" r:id="rId12"/>
+    <p:sldId id="369" r:id="rId13"/>
+    <p:sldId id="370" r:id="rId14"/>
+    <p:sldId id="372" r:id="rId15"/>
+    <p:sldId id="371" r:id="rId16"/>
+    <p:sldId id="358" r:id="rId17"/>
+    <p:sldId id="359" r:id="rId18"/>
+    <p:sldId id="367" r:id="rId19"/>
+    <p:sldId id="368" r:id="rId20"/>
+    <p:sldId id="373" r:id="rId21"/>
+    <p:sldId id="374" r:id="rId22"/>
+    <p:sldId id="375" r:id="rId23"/>
+    <p:sldId id="376" r:id="rId24"/>
+    <p:sldId id="377" r:id="rId25"/>
+    <p:sldId id="378" r:id="rId26"/>
+    <p:sldId id="379" r:id="rId27"/>
+    <p:sldId id="380" r:id="rId28"/>
+    <p:sldId id="381" r:id="rId29"/>
+    <p:sldId id="382" r:id="rId30"/>
+    <p:sldId id="383" r:id="rId31"/>
+    <p:sldId id="356" r:id="rId32"/>
   </p:sldIdLst>
   <p:sldSz cx="12192000" cy="6858000"/>
   <p:notesSz cx="7315200" cy="9601200"/>
@@ -252,7 +254,7 @@
           <a:p>
             <a:fld id="{DCA81E97-D514-49D8-B754-6BBF283B1A94}" type="datetimeFigureOut">
               <a:rPr lang="en-US" smtClean="0"/>
-              <a:t>4/2/2021</a:t>
+              <a:t>4/3/2021</a:t>
             </a:fld>
             <a:endParaRPr lang="en-US"/>
           </a:p>
@@ -433,7 +435,7 @@
           <a:p>
             <a:fld id="{1CB48AD5-CDAE-4B7B-B49D-6DB81FF5A179}" type="datetimeFigureOut">
               <a:rPr lang="en-US" smtClean="0"/>
-              <a:t>4/2/2021</a:t>
+              <a:t>4/3/2021</a:t>
             </a:fld>
             <a:endParaRPr lang="en-US"/>
           </a:p>
@@ -851,7 +853,7 @@
           <a:p>
             <a:fld id="{C4959B56-7D6D-462F-B061-93C9E323EE8A}" type="datetimeFigureOut">
               <a:rPr lang="en-US" smtClean="0"/>
-              <a:t>4/2/2021</a:t>
+              <a:t>4/3/2021</a:t>
             </a:fld>
             <a:endParaRPr lang="en-US"/>
           </a:p>
@@ -1049,7 +1051,7 @@
           <a:p>
             <a:fld id="{C4959B56-7D6D-462F-B061-93C9E323EE8A}" type="datetimeFigureOut">
               <a:rPr lang="en-US" smtClean="0"/>
-              <a:t>4/2/2021</a:t>
+              <a:t>4/3/2021</a:t>
             </a:fld>
             <a:endParaRPr lang="en-US"/>
           </a:p>
@@ -1257,7 +1259,7 @@
           <a:p>
             <a:fld id="{C4959B56-7D6D-462F-B061-93C9E323EE8A}" type="datetimeFigureOut">
               <a:rPr lang="en-US" smtClean="0"/>
-              <a:t>4/2/2021</a:t>
+              <a:t>4/3/2021</a:t>
             </a:fld>
             <a:endParaRPr lang="en-US"/>
           </a:p>
@@ -1455,7 +1457,7 @@
           <a:p>
             <a:fld id="{C4959B56-7D6D-462F-B061-93C9E323EE8A}" type="datetimeFigureOut">
               <a:rPr lang="en-US" smtClean="0"/>
-              <a:t>4/2/2021</a:t>
+              <a:t>4/3/2021</a:t>
             </a:fld>
             <a:endParaRPr lang="en-US"/>
           </a:p>
@@ -1730,7 +1732,7 @@
           <a:p>
             <a:fld id="{C4959B56-7D6D-462F-B061-93C9E323EE8A}" type="datetimeFigureOut">
               <a:rPr lang="en-US" smtClean="0"/>
-              <a:t>4/2/2021</a:t>
+              <a:t>4/3/2021</a:t>
             </a:fld>
             <a:endParaRPr lang="en-US"/>
           </a:p>
@@ -1995,7 +1997,7 @@
           <a:p>
             <a:fld id="{C4959B56-7D6D-462F-B061-93C9E323EE8A}" type="datetimeFigureOut">
               <a:rPr lang="en-US" smtClean="0"/>
-              <a:t>4/2/2021</a:t>
+              <a:t>4/3/2021</a:t>
             </a:fld>
             <a:endParaRPr lang="en-US"/>
           </a:p>
@@ -2407,7 +2409,7 @@
           <a:p>
             <a:fld id="{C4959B56-7D6D-462F-B061-93C9E323EE8A}" type="datetimeFigureOut">
               <a:rPr lang="en-US" smtClean="0"/>
-              <a:t>4/2/2021</a:t>
+              <a:t>4/3/2021</a:t>
             </a:fld>
             <a:endParaRPr lang="en-US"/>
           </a:p>
@@ -2548,7 +2550,7 @@
           <a:p>
             <a:fld id="{C4959B56-7D6D-462F-B061-93C9E323EE8A}" type="datetimeFigureOut">
               <a:rPr lang="en-US" smtClean="0"/>
-              <a:t>4/2/2021</a:t>
+              <a:t>4/3/2021</a:t>
             </a:fld>
             <a:endParaRPr lang="en-US"/>
           </a:p>
@@ -2661,7 +2663,7 @@
           <a:p>
             <a:fld id="{C4959B56-7D6D-462F-B061-93C9E323EE8A}" type="datetimeFigureOut">
               <a:rPr lang="en-US" smtClean="0"/>
-              <a:t>4/2/2021</a:t>
+              <a:t>4/3/2021</a:t>
             </a:fld>
             <a:endParaRPr lang="en-US"/>
           </a:p>
@@ -2972,7 +2974,7 @@
           <a:p>
             <a:fld id="{C4959B56-7D6D-462F-B061-93C9E323EE8A}" type="datetimeFigureOut">
               <a:rPr lang="en-US" smtClean="0"/>
-              <a:t>4/2/2021</a:t>
+              <a:t>4/3/2021</a:t>
             </a:fld>
             <a:endParaRPr lang="en-US"/>
           </a:p>
@@ -3260,7 +3262,7 @@
           <a:p>
             <a:fld id="{C4959B56-7D6D-462F-B061-93C9E323EE8A}" type="datetimeFigureOut">
               <a:rPr lang="en-US" smtClean="0"/>
-              <a:t>4/2/2021</a:t>
+              <a:t>4/3/2021</a:t>
             </a:fld>
             <a:endParaRPr lang="en-US"/>
           </a:p>
@@ -3501,7 +3503,7 @@
           <a:p>
             <a:fld id="{C4959B56-7D6D-462F-B061-93C9E323EE8A}" type="datetimeFigureOut">
               <a:rPr lang="en-US" smtClean="0"/>
-              <a:t>4/2/2021</a:t>
+              <a:t>4/3/2021</a:t>
             </a:fld>
             <a:endParaRPr lang="en-US"/>
           </a:p>
@@ -4072,7 +4074,7 @@
           <p:cNvPr id="2" name="Title 1">
             <a:extLst>
               <a:ext uri="{FF2B5EF4-FFF2-40B4-BE49-F238E27FC236}">
-                <a16:creationId xmlns:a16="http://schemas.microsoft.com/office/drawing/2014/main" id="{9C97517A-68EE-40D3-A020-A9965FA6AB62}"/>
+                <a16:creationId xmlns:a16="http://schemas.microsoft.com/office/drawing/2014/main" id="{529EE6D9-26E4-4D94-82C1-8B540184C6FD}"/>
               </a:ext>
             </a:extLst>
           </p:cNvPr>
@@ -4094,8 +4096,9 @@
                   <a:schemeClr val="accent1"/>
                 </a:solidFill>
               </a:rPr>
-              <a:t>Weak Memory Model</a:t>
-            </a:r>
+              <a:t>Sequential Consistency Model</a:t>
+            </a:r>
+            <a:endParaRPr lang="en-US" dirty="0"/>
           </a:p>
         </p:txBody>
       </p:sp>
@@ -4104,7 +4107,7 @@
           <p:cNvPr id="3" name="Content Placeholder 2">
             <a:extLst>
               <a:ext uri="{FF2B5EF4-FFF2-40B4-BE49-F238E27FC236}">
-                <a16:creationId xmlns:a16="http://schemas.microsoft.com/office/drawing/2014/main" id="{2E37169A-570D-4878-B30C-7716343A4590}"/>
+                <a16:creationId xmlns:a16="http://schemas.microsoft.com/office/drawing/2014/main" id="{177252B0-1582-4514-BBA3-152B38BF086C}"/>
               </a:ext>
             </a:extLst>
           </p:cNvPr>
@@ -4117,229 +4120,370 @@
         </p:nvSpPr>
         <p:spPr/>
         <p:txBody>
-          <a:bodyPr>
-            <a:normAutofit/>
-          </a:bodyPr>
+          <a:bodyPr/>
           <a:lstStyle/>
           <a:p>
             <a:pPr marL="0" indent="0">
               <a:buNone/>
             </a:pPr>
             <a:r>
-              <a:rPr lang="en-US" sz="2000" b="1" u="sng" dirty="0">
+              <a:rPr lang="en-US" sz="2000" dirty="0"/>
+              <a:t>By the </a:t>
+            </a:r>
+            <a:r>
+              <a:rPr lang="en-US" sz="2000" b="1" dirty="0">
                 <a:solidFill>
                   <a:srgbClr val="FF0000"/>
                 </a:solidFill>
               </a:rPr>
-              <a:t>Dekker’s Algorithm</a:t>
+              <a:t>Program Order </a:t>
+            </a:r>
+            <a:r>
+              <a:rPr lang="en-US" sz="2000" dirty="0"/>
+              <a:t>condition, </a:t>
+            </a:r>
+          </a:p>
+          <a:p>
+            <a:r>
+              <a:rPr lang="en-US" sz="2000" dirty="0"/>
+              <a:t>(1) </a:t>
+            </a:r>
+            <a:r>
+              <a:rPr lang="en-US" sz="2000" b="1" dirty="0">
+                <a:solidFill>
+                  <a:srgbClr val="FF0000"/>
+                </a:solidFill>
+              </a:rPr>
+              <a:t>happens-before</a:t>
+            </a:r>
+            <a:r>
+              <a:rPr lang="en-US" sz="2000" dirty="0"/>
+              <a:t> (2)</a:t>
+            </a:r>
+          </a:p>
+          <a:p>
+            <a:r>
+              <a:rPr lang="en-US" sz="2000" dirty="0"/>
+              <a:t>(3) </a:t>
+            </a:r>
+            <a:r>
+              <a:rPr lang="en-US" sz="2000" b="1" dirty="0">
+                <a:solidFill>
+                  <a:srgbClr val="FF0000"/>
+                </a:solidFill>
+              </a:rPr>
+              <a:t>happens-before</a:t>
+            </a:r>
+            <a:r>
+              <a:rPr lang="en-US" sz="2000" dirty="0"/>
+              <a:t> (4)</a:t>
             </a:r>
           </a:p>
           <a:p>
             <a:pPr marL="0" indent="0">
               <a:buNone/>
             </a:pPr>
-            <a:r>
-              <a:rPr lang="en-US" sz="2000" dirty="0"/>
-              <a:t>Assume that </a:t>
-            </a:r>
-            <a:r>
-              <a:rPr lang="en-US" sz="2000" b="1" dirty="0">
-                <a:solidFill>
-                  <a:srgbClr val="FF0000"/>
-                </a:solidFill>
-              </a:rPr>
-              <a:t>Flag1 = Flag2 = 0</a:t>
-            </a:r>
-            <a:r>
-              <a:rPr lang="en-US" sz="2000" dirty="0"/>
-              <a:t>, initially.</a:t>
-            </a:r>
+            <a:endParaRPr lang="en-US" dirty="0"/>
           </a:p>
           <a:p>
             <a:pPr marL="0" indent="0">
               <a:buNone/>
             </a:pPr>
-            <a:endParaRPr lang="en-US" sz="2000" dirty="0"/>
-          </a:p>
-          <a:p>
-            <a:pPr marL="0" indent="0">
-              <a:buNone/>
-            </a:pPr>
-            <a:endParaRPr lang="en-US" sz="2000" dirty="0"/>
-          </a:p>
-          <a:p>
-            <a:pPr marL="0" indent="0">
-              <a:buNone/>
-            </a:pPr>
-            <a:endParaRPr lang="en-US" sz="2000" dirty="0"/>
-          </a:p>
-          <a:p>
-            <a:pPr marL="0" indent="0">
-              <a:buNone/>
-            </a:pPr>
-            <a:endParaRPr lang="en-US" sz="2000" dirty="0"/>
-          </a:p>
-          <a:p>
-            <a:pPr marL="0" indent="0">
-              <a:buNone/>
-            </a:pPr>
-            <a:r>
-              <a:rPr lang="en-US" sz="2000" b="1" dirty="0">
-                <a:solidFill>
-                  <a:srgbClr val="FF0000"/>
-                </a:solidFill>
-              </a:rPr>
-              <a:t>Q: </a:t>
-            </a:r>
-            <a:r>
-              <a:rPr lang="en-US" sz="2000" dirty="0"/>
-              <a:t>Can the two threads be inside the critical section simultaneously?</a:t>
-            </a:r>
-          </a:p>
-          <a:p>
-            <a:pPr marL="0" indent="0">
-              <a:buNone/>
-            </a:pPr>
-            <a:r>
-              <a:rPr lang="en-US" sz="2000" b="1" dirty="0">
-                <a:solidFill>
-                  <a:srgbClr val="FF0000"/>
-                </a:solidFill>
-              </a:rPr>
-              <a:t>A: </a:t>
-            </a:r>
-            <a:r>
-              <a:rPr lang="en-US" sz="2000" dirty="0"/>
-              <a:t>It depends. </a:t>
-            </a:r>
-          </a:p>
-          <a:p>
-            <a:pPr lvl="1">
-              <a:buFont typeface="Wingdings" panose="05000000000000000000" pitchFamily="2" charset="2"/>
-              <a:buChar char="q"/>
-            </a:pPr>
-            <a:r>
-              <a:rPr lang="en-US" sz="2000" dirty="0"/>
-              <a:t>If Dekker’s Algorithm runs on an SC machine, </a:t>
-            </a:r>
-            <a:r>
-              <a:rPr lang="en-US" sz="2000" b="1" dirty="0">
-                <a:solidFill>
-                  <a:srgbClr val="FF0000"/>
-                </a:solidFill>
-              </a:rPr>
-              <a:t>no</a:t>
-            </a:r>
-            <a:r>
-              <a:rPr lang="en-US" sz="2000" dirty="0"/>
-              <a:t>.</a:t>
-            </a:r>
-          </a:p>
-          <a:p>
-            <a:pPr lvl="1">
-              <a:buFont typeface="Wingdings" panose="05000000000000000000" pitchFamily="2" charset="2"/>
-              <a:buChar char="q"/>
-            </a:pPr>
-            <a:r>
-              <a:rPr lang="en-US" sz="2000" dirty="0"/>
-              <a:t>Otherwise, </a:t>
-            </a:r>
-            <a:r>
-              <a:rPr lang="en-US" sz="2000" b="1" dirty="0">
-                <a:solidFill>
-                  <a:srgbClr val="FF0000"/>
-                </a:solidFill>
-              </a:rPr>
-              <a:t>yes</a:t>
-            </a:r>
-            <a:r>
-              <a:rPr lang="en-US" sz="2000" dirty="0"/>
-              <a:t>, on a machine with a weaker memory model.</a:t>
+            <a:r>
+              <a:rPr lang="en-US" sz="2000" dirty="0"/>
+              <a:t>We can see that the happens-before relationship is cyclic.</a:t>
+            </a:r>
+          </a:p>
+          <a:p>
+            <a:pPr lvl="1"/>
+            <a:r>
+              <a:rPr lang="en-US" sz="2000" dirty="0"/>
+              <a:t>This final state cannot be reached in SC.</a:t>
             </a:r>
           </a:p>
         </p:txBody>
       </p:sp>
-      <p:sp>
-        <p:nvSpPr>
-          <p:cNvPr id="4" name="TextBox 3">
-            <a:extLst>
-              <a:ext uri="{FF2B5EF4-FFF2-40B4-BE49-F238E27FC236}">
-                <a16:creationId xmlns:a16="http://schemas.microsoft.com/office/drawing/2014/main" id="{46527B02-0562-4F23-877E-F58889CC6396}"/>
-              </a:ext>
-            </a:extLst>
-          </p:cNvPr>
-          <p:cNvSpPr txBox="1"/>
+      <p:grpSp>
+        <p:nvGrpSpPr>
+          <p:cNvPr id="35" name="Group 34">
+            <a:extLst>
+              <a:ext uri="{FF2B5EF4-FFF2-40B4-BE49-F238E27FC236}">
+                <a16:creationId xmlns:a16="http://schemas.microsoft.com/office/drawing/2014/main" id="{1179E119-A8E4-4318-BFCD-C90630A23E36}"/>
+              </a:ext>
+            </a:extLst>
+          </p:cNvPr>
+          <p:cNvGrpSpPr/>
           <p:nvPr/>
-        </p:nvSpPr>
-        <p:spPr>
+        </p:nvGrpSpPr>
+        <p:grpSpPr>
           <a:xfrm>
-            <a:off x="3124200" y="2800965"/>
-            <a:ext cx="5943600" cy="1200329"/>
+            <a:off x="5400367" y="1768475"/>
+            <a:ext cx="4591665" cy="1477328"/>
+            <a:chOff x="3800167" y="3810298"/>
+            <a:chExt cx="4591665" cy="1477328"/>
           </a:xfrm>
-          <a:prstGeom prst="rect">
-            <a:avLst/>
-          </a:prstGeom>
-          <a:noFill/>
-        </p:spPr>
-        <p:txBody>
-          <a:bodyPr wrap="square" rtlCol="0">
-            <a:spAutoFit/>
-          </a:bodyPr>
-          <a:lstStyle/>
-          <a:p>
-            <a:r>
-              <a:rPr lang="en-US" b="1" dirty="0">
-                <a:solidFill>
-                  <a:srgbClr val="FF0000"/>
-                </a:solidFill>
-              </a:rPr>
-              <a:t>Thread T0</a:t>
-            </a:r>
-            <a:r>
-              <a:rPr lang="en-US" dirty="0"/>
-              <a:t>		          </a:t>
-            </a:r>
-            <a:r>
-              <a:rPr lang="en-US" b="1" dirty="0">
-                <a:solidFill>
-                  <a:srgbClr val="FF0000"/>
-                </a:solidFill>
-              </a:rPr>
-              <a:t>Thread T1   </a:t>
-            </a:r>
-            <a:r>
-              <a:rPr lang="en-US" dirty="0">
-                <a:solidFill>
-                  <a:srgbClr val="FF0000"/>
-                </a:solidFill>
-              </a:rPr>
-              <a:t>   </a:t>
-            </a:r>
-          </a:p>
-          <a:p>
-            <a:r>
-              <a:rPr lang="en-US" dirty="0"/>
-              <a:t>(1) Flag1 = 1                                         (3) Flag2 = 1</a:t>
-            </a:r>
-          </a:p>
-          <a:p>
-            <a:r>
-              <a:rPr lang="en-US" dirty="0"/>
-              <a:t>(2) if(Flag2==0)                                    (4) if(Flag1==0)</a:t>
-            </a:r>
-          </a:p>
-          <a:p>
-            <a:r>
-              <a:rPr lang="en-US" dirty="0"/>
-              <a:t>      Critical Section                                        Critical Section</a:t>
-            </a:r>
-          </a:p>
-        </p:txBody>
-      </p:sp>
+        </p:grpSpPr>
+        <p:sp>
+          <p:nvSpPr>
+            <p:cNvPr id="6" name="TextBox 5">
+              <a:extLst>
+                <a:ext uri="{FF2B5EF4-FFF2-40B4-BE49-F238E27FC236}">
+                  <a16:creationId xmlns:a16="http://schemas.microsoft.com/office/drawing/2014/main" id="{7CA96476-67B3-473A-AE91-330549DE1ACD}"/>
+                </a:ext>
+              </a:extLst>
+            </p:cNvPr>
+            <p:cNvSpPr txBox="1"/>
+            <p:nvPr/>
+          </p:nvSpPr>
+          <p:spPr>
+            <a:xfrm>
+              <a:off x="3800167" y="3810298"/>
+              <a:ext cx="4591665" cy="1477328"/>
+            </a:xfrm>
+            <a:prstGeom prst="rect">
+              <a:avLst/>
+            </a:prstGeom>
+            <a:noFill/>
+          </p:spPr>
+          <p:txBody>
+            <a:bodyPr wrap="square" rtlCol="0">
+              <a:spAutoFit/>
+            </a:bodyPr>
+            <a:lstStyle/>
+            <a:p>
+              <a:r>
+                <a:rPr lang="en-US" b="1" dirty="0">
+                  <a:solidFill>
+                    <a:srgbClr val="FF0000"/>
+                  </a:solidFill>
+                </a:rPr>
+                <a:t>Thread T0</a:t>
+              </a:r>
+              <a:r>
+                <a:rPr lang="en-US" dirty="0"/>
+                <a:t>		          </a:t>
+              </a:r>
+              <a:r>
+                <a:rPr lang="en-US" b="1" dirty="0">
+                  <a:solidFill>
+                    <a:srgbClr val="FF0000"/>
+                  </a:solidFill>
+                </a:rPr>
+                <a:t>Thread T1   </a:t>
+              </a:r>
+              <a:r>
+                <a:rPr lang="en-US" dirty="0">
+                  <a:solidFill>
+                    <a:srgbClr val="FF0000"/>
+                  </a:solidFill>
+                </a:rPr>
+                <a:t>   </a:t>
+              </a:r>
+            </a:p>
+            <a:p>
+              <a:r>
+                <a:rPr lang="en-US" dirty="0"/>
+                <a:t>   (1) x = 1                                             (3) r1=y</a:t>
+              </a:r>
+            </a:p>
+            <a:p>
+              <a:endParaRPr lang="en-US" dirty="0"/>
+            </a:p>
+            <a:p>
+              <a:r>
+                <a:rPr lang="en-US" dirty="0"/>
+                <a:t>	                                             </a:t>
+              </a:r>
+            </a:p>
+            <a:p>
+              <a:r>
+                <a:rPr lang="en-US" dirty="0"/>
+                <a:t>   (2) y = 1			          (4) r2 = x</a:t>
+              </a:r>
+            </a:p>
+          </p:txBody>
+        </p:sp>
+        <p:cxnSp>
+          <p:nvCxnSpPr>
+            <p:cNvPr id="7" name="Straight Arrow Connector 6">
+              <a:extLst>
+                <a:ext uri="{FF2B5EF4-FFF2-40B4-BE49-F238E27FC236}">
+                  <a16:creationId xmlns:a16="http://schemas.microsoft.com/office/drawing/2014/main" id="{FD444D0E-E568-4AE8-8449-738DA47099D5}"/>
+                </a:ext>
+              </a:extLst>
+            </p:cNvPr>
+            <p:cNvCxnSpPr>
+              <a:cxnSpLocks/>
+            </p:cNvCxnSpPr>
+            <p:nvPr/>
+          </p:nvCxnSpPr>
+          <p:spPr>
+            <a:xfrm flipH="1" flipV="1">
+              <a:off x="4855292" y="4243837"/>
+              <a:ext cx="2288458" cy="804413"/>
+            </a:xfrm>
+            <a:prstGeom prst="straightConnector1">
+              <a:avLst/>
+            </a:prstGeom>
+            <a:ln w="28575">
+              <a:solidFill>
+                <a:srgbClr val="FF0000"/>
+              </a:solidFill>
+              <a:tailEnd type="triangle"/>
+            </a:ln>
+          </p:spPr>
+          <p:style>
+            <a:lnRef idx="1">
+              <a:schemeClr val="accent1"/>
+            </a:lnRef>
+            <a:fillRef idx="0">
+              <a:schemeClr val="accent1"/>
+            </a:fillRef>
+            <a:effectRef idx="0">
+              <a:schemeClr val="accent1"/>
+            </a:effectRef>
+            <a:fontRef idx="minor">
+              <a:schemeClr val="tx1"/>
+            </a:fontRef>
+          </p:style>
+        </p:cxnSp>
+        <p:cxnSp>
+          <p:nvCxnSpPr>
+            <p:cNvPr id="8" name="Straight Arrow Connector 7">
+              <a:extLst>
+                <a:ext uri="{FF2B5EF4-FFF2-40B4-BE49-F238E27FC236}">
+                  <a16:creationId xmlns:a16="http://schemas.microsoft.com/office/drawing/2014/main" id="{1EA4484A-89A4-4FBC-8BE2-A3EDF6DA467B}"/>
+                </a:ext>
+              </a:extLst>
+            </p:cNvPr>
+            <p:cNvCxnSpPr>
+              <a:cxnSpLocks/>
+            </p:cNvCxnSpPr>
+            <p:nvPr/>
+          </p:nvCxnSpPr>
+          <p:spPr>
+            <a:xfrm flipV="1">
+              <a:off x="4985107" y="4280819"/>
+              <a:ext cx="2221783" cy="730447"/>
+            </a:xfrm>
+            <a:prstGeom prst="straightConnector1">
+              <a:avLst/>
+            </a:prstGeom>
+            <a:ln w="28575">
+              <a:solidFill>
+                <a:srgbClr val="FF0000"/>
+              </a:solidFill>
+              <a:tailEnd type="triangle"/>
+            </a:ln>
+          </p:spPr>
+          <p:style>
+            <a:lnRef idx="1">
+              <a:schemeClr val="accent1"/>
+            </a:lnRef>
+            <a:fillRef idx="0">
+              <a:schemeClr val="accent1"/>
+            </a:fillRef>
+            <a:effectRef idx="0">
+              <a:schemeClr val="accent1"/>
+            </a:effectRef>
+            <a:fontRef idx="minor">
+              <a:schemeClr val="tx1"/>
+            </a:fontRef>
+          </p:style>
+        </p:cxnSp>
+        <p:cxnSp>
+          <p:nvCxnSpPr>
+            <p:cNvPr id="31" name="Straight Arrow Connector 30">
+              <a:extLst>
+                <a:ext uri="{FF2B5EF4-FFF2-40B4-BE49-F238E27FC236}">
+                  <a16:creationId xmlns:a16="http://schemas.microsoft.com/office/drawing/2014/main" id="{F5808C17-ADE6-4402-9A0E-8137BFC18BEF}"/>
+                </a:ext>
+              </a:extLst>
+            </p:cNvPr>
+            <p:cNvCxnSpPr>
+              <a:cxnSpLocks/>
+            </p:cNvCxnSpPr>
+            <p:nvPr/>
+          </p:nvCxnSpPr>
+          <p:spPr>
+            <a:xfrm flipH="1">
+              <a:off x="7480505" y="4396237"/>
+              <a:ext cx="1" cy="556763"/>
+            </a:xfrm>
+            <a:prstGeom prst="straightConnector1">
+              <a:avLst/>
+            </a:prstGeom>
+            <a:ln w="28575">
+              <a:solidFill>
+                <a:srgbClr val="FF0000"/>
+              </a:solidFill>
+              <a:tailEnd type="triangle"/>
+            </a:ln>
+          </p:spPr>
+          <p:style>
+            <a:lnRef idx="1">
+              <a:schemeClr val="accent1"/>
+            </a:lnRef>
+            <a:fillRef idx="0">
+              <a:schemeClr val="accent1"/>
+            </a:fillRef>
+            <a:effectRef idx="0">
+              <a:schemeClr val="accent1"/>
+            </a:effectRef>
+            <a:fontRef idx="minor">
+              <a:schemeClr val="tx1"/>
+            </a:fontRef>
+          </p:style>
+        </p:cxnSp>
+        <p:cxnSp>
+          <p:nvCxnSpPr>
+            <p:cNvPr id="34" name="Straight Arrow Connector 33">
+              <a:extLst>
+                <a:ext uri="{FF2B5EF4-FFF2-40B4-BE49-F238E27FC236}">
+                  <a16:creationId xmlns:a16="http://schemas.microsoft.com/office/drawing/2014/main" id="{CD3D4A27-8BA2-41FC-BB77-2DBD086F44A3}"/>
+                </a:ext>
+              </a:extLst>
+            </p:cNvPr>
+            <p:cNvCxnSpPr>
+              <a:cxnSpLocks/>
+            </p:cNvCxnSpPr>
+            <p:nvPr/>
+          </p:nvCxnSpPr>
+          <p:spPr>
+            <a:xfrm flipH="1">
+              <a:off x="4516998" y="4404644"/>
+              <a:ext cx="1" cy="556763"/>
+            </a:xfrm>
+            <a:prstGeom prst="straightConnector1">
+              <a:avLst/>
+            </a:prstGeom>
+            <a:ln w="28575">
+              <a:solidFill>
+                <a:srgbClr val="FF0000"/>
+              </a:solidFill>
+              <a:tailEnd type="triangle"/>
+            </a:ln>
+          </p:spPr>
+          <p:style>
+            <a:lnRef idx="1">
+              <a:schemeClr val="accent1"/>
+            </a:lnRef>
+            <a:fillRef idx="0">
+              <a:schemeClr val="accent1"/>
+            </a:fillRef>
+            <a:effectRef idx="0">
+              <a:schemeClr val="accent1"/>
+            </a:effectRef>
+            <a:fontRef idx="minor">
+              <a:schemeClr val="tx1"/>
+            </a:fontRef>
+          </p:style>
+        </p:cxnSp>
+      </p:grpSp>
     </p:spTree>
     <p:extLst>
       <p:ext uri="{BB962C8B-B14F-4D97-AF65-F5344CB8AC3E}">
-        <p14:creationId xmlns:p14="http://schemas.microsoft.com/office/powerpoint/2010/main" val="2738943310"/>
+        <p14:creationId xmlns:p14="http://schemas.microsoft.com/office/powerpoint/2010/main" val="613682244"/>
       </p:ext>
     </p:extLst>
   </p:cSld>
@@ -4371,7 +4515,7 @@
           <p:cNvPr id="2" name="Title 1">
             <a:extLst>
               <a:ext uri="{FF2B5EF4-FFF2-40B4-BE49-F238E27FC236}">
-                <a16:creationId xmlns:a16="http://schemas.microsoft.com/office/drawing/2014/main" id="{AE88BA52-AFCF-4C2E-8F2B-C7A01FF0C32B}"/>
+                <a16:creationId xmlns:a16="http://schemas.microsoft.com/office/drawing/2014/main" id="{4A0188D4-3ECB-47E9-9896-B87F6C68DC79}"/>
               </a:ext>
             </a:extLst>
           </p:cNvPr>
@@ -4393,7 +4537,7 @@
                   <a:schemeClr val="accent1"/>
                 </a:solidFill>
               </a:rPr>
-              <a:t>Weak Memory Model: Write Buffer</a:t>
+              <a:t>Sequential Consistency Model</a:t>
             </a:r>
             <a:endParaRPr lang="en-US" dirty="0"/>
           </a:p>
@@ -4404,7 +4548,7 @@
           <p:cNvPr id="3" name="Content Placeholder 2">
             <a:extLst>
               <a:ext uri="{FF2B5EF4-FFF2-40B4-BE49-F238E27FC236}">
-                <a16:creationId xmlns:a16="http://schemas.microsoft.com/office/drawing/2014/main" id="{A1F4D12A-37AF-4553-91D8-49DD7272B280}"/>
+                <a16:creationId xmlns:a16="http://schemas.microsoft.com/office/drawing/2014/main" id="{03F2C8E4-A457-4CA6-A3C1-96B70CD3C178}"/>
               </a:ext>
             </a:extLst>
           </p:cNvPr>
@@ -4422,12 +4566,60 @@
           </a:bodyPr>
           <a:lstStyle/>
           <a:p>
+            <a:pPr>
+              <a:buFont typeface="Wingdings" panose="05000000000000000000" pitchFamily="2" charset="2"/>
+              <a:buChar char="q"/>
+            </a:pPr>
+            <a:r>
+              <a:rPr lang="en-US" sz="2000" dirty="0"/>
+              <a:t> The rules of SC we just discussed are </a:t>
+            </a:r>
+            <a:r>
+              <a:rPr lang="en-US" sz="2000" b="1" dirty="0">
+                <a:solidFill>
+                  <a:srgbClr val="FF0000"/>
+                </a:solidFill>
+              </a:rPr>
+              <a:t>intuitive to the programmer</a:t>
+            </a:r>
+            <a:r>
+              <a:rPr lang="en-US" sz="2000" dirty="0"/>
+              <a:t>.</a:t>
+            </a:r>
+          </a:p>
+          <a:p>
+            <a:pPr lvl="1"/>
+            <a:r>
+              <a:rPr lang="en-US" sz="2000" dirty="0"/>
+              <a:t>The idea is that multiple threads executing in parallel are accessing </a:t>
+            </a:r>
+            <a:r>
+              <a:rPr lang="en-US" sz="2000" b="1" dirty="0">
+                <a:solidFill>
+                  <a:srgbClr val="FF0000"/>
+                </a:solidFill>
+              </a:rPr>
+              <a:t>a single shared main memory</a:t>
+            </a:r>
+            <a:r>
+              <a:rPr lang="en-US" sz="2000" dirty="0"/>
+              <a:t>.</a:t>
+            </a:r>
+          </a:p>
+          <a:p>
             <a:pPr marL="0" indent="0">
               <a:buNone/>
             </a:pPr>
-            <a:r>
-              <a:rPr lang="en-US" sz="2000" dirty="0"/>
-              <a:t>On most real hardware, what causes </a:t>
+            <a:endParaRPr lang="en-US" sz="2000" dirty="0"/>
+          </a:p>
+          <a:p>
+            <a:pPr>
+              <a:buFont typeface="Wingdings" panose="05000000000000000000" pitchFamily="2" charset="2"/>
+              <a:buChar char="q"/>
+            </a:pPr>
+            <a:r>
+              <a:rPr lang="en-US" sz="2000" dirty="0"/>
+              <a:t> SC implementations will result in </a:t>
             </a:r>
             <a:r>
               <a:rPr lang="en-US" sz="2000" b="1" dirty="0">
@@ -4435,92 +4627,52 @@
                   <a:srgbClr val="FF0000"/>
                 </a:solidFill>
               </a:rPr>
-              <a:t>Dekker’s Algorithm </a:t>
-            </a:r>
-            <a:r>
-              <a:rPr lang="en-US" sz="2000" dirty="0"/>
-              <a:t>to break is the existence of </a:t>
-            </a:r>
-            <a:r>
-              <a:rPr lang="en-US" sz="2000" b="1" dirty="0">
-                <a:solidFill>
-                  <a:srgbClr val="FF0000"/>
-                </a:solidFill>
-              </a:rPr>
-              <a:t>write buffers</a:t>
+              <a:t>poor performance</a:t>
             </a:r>
             <a:r>
               <a:rPr lang="en-US" sz="2000" dirty="0"/>
               <a:t>.</a:t>
             </a:r>
           </a:p>
-        </p:txBody>
-      </p:sp>
-      <p:pic>
-        <p:nvPicPr>
-          <p:cNvPr id="5" name="Picture 4">
-            <a:extLst>
-              <a:ext uri="{FF2B5EF4-FFF2-40B4-BE49-F238E27FC236}">
-                <a16:creationId xmlns:a16="http://schemas.microsoft.com/office/drawing/2014/main" id="{1226D823-6806-477E-A2E1-B061220512BA}"/>
-              </a:ext>
-            </a:extLst>
-          </p:cNvPr>
-          <p:cNvPicPr>
-            <a:picLocks noChangeAspect="1"/>
-          </p:cNvPicPr>
-          <p:nvPr/>
-        </p:nvPicPr>
-        <p:blipFill>
-          <a:blip r:embed="rId2"/>
-          <a:stretch>
-            <a:fillRect/>
-          </a:stretch>
-        </p:blipFill>
-        <p:spPr>
-          <a:xfrm>
-            <a:off x="3933825" y="2271712"/>
-            <a:ext cx="4324350" cy="2962275"/>
-          </a:xfrm>
-          <a:prstGeom prst="rect">
-            <a:avLst/>
-          </a:prstGeom>
-        </p:spPr>
-      </p:pic>
-      <p:sp>
-        <p:nvSpPr>
-          <p:cNvPr id="6" name="TextBox 5">
-            <a:extLst>
-              <a:ext uri="{FF2B5EF4-FFF2-40B4-BE49-F238E27FC236}">
-                <a16:creationId xmlns:a16="http://schemas.microsoft.com/office/drawing/2014/main" id="{31760A02-549E-468C-B4C7-8F26C8E53D37}"/>
-              </a:ext>
-            </a:extLst>
-          </p:cNvPr>
-          <p:cNvSpPr txBox="1"/>
-          <p:nvPr/>
-        </p:nvSpPr>
-        <p:spPr>
-          <a:xfrm>
-            <a:off x="10376076" y="6449496"/>
-            <a:ext cx="1787349" cy="369332"/>
-          </a:xfrm>
-          <a:prstGeom prst="rect">
-            <a:avLst/>
-          </a:prstGeom>
-          <a:noFill/>
-        </p:spPr>
-        <p:txBody>
-          <a:bodyPr wrap="none" rtlCol="0">
-            <a:spAutoFit/>
-          </a:bodyPr>
-          <a:lstStyle/>
-          <a:p>
-            <a:r>
-              <a:rPr lang="en-US" b="1" dirty="0">
-                <a:solidFill>
-                  <a:srgbClr val="FF0000"/>
-                </a:solidFill>
-              </a:rPr>
-              <a:t>Figure Credit: [2]</a:t>
+          <a:p>
+            <a:pPr lvl="1"/>
+            <a:r>
+              <a:rPr lang="en-US" sz="2000" dirty="0">
+                <a:sym typeface="Wingdings" panose="05000000000000000000" pitchFamily="2" charset="2"/>
+              </a:rPr>
+              <a:t>SC</a:t>
+            </a:r>
+            <a:r>
+              <a:rPr lang="en-US" sz="2000" dirty="0">
+                <a:solidFill>
+                  <a:srgbClr val="00B050"/>
+                </a:solidFill>
+                <a:sym typeface="Wingdings" panose="05000000000000000000" pitchFamily="2" charset="2"/>
+              </a:rPr>
+              <a:t> </a:t>
+            </a:r>
+            <a:r>
+              <a:rPr lang="en-US" sz="2000" dirty="0">
+                <a:sym typeface="Wingdings" panose="05000000000000000000" pitchFamily="2" charset="2"/>
+              </a:rPr>
+              <a:t>is a strong memory model.</a:t>
+            </a:r>
+            <a:r>
+              <a:rPr lang="en-US" sz="1600" dirty="0"/>
+              <a:t>	</a:t>
+            </a:r>
+          </a:p>
+          <a:p>
+            <a:pPr lvl="1"/>
+            <a:r>
+              <a:rPr lang="en-US" sz="2000" dirty="0"/>
+              <a:t>The benefits of multiple threads, instruction-level parallelism, etc. are greatly limited </a:t>
+            </a:r>
+            <a:r>
+              <a:rPr lang="en-US" sz="2000" dirty="0">
+                <a:sym typeface="Wingdings" panose="05000000000000000000" pitchFamily="2" charset="2"/>
+              </a:rPr>
+              <a:t></a:t>
             </a:r>
           </a:p>
         </p:txBody>
@@ -4528,7 +4680,7 @@
     </p:spTree>
     <p:extLst>
       <p:ext uri="{BB962C8B-B14F-4D97-AF65-F5344CB8AC3E}">
-        <p14:creationId xmlns:p14="http://schemas.microsoft.com/office/powerpoint/2010/main" val="622392545"/>
+        <p14:creationId xmlns:p14="http://schemas.microsoft.com/office/powerpoint/2010/main" val="3764144486"/>
       </p:ext>
     </p:extLst>
   </p:cSld>
@@ -4560,7 +4712,7 @@
           <p:cNvPr id="2" name="Title 1">
             <a:extLst>
               <a:ext uri="{FF2B5EF4-FFF2-40B4-BE49-F238E27FC236}">
-                <a16:creationId xmlns:a16="http://schemas.microsoft.com/office/drawing/2014/main" id="{94B85293-BB73-41A5-8F96-AED5FAABB112}"/>
+                <a16:creationId xmlns:a16="http://schemas.microsoft.com/office/drawing/2014/main" id="{9C97517A-68EE-40D3-A020-A9965FA6AB62}"/>
               </a:ext>
             </a:extLst>
           </p:cNvPr>
@@ -4582,9 +4734,8 @@
                   <a:schemeClr val="accent1"/>
                 </a:solidFill>
               </a:rPr>
-              <a:t>Weak Memory Model: Write Buffer</a:t>
-            </a:r>
-            <a:endParaRPr lang="en-US" dirty="0"/>
+              <a:t>Weak Memory Model</a:t>
+            </a:r>
           </a:p>
         </p:txBody>
       </p:sp>
@@ -4593,7 +4744,7 @@
           <p:cNvPr id="3" name="Content Placeholder 2">
             <a:extLst>
               <a:ext uri="{FF2B5EF4-FFF2-40B4-BE49-F238E27FC236}">
-                <a16:creationId xmlns:a16="http://schemas.microsoft.com/office/drawing/2014/main" id="{D3937856-EE20-477A-825F-FB6810C83AA5}"/>
+                <a16:creationId xmlns:a16="http://schemas.microsoft.com/office/drawing/2014/main" id="{2E37169A-570D-4878-B30C-7716343A4590}"/>
               </a:ext>
             </a:extLst>
           </p:cNvPr>
@@ -4620,34 +4771,118 @@
                   <a:srgbClr val="FF0000"/>
                 </a:solidFill>
               </a:rPr>
-              <a:t>Purposes of the write buffer</a:t>
-            </a:r>
-          </a:p>
-          <a:p>
-            <a:pPr>
+              <a:t>Dekker’s Algorithm</a:t>
+            </a:r>
+          </a:p>
+          <a:p>
+            <a:pPr marL="0" indent="0">
+              <a:buNone/>
+            </a:pPr>
+            <a:r>
+              <a:rPr lang="en-US" sz="2000" dirty="0"/>
+              <a:t>Assume that </a:t>
+            </a:r>
+            <a:r>
+              <a:rPr lang="en-US" sz="2000" b="1" dirty="0">
+                <a:solidFill>
+                  <a:srgbClr val="FF0000"/>
+                </a:solidFill>
+              </a:rPr>
+              <a:t>Flag1 = Flag2 = 0</a:t>
+            </a:r>
+            <a:r>
+              <a:rPr lang="en-US" sz="2000" dirty="0"/>
+              <a:t>, initially.</a:t>
+            </a:r>
+          </a:p>
+          <a:p>
+            <a:pPr marL="0" indent="0">
+              <a:buNone/>
+            </a:pPr>
+            <a:endParaRPr lang="en-US" sz="2000" dirty="0"/>
+          </a:p>
+          <a:p>
+            <a:pPr marL="0" indent="0">
+              <a:buNone/>
+            </a:pPr>
+            <a:endParaRPr lang="en-US" sz="2000" dirty="0"/>
+          </a:p>
+          <a:p>
+            <a:pPr marL="0" indent="0">
+              <a:buNone/>
+            </a:pPr>
+            <a:endParaRPr lang="en-US" sz="2000" dirty="0"/>
+          </a:p>
+          <a:p>
+            <a:pPr marL="0" indent="0">
+              <a:buNone/>
+            </a:pPr>
+            <a:endParaRPr lang="en-US" sz="2000" dirty="0"/>
+          </a:p>
+          <a:p>
+            <a:pPr marL="0" indent="0">
+              <a:buNone/>
+            </a:pPr>
+            <a:r>
+              <a:rPr lang="en-US" sz="2000" b="1" dirty="0">
+                <a:solidFill>
+                  <a:srgbClr val="FF0000"/>
+                </a:solidFill>
+              </a:rPr>
+              <a:t>Q: </a:t>
+            </a:r>
+            <a:r>
+              <a:rPr lang="en-US" sz="2000" dirty="0"/>
+              <a:t>Can the two threads be inside the critical section simultaneously?</a:t>
+            </a:r>
+          </a:p>
+          <a:p>
+            <a:pPr marL="0" indent="0">
+              <a:buNone/>
+            </a:pPr>
+            <a:r>
+              <a:rPr lang="en-US" sz="2000" b="1" dirty="0">
+                <a:solidFill>
+                  <a:srgbClr val="FF0000"/>
+                </a:solidFill>
+              </a:rPr>
+              <a:t>A: </a:t>
+            </a:r>
+            <a:r>
+              <a:rPr lang="en-US" sz="2000" dirty="0"/>
+              <a:t>It depends. </a:t>
+            </a:r>
+          </a:p>
+          <a:p>
+            <a:pPr lvl="1">
               <a:buFont typeface="Wingdings" panose="05000000000000000000" pitchFamily="2" charset="2"/>
               <a:buChar char="q"/>
             </a:pPr>
             <a:r>
               <a:rPr lang="en-US" sz="2000" dirty="0"/>
-              <a:t> If the core issues writes that occur at a faster rate than the cache can respond, the write buffer can absorb the pending writes while the core can proceed to execute other instructions without stalling.</a:t>
-            </a:r>
-          </a:p>
-          <a:p>
-            <a:pPr>
+              <a:t>If Dekker’s Algorithm runs on an SC machine, </a:t>
+            </a:r>
+            <a:r>
+              <a:rPr lang="en-US" sz="2000" b="1" dirty="0">
+                <a:solidFill>
+                  <a:srgbClr val="FF0000"/>
+                </a:solidFill>
+              </a:rPr>
+              <a:t>no</a:t>
+            </a:r>
+            <a:r>
+              <a:rPr lang="en-US" sz="2000" dirty="0"/>
+              <a:t>.</a:t>
+            </a:r>
+          </a:p>
+          <a:p>
+            <a:pPr lvl="1">
               <a:buFont typeface="Wingdings" panose="05000000000000000000" pitchFamily="2" charset="2"/>
               <a:buChar char="q"/>
             </a:pPr>
-            <a:endParaRPr lang="en-US" sz="2000" dirty="0"/>
-          </a:p>
-          <a:p>
-            <a:pPr>
-              <a:buFont typeface="Wingdings" panose="05000000000000000000" pitchFamily="2" charset="2"/>
-              <a:buChar char="q"/>
-            </a:pPr>
-            <a:r>
-              <a:rPr lang="en-US" sz="2000" dirty="0"/>
-              <a:t> If there are multiple writes to </a:t>
+            <a:r>
+              <a:rPr lang="en-US" sz="2000" dirty="0"/>
+              <a:t>Otherwise, </a:t>
             </a:r>
             <a:r>
               <a:rPr lang="en-US" sz="2000" b="1" dirty="0">
@@ -4655,23 +4890,88 @@
                   <a:srgbClr val="FF0000"/>
                 </a:solidFill>
               </a:rPr>
-              <a:t>different words </a:t>
-            </a:r>
-            <a:r>
-              <a:rPr lang="en-US" sz="2000" dirty="0"/>
-              <a:t>that reside on </a:t>
-            </a:r>
-            <a:r>
-              <a:rPr lang="en-US" sz="2000" b="1" dirty="0">
+              <a:t>yes</a:t>
+            </a:r>
+            <a:r>
+              <a:rPr lang="en-US" sz="2000" dirty="0"/>
+              <a:t>, on a machine with a weaker memory model.</a:t>
+            </a:r>
+          </a:p>
+        </p:txBody>
+      </p:sp>
+      <p:sp>
+        <p:nvSpPr>
+          <p:cNvPr id="4" name="TextBox 3">
+            <a:extLst>
+              <a:ext uri="{FF2B5EF4-FFF2-40B4-BE49-F238E27FC236}">
+                <a16:creationId xmlns:a16="http://schemas.microsoft.com/office/drawing/2014/main" id="{46527B02-0562-4F23-877E-F58889CC6396}"/>
+              </a:ext>
+            </a:extLst>
+          </p:cNvPr>
+          <p:cNvSpPr txBox="1"/>
+          <p:nvPr/>
+        </p:nvSpPr>
+        <p:spPr>
+          <a:xfrm>
+            <a:off x="3124200" y="2800965"/>
+            <a:ext cx="5943600" cy="1200329"/>
+          </a:xfrm>
+          <a:prstGeom prst="rect">
+            <a:avLst/>
+          </a:prstGeom>
+          <a:noFill/>
+        </p:spPr>
+        <p:txBody>
+          <a:bodyPr wrap="square" rtlCol="0">
+            <a:spAutoFit/>
+          </a:bodyPr>
+          <a:lstStyle/>
+          <a:p>
+            <a:r>
+              <a:rPr lang="en-US" b="1" dirty="0">
                 <a:solidFill>
                   <a:srgbClr val="FF0000"/>
                 </a:solidFill>
               </a:rPr>
-              <a:t>the same cachline</a:t>
-            </a:r>
-            <a:r>
-              <a:rPr lang="en-US" sz="2000" dirty="0"/>
-              <a:t>, these writes can be combined into a single write, which can reduce the number of writes that need to be serviced by the cache.</a:t>
+              <a:t>Thread T0</a:t>
+            </a:r>
+            <a:r>
+              <a:rPr lang="en-US" dirty="0"/>
+              <a:t>		          </a:t>
+            </a:r>
+            <a:r>
+              <a:rPr lang="en-US" b="1" dirty="0">
+                <a:solidFill>
+                  <a:srgbClr val="FF0000"/>
+                </a:solidFill>
+              </a:rPr>
+              <a:t>Thread T1   </a:t>
+            </a:r>
+            <a:r>
+              <a:rPr lang="en-US" dirty="0">
+                <a:solidFill>
+                  <a:srgbClr val="FF0000"/>
+                </a:solidFill>
+              </a:rPr>
+              <a:t>   </a:t>
+            </a:r>
+          </a:p>
+          <a:p>
+            <a:r>
+              <a:rPr lang="en-US" dirty="0"/>
+              <a:t>(1) Flag1 = 1                                         (3) Flag2 = 1</a:t>
+            </a:r>
+          </a:p>
+          <a:p>
+            <a:r>
+              <a:rPr lang="en-US" dirty="0"/>
+              <a:t>(2) if(Flag2==0)                                    (4) if(Flag1==0)</a:t>
+            </a:r>
+          </a:p>
+          <a:p>
+            <a:r>
+              <a:rPr lang="en-US" dirty="0"/>
+              <a:t>      Critical Section                                        Critical Section</a:t>
             </a:r>
           </a:p>
         </p:txBody>
@@ -4679,7 +4979,7 @@
     </p:spTree>
     <p:extLst>
       <p:ext uri="{BB962C8B-B14F-4D97-AF65-F5344CB8AC3E}">
-        <p14:creationId xmlns:p14="http://schemas.microsoft.com/office/powerpoint/2010/main" val="3087405430"/>
+        <p14:creationId xmlns:p14="http://schemas.microsoft.com/office/powerpoint/2010/main" val="2738943310"/>
       </p:ext>
     </p:extLst>
   </p:cSld>
@@ -4711,6 +5011,346 @@
           <p:cNvPr id="2" name="Title 1">
             <a:extLst>
               <a:ext uri="{FF2B5EF4-FFF2-40B4-BE49-F238E27FC236}">
+                <a16:creationId xmlns:a16="http://schemas.microsoft.com/office/drawing/2014/main" id="{AE88BA52-AFCF-4C2E-8F2B-C7A01FF0C32B}"/>
+              </a:ext>
+            </a:extLst>
+          </p:cNvPr>
+          <p:cNvSpPr>
+            <a:spLocks noGrp="1"/>
+          </p:cNvSpPr>
+          <p:nvPr>
+            <p:ph type="title"/>
+          </p:nvPr>
+        </p:nvSpPr>
+        <p:spPr/>
+        <p:txBody>
+          <a:bodyPr/>
+          <a:lstStyle/>
+          <a:p>
+            <a:r>
+              <a:rPr lang="en-US" dirty="0">
+                <a:solidFill>
+                  <a:schemeClr val="accent1"/>
+                </a:solidFill>
+              </a:rPr>
+              <a:t>Weak Memory Model: Write Buffer</a:t>
+            </a:r>
+            <a:endParaRPr lang="en-US" dirty="0"/>
+          </a:p>
+        </p:txBody>
+      </p:sp>
+      <p:sp>
+        <p:nvSpPr>
+          <p:cNvPr id="3" name="Content Placeholder 2">
+            <a:extLst>
+              <a:ext uri="{FF2B5EF4-FFF2-40B4-BE49-F238E27FC236}">
+                <a16:creationId xmlns:a16="http://schemas.microsoft.com/office/drawing/2014/main" id="{A1F4D12A-37AF-4553-91D8-49DD7272B280}"/>
+              </a:ext>
+            </a:extLst>
+          </p:cNvPr>
+          <p:cNvSpPr>
+            <a:spLocks noGrp="1"/>
+          </p:cNvSpPr>
+          <p:nvPr>
+            <p:ph idx="1"/>
+          </p:nvPr>
+        </p:nvSpPr>
+        <p:spPr/>
+        <p:txBody>
+          <a:bodyPr>
+            <a:normAutofit/>
+          </a:bodyPr>
+          <a:lstStyle/>
+          <a:p>
+            <a:pPr marL="0" indent="0">
+              <a:buNone/>
+            </a:pPr>
+            <a:r>
+              <a:rPr lang="en-US" sz="2000" dirty="0"/>
+              <a:t>On most real hardware, what causes </a:t>
+            </a:r>
+            <a:r>
+              <a:rPr lang="en-US" sz="2000" b="1" dirty="0">
+                <a:solidFill>
+                  <a:srgbClr val="FF0000"/>
+                </a:solidFill>
+              </a:rPr>
+              <a:t>Dekker’s Algorithm </a:t>
+            </a:r>
+            <a:r>
+              <a:rPr lang="en-US" sz="2000" dirty="0"/>
+              <a:t>to break is the existence of </a:t>
+            </a:r>
+            <a:r>
+              <a:rPr lang="en-US" sz="2000" b="1" dirty="0">
+                <a:solidFill>
+                  <a:srgbClr val="FF0000"/>
+                </a:solidFill>
+              </a:rPr>
+              <a:t>write buffers</a:t>
+            </a:r>
+            <a:r>
+              <a:rPr lang="en-US" sz="2000" dirty="0"/>
+              <a:t>.</a:t>
+            </a:r>
+          </a:p>
+        </p:txBody>
+      </p:sp>
+      <p:pic>
+        <p:nvPicPr>
+          <p:cNvPr id="5" name="Picture 4">
+            <a:extLst>
+              <a:ext uri="{FF2B5EF4-FFF2-40B4-BE49-F238E27FC236}">
+                <a16:creationId xmlns:a16="http://schemas.microsoft.com/office/drawing/2014/main" id="{1226D823-6806-477E-A2E1-B061220512BA}"/>
+              </a:ext>
+            </a:extLst>
+          </p:cNvPr>
+          <p:cNvPicPr>
+            <a:picLocks noChangeAspect="1"/>
+          </p:cNvPicPr>
+          <p:nvPr/>
+        </p:nvPicPr>
+        <p:blipFill>
+          <a:blip r:embed="rId2"/>
+          <a:stretch>
+            <a:fillRect/>
+          </a:stretch>
+        </p:blipFill>
+        <p:spPr>
+          <a:xfrm>
+            <a:off x="3933825" y="2271712"/>
+            <a:ext cx="4324350" cy="2962275"/>
+          </a:xfrm>
+          <a:prstGeom prst="rect">
+            <a:avLst/>
+          </a:prstGeom>
+        </p:spPr>
+      </p:pic>
+      <p:sp>
+        <p:nvSpPr>
+          <p:cNvPr id="6" name="TextBox 5">
+            <a:extLst>
+              <a:ext uri="{FF2B5EF4-FFF2-40B4-BE49-F238E27FC236}">
+                <a16:creationId xmlns:a16="http://schemas.microsoft.com/office/drawing/2014/main" id="{31760A02-549E-468C-B4C7-8F26C8E53D37}"/>
+              </a:ext>
+            </a:extLst>
+          </p:cNvPr>
+          <p:cNvSpPr txBox="1"/>
+          <p:nvPr/>
+        </p:nvSpPr>
+        <p:spPr>
+          <a:xfrm>
+            <a:off x="10376076" y="6449496"/>
+            <a:ext cx="1787349" cy="369332"/>
+          </a:xfrm>
+          <a:prstGeom prst="rect">
+            <a:avLst/>
+          </a:prstGeom>
+          <a:noFill/>
+        </p:spPr>
+        <p:txBody>
+          <a:bodyPr wrap="none" rtlCol="0">
+            <a:spAutoFit/>
+          </a:bodyPr>
+          <a:lstStyle/>
+          <a:p>
+            <a:r>
+              <a:rPr lang="en-US" b="1" dirty="0">
+                <a:solidFill>
+                  <a:srgbClr val="FF0000"/>
+                </a:solidFill>
+              </a:rPr>
+              <a:t>Figure Credit: [2]</a:t>
+            </a:r>
+          </a:p>
+        </p:txBody>
+      </p:sp>
+    </p:spTree>
+    <p:extLst>
+      <p:ext uri="{BB962C8B-B14F-4D97-AF65-F5344CB8AC3E}">
+        <p14:creationId xmlns:p14="http://schemas.microsoft.com/office/powerpoint/2010/main" val="622392545"/>
+      </p:ext>
+    </p:extLst>
+  </p:cSld>
+  <p:clrMapOvr>
+    <a:masterClrMapping/>
+  </p:clrMapOvr>
+</p:sld>
+</file>
+
+<file path=ppt/slides/slide14.xml><?xml version="1.0" encoding="utf-8"?>
+<p:sld xmlns:a="http://schemas.openxmlformats.org/drawingml/2006/main" xmlns:r="http://schemas.openxmlformats.org/officeDocument/2006/relationships" xmlns:p="http://schemas.openxmlformats.org/presentationml/2006/main">
+  <p:cSld>
+    <p:spTree>
+      <p:nvGrpSpPr>
+        <p:cNvPr id="1" name=""/>
+        <p:cNvGrpSpPr/>
+        <p:nvPr/>
+      </p:nvGrpSpPr>
+      <p:grpSpPr>
+        <a:xfrm>
+          <a:off x="0" y="0"/>
+          <a:ext cx="0" cy="0"/>
+          <a:chOff x="0" y="0"/>
+          <a:chExt cx="0" cy="0"/>
+        </a:xfrm>
+      </p:grpSpPr>
+      <p:sp>
+        <p:nvSpPr>
+          <p:cNvPr id="2" name="Title 1">
+            <a:extLst>
+              <a:ext uri="{FF2B5EF4-FFF2-40B4-BE49-F238E27FC236}">
+                <a16:creationId xmlns:a16="http://schemas.microsoft.com/office/drawing/2014/main" id="{94B85293-BB73-41A5-8F96-AED5FAABB112}"/>
+              </a:ext>
+            </a:extLst>
+          </p:cNvPr>
+          <p:cNvSpPr>
+            <a:spLocks noGrp="1"/>
+          </p:cNvSpPr>
+          <p:nvPr>
+            <p:ph type="title"/>
+          </p:nvPr>
+        </p:nvSpPr>
+        <p:spPr/>
+        <p:txBody>
+          <a:bodyPr/>
+          <a:lstStyle/>
+          <a:p>
+            <a:r>
+              <a:rPr lang="en-US" dirty="0">
+                <a:solidFill>
+                  <a:schemeClr val="accent1"/>
+                </a:solidFill>
+              </a:rPr>
+              <a:t>Weak Memory Model: Write Buffer</a:t>
+            </a:r>
+            <a:endParaRPr lang="en-US" dirty="0"/>
+          </a:p>
+        </p:txBody>
+      </p:sp>
+      <p:sp>
+        <p:nvSpPr>
+          <p:cNvPr id="3" name="Content Placeholder 2">
+            <a:extLst>
+              <a:ext uri="{FF2B5EF4-FFF2-40B4-BE49-F238E27FC236}">
+                <a16:creationId xmlns:a16="http://schemas.microsoft.com/office/drawing/2014/main" id="{D3937856-EE20-477A-825F-FB6810C83AA5}"/>
+              </a:ext>
+            </a:extLst>
+          </p:cNvPr>
+          <p:cNvSpPr>
+            <a:spLocks noGrp="1"/>
+          </p:cNvSpPr>
+          <p:nvPr>
+            <p:ph idx="1"/>
+          </p:nvPr>
+        </p:nvSpPr>
+        <p:spPr/>
+        <p:txBody>
+          <a:bodyPr>
+            <a:normAutofit/>
+          </a:bodyPr>
+          <a:lstStyle/>
+          <a:p>
+            <a:pPr marL="0" indent="0">
+              <a:buNone/>
+            </a:pPr>
+            <a:r>
+              <a:rPr lang="en-US" sz="2000" b="1" u="sng" dirty="0">
+                <a:solidFill>
+                  <a:srgbClr val="FF0000"/>
+                </a:solidFill>
+              </a:rPr>
+              <a:t>Purposes of the write buffer</a:t>
+            </a:r>
+          </a:p>
+          <a:p>
+            <a:pPr>
+              <a:buFont typeface="Wingdings" panose="05000000000000000000" pitchFamily="2" charset="2"/>
+              <a:buChar char="q"/>
+            </a:pPr>
+            <a:r>
+              <a:rPr lang="en-US" sz="2000" dirty="0"/>
+              <a:t> If the core issues writes that occur at a faster rate than the cache can respond, the write buffer can absorb the pending writes while the core can proceed to execute other instructions without stalling.</a:t>
+            </a:r>
+          </a:p>
+          <a:p>
+            <a:pPr>
+              <a:buFont typeface="Wingdings" panose="05000000000000000000" pitchFamily="2" charset="2"/>
+              <a:buChar char="q"/>
+            </a:pPr>
+            <a:endParaRPr lang="en-US" sz="2000" dirty="0"/>
+          </a:p>
+          <a:p>
+            <a:pPr>
+              <a:buFont typeface="Wingdings" panose="05000000000000000000" pitchFamily="2" charset="2"/>
+              <a:buChar char="q"/>
+            </a:pPr>
+            <a:r>
+              <a:rPr lang="en-US" sz="2000" dirty="0"/>
+              <a:t> If there are multiple writes to </a:t>
+            </a:r>
+            <a:r>
+              <a:rPr lang="en-US" sz="2000" b="1" dirty="0">
+                <a:solidFill>
+                  <a:srgbClr val="FF0000"/>
+                </a:solidFill>
+              </a:rPr>
+              <a:t>different words </a:t>
+            </a:r>
+            <a:r>
+              <a:rPr lang="en-US" sz="2000" dirty="0"/>
+              <a:t>that reside on </a:t>
+            </a:r>
+            <a:r>
+              <a:rPr lang="en-US" sz="2000" b="1" dirty="0">
+                <a:solidFill>
+                  <a:srgbClr val="FF0000"/>
+                </a:solidFill>
+              </a:rPr>
+              <a:t>the same cachline</a:t>
+            </a:r>
+            <a:r>
+              <a:rPr lang="en-US" sz="2000" dirty="0"/>
+              <a:t>, these writes can be combined into a single write, which can reduce the number of writes that need to be serviced by the cache.</a:t>
+            </a:r>
+          </a:p>
+        </p:txBody>
+      </p:sp>
+    </p:spTree>
+    <p:extLst>
+      <p:ext uri="{BB962C8B-B14F-4D97-AF65-F5344CB8AC3E}">
+        <p14:creationId xmlns:p14="http://schemas.microsoft.com/office/powerpoint/2010/main" val="3087405430"/>
+      </p:ext>
+    </p:extLst>
+  </p:cSld>
+  <p:clrMapOvr>
+    <a:masterClrMapping/>
+  </p:clrMapOvr>
+</p:sld>
+</file>
+
+<file path=ppt/slides/slide15.xml><?xml version="1.0" encoding="utf-8"?>
+<p:sld xmlns:a="http://schemas.openxmlformats.org/drawingml/2006/main" xmlns:r="http://schemas.openxmlformats.org/officeDocument/2006/relationships" xmlns:p="http://schemas.openxmlformats.org/presentationml/2006/main">
+  <p:cSld>
+    <p:spTree>
+      <p:nvGrpSpPr>
+        <p:cNvPr id="1" name=""/>
+        <p:cNvGrpSpPr/>
+        <p:nvPr/>
+      </p:nvGrpSpPr>
+      <p:grpSpPr>
+        <a:xfrm>
+          <a:off x="0" y="0"/>
+          <a:ext cx="0" cy="0"/>
+          <a:chOff x="0" y="0"/>
+          <a:chExt cx="0" cy="0"/>
+        </a:xfrm>
+      </p:grpSpPr>
+      <p:sp>
+        <p:nvSpPr>
+          <p:cNvPr id="2" name="Title 1">
+            <a:extLst>
+              <a:ext uri="{FF2B5EF4-FFF2-40B4-BE49-F238E27FC236}">
                 <a16:creationId xmlns:a16="http://schemas.microsoft.com/office/drawing/2014/main" id="{2D5903BA-2CC2-48E5-AC68-96612CD83285}"/>
               </a:ext>
             </a:extLst>
@@ -4840,7 +5480,7 @@
 </p:sld>
 </file>
 
-<file path=ppt/slides/slide14.xml><?xml version="1.0" encoding="utf-8"?>
+<file path=ppt/slides/slide16.xml><?xml version="1.0" encoding="utf-8"?>
 <p:sld xmlns:a="http://schemas.openxmlformats.org/drawingml/2006/main" xmlns:r="http://schemas.openxmlformats.org/officeDocument/2006/relationships" xmlns:p="http://schemas.openxmlformats.org/presentationml/2006/main">
   <p:cSld>
     <p:spTree>
@@ -6034,7 +6674,7 @@
 </p:sld>
 </file>
 
-<file path=ppt/slides/slide15.xml><?xml version="1.0" encoding="utf-8"?>
+<file path=ppt/slides/slide17.xml><?xml version="1.0" encoding="utf-8"?>
 <p:sld xmlns:a="http://schemas.openxmlformats.org/drawingml/2006/main" xmlns:r="http://schemas.openxmlformats.org/officeDocument/2006/relationships" xmlns:p="http://schemas.openxmlformats.org/presentationml/2006/main">
   <p:cSld>
     <p:spTree>
@@ -7297,484 +7937,6 @@
 </p:sld>
 </file>
 
-<file path=ppt/slides/slide16.xml><?xml version="1.0" encoding="utf-8"?>
-<p:sld xmlns:a="http://schemas.openxmlformats.org/drawingml/2006/main" xmlns:r="http://schemas.openxmlformats.org/officeDocument/2006/relationships" xmlns:p="http://schemas.openxmlformats.org/presentationml/2006/main">
-  <p:cSld>
-    <p:spTree>
-      <p:nvGrpSpPr>
-        <p:cNvPr id="1" name=""/>
-        <p:cNvGrpSpPr/>
-        <p:nvPr/>
-      </p:nvGrpSpPr>
-      <p:grpSpPr>
-        <a:xfrm>
-          <a:off x="0" y="0"/>
-          <a:ext cx="0" cy="0"/>
-          <a:chOff x="0" y="0"/>
-          <a:chExt cx="0" cy="0"/>
-        </a:xfrm>
-      </p:grpSpPr>
-      <p:sp>
-        <p:nvSpPr>
-          <p:cNvPr id="2" name="Title 1">
-            <a:extLst>
-              <a:ext uri="{FF2B5EF4-FFF2-40B4-BE49-F238E27FC236}">
-                <a16:creationId xmlns:a16="http://schemas.microsoft.com/office/drawing/2014/main" id="{69BBF73D-4C75-4A57-B30E-9E2C233A3D89}"/>
-              </a:ext>
-            </a:extLst>
-          </p:cNvPr>
-          <p:cNvSpPr>
-            <a:spLocks noGrp="1"/>
-          </p:cNvSpPr>
-          <p:nvPr>
-            <p:ph type="title"/>
-          </p:nvPr>
-        </p:nvSpPr>
-        <p:spPr/>
-        <p:txBody>
-          <a:bodyPr/>
-          <a:lstStyle/>
-          <a:p>
-            <a:r>
-              <a:rPr lang="en-US" dirty="0">
-                <a:solidFill>
-                  <a:schemeClr val="accent1"/>
-                </a:solidFill>
-              </a:rPr>
-              <a:t>OpenMP: Memory Model</a:t>
-            </a:r>
-          </a:p>
-        </p:txBody>
-      </p:sp>
-      <p:sp>
-        <p:nvSpPr>
-          <p:cNvPr id="3" name="Content Placeholder 2">
-            <a:extLst>
-              <a:ext uri="{FF2B5EF4-FFF2-40B4-BE49-F238E27FC236}">
-                <a16:creationId xmlns:a16="http://schemas.microsoft.com/office/drawing/2014/main" id="{98D61C50-A4A1-4FF1-B1E4-68E6354CEC31}"/>
-              </a:ext>
-            </a:extLst>
-          </p:cNvPr>
-          <p:cNvSpPr>
-            <a:spLocks noGrp="1"/>
-          </p:cNvSpPr>
-          <p:nvPr>
-            <p:ph idx="1"/>
-          </p:nvPr>
-        </p:nvSpPr>
-        <p:spPr/>
-        <p:txBody>
-          <a:bodyPr>
-            <a:normAutofit/>
-          </a:bodyPr>
-          <a:lstStyle/>
-          <a:p>
-            <a:pPr marL="0" indent="0">
-              <a:buNone/>
-            </a:pPr>
-            <a:r>
-              <a:rPr lang="en-US" sz="2000" dirty="0"/>
-              <a:t>OpenMP supports a </a:t>
-            </a:r>
-            <a:r>
-              <a:rPr lang="en-US" sz="2000" b="1" dirty="0">
-                <a:solidFill>
-                  <a:srgbClr val="FF0000"/>
-                </a:solidFill>
-              </a:rPr>
-              <a:t>relaxed memory model</a:t>
-            </a:r>
-            <a:r>
-              <a:rPr lang="en-US" sz="2000" dirty="0"/>
-              <a:t>.</a:t>
-            </a:r>
-          </a:p>
-          <a:p>
-            <a:pPr>
-              <a:buFont typeface="Wingdings" panose="05000000000000000000" pitchFamily="2" charset="2"/>
-              <a:buChar char="q"/>
-            </a:pPr>
-            <a:r>
-              <a:rPr lang="en-US" sz="2000" dirty="0"/>
-              <a:t> Each thread can maintain a </a:t>
-            </a:r>
-            <a:r>
-              <a:rPr lang="en-US" sz="2000" b="1" dirty="0">
-                <a:solidFill>
-                  <a:srgbClr val="FF0000"/>
-                </a:solidFill>
-              </a:rPr>
-              <a:t>temporary view </a:t>
-            </a:r>
-            <a:r>
-              <a:rPr lang="en-US" sz="2000" dirty="0"/>
-              <a:t>of shared memory that is not consistent with that of other threads.</a:t>
-            </a:r>
-          </a:p>
-          <a:p>
-            <a:pPr>
-              <a:buFont typeface="Wingdings" panose="05000000000000000000" pitchFamily="2" charset="2"/>
-              <a:buChar char="q"/>
-            </a:pPr>
-            <a:r>
-              <a:rPr lang="en-US" sz="2000" dirty="0"/>
-              <a:t> These temporary views are made consistent with the shared memory </a:t>
-            </a:r>
-            <a:r>
-              <a:rPr lang="en-US" sz="2000" b="1" dirty="0">
-                <a:solidFill>
-                  <a:srgbClr val="FF0000"/>
-                </a:solidFill>
-              </a:rPr>
-              <a:t>at certain points </a:t>
-            </a:r>
-            <a:r>
-              <a:rPr lang="en-US" sz="2000" dirty="0"/>
-              <a:t>in the program.</a:t>
-            </a:r>
-          </a:p>
-          <a:p>
-            <a:pPr>
-              <a:buFont typeface="Wingdings" panose="05000000000000000000" pitchFamily="2" charset="2"/>
-              <a:buChar char="q"/>
-            </a:pPr>
-            <a:r>
-              <a:rPr lang="en-US" sz="2000" dirty="0"/>
-              <a:t> The operation used to maintain consistency is the </a:t>
-            </a:r>
-            <a:r>
-              <a:rPr lang="en-US" sz="2000" b="1" dirty="0">
-                <a:solidFill>
-                  <a:srgbClr val="FF0000"/>
-                </a:solidFill>
-              </a:rPr>
-              <a:t>flush</a:t>
-            </a:r>
-            <a:r>
-              <a:rPr lang="en-US" sz="2000" dirty="0"/>
-              <a:t> operation.</a:t>
-            </a:r>
-          </a:p>
-          <a:p>
-            <a:endParaRPr lang="en-US" sz="2000" dirty="0"/>
-          </a:p>
-        </p:txBody>
-      </p:sp>
-    </p:spTree>
-    <p:extLst>
-      <p:ext uri="{BB962C8B-B14F-4D97-AF65-F5344CB8AC3E}">
-        <p14:creationId xmlns:p14="http://schemas.microsoft.com/office/powerpoint/2010/main" val="98574315"/>
-      </p:ext>
-    </p:extLst>
-  </p:cSld>
-  <p:clrMapOvr>
-    <a:masterClrMapping/>
-  </p:clrMapOvr>
-</p:sld>
-</file>
-
-<file path=ppt/slides/slide17.xml><?xml version="1.0" encoding="utf-8"?>
-<p:sld xmlns:a="http://schemas.openxmlformats.org/drawingml/2006/main" xmlns:r="http://schemas.openxmlformats.org/officeDocument/2006/relationships" xmlns:p="http://schemas.openxmlformats.org/presentationml/2006/main">
-  <p:cSld>
-    <p:spTree>
-      <p:nvGrpSpPr>
-        <p:cNvPr id="1" name=""/>
-        <p:cNvGrpSpPr/>
-        <p:nvPr/>
-      </p:nvGrpSpPr>
-      <p:grpSpPr>
-        <a:xfrm>
-          <a:off x="0" y="0"/>
-          <a:ext cx="0" cy="0"/>
-          <a:chOff x="0" y="0"/>
-          <a:chExt cx="0" cy="0"/>
-        </a:xfrm>
-      </p:grpSpPr>
-      <p:sp>
-        <p:nvSpPr>
-          <p:cNvPr id="2" name="Title 1">
-            <a:extLst>
-              <a:ext uri="{FF2B5EF4-FFF2-40B4-BE49-F238E27FC236}">
-                <a16:creationId xmlns:a16="http://schemas.microsoft.com/office/drawing/2014/main" id="{9C4AAE1C-81A5-4D3E-8340-95029E90B301}"/>
-              </a:ext>
-            </a:extLst>
-          </p:cNvPr>
-          <p:cNvSpPr>
-            <a:spLocks noGrp="1"/>
-          </p:cNvSpPr>
-          <p:nvPr>
-            <p:ph type="title"/>
-          </p:nvPr>
-        </p:nvSpPr>
-        <p:spPr/>
-        <p:txBody>
-          <a:bodyPr/>
-          <a:lstStyle/>
-          <a:p>
-            <a:r>
-              <a:rPr lang="en-US" dirty="0">
-                <a:solidFill>
-                  <a:schemeClr val="accent1"/>
-                </a:solidFill>
-              </a:rPr>
-              <a:t>OpenMP: Flush</a:t>
-            </a:r>
-            <a:endParaRPr lang="en-US" dirty="0"/>
-          </a:p>
-        </p:txBody>
-      </p:sp>
-      <p:sp>
-        <p:nvSpPr>
-          <p:cNvPr id="3" name="Content Placeholder 2">
-            <a:extLst>
-              <a:ext uri="{FF2B5EF4-FFF2-40B4-BE49-F238E27FC236}">
-                <a16:creationId xmlns:a16="http://schemas.microsoft.com/office/drawing/2014/main" id="{AB496106-9E6F-4EBF-B9A8-016F78E064D8}"/>
-              </a:ext>
-            </a:extLst>
-          </p:cNvPr>
-          <p:cNvSpPr>
-            <a:spLocks noGrp="1"/>
-          </p:cNvSpPr>
-          <p:nvPr>
-            <p:ph idx="1"/>
-          </p:nvPr>
-        </p:nvSpPr>
-        <p:spPr>
-          <a:xfrm>
-            <a:off x="838200" y="1854200"/>
-            <a:ext cx="10515600" cy="4351338"/>
-          </a:xfrm>
-        </p:spPr>
-        <p:txBody>
-          <a:bodyPr/>
-          <a:lstStyle/>
-          <a:p>
-            <a:pPr marL="0" indent="0">
-              <a:buNone/>
-            </a:pPr>
-            <a:r>
-              <a:rPr lang="en-US" sz="2000" dirty="0"/>
-              <a:t>Each thread has a </a:t>
-            </a:r>
-            <a:r>
-              <a:rPr lang="en-US" sz="2000" b="1" dirty="0">
-                <a:solidFill>
-                  <a:srgbClr val="FF0000"/>
-                </a:solidFill>
-              </a:rPr>
-              <a:t>temporary view </a:t>
-            </a:r>
-            <a:r>
-              <a:rPr lang="en-US" sz="2000" dirty="0"/>
-              <a:t>of </a:t>
-            </a:r>
-            <a:r>
-              <a:rPr lang="en-US" sz="2000" b="1" dirty="0">
-                <a:solidFill>
-                  <a:srgbClr val="FF0000"/>
-                </a:solidFill>
-              </a:rPr>
-              <a:t>shared memory </a:t>
-            </a:r>
-            <a:r>
-              <a:rPr lang="en-US" sz="2000" dirty="0"/>
-              <a:t>that it uses to store data temporarily and hidden from the other threads.</a:t>
-            </a:r>
-          </a:p>
-          <a:p>
-            <a:pPr lvl="1">
-              <a:buFont typeface="Wingdings" panose="05000000000000000000" pitchFamily="2" charset="2"/>
-              <a:buChar char="q"/>
-            </a:pPr>
-            <a:r>
-              <a:rPr lang="en-US" sz="2000" dirty="0"/>
-              <a:t> Writes to memory can be delayed and overlapped with other operations.</a:t>
-            </a:r>
-          </a:p>
-          <a:p>
-            <a:pPr lvl="1">
-              <a:buFont typeface="Wingdings" panose="05000000000000000000" pitchFamily="2" charset="2"/>
-              <a:buChar char="q"/>
-            </a:pPr>
-            <a:r>
-              <a:rPr lang="en-US" sz="2000" dirty="0"/>
-              <a:t> Reads from memory may be directly satisfied with local copies (cached in </a:t>
-            </a:r>
-            <a:r>
-              <a:rPr lang="en-US" sz="2000" b="1" dirty="0">
-                <a:solidFill>
-                  <a:srgbClr val="FF0000"/>
-                </a:solidFill>
-              </a:rPr>
-              <a:t>CPU registers</a:t>
-            </a:r>
-            <a:r>
-              <a:rPr lang="en-US" sz="2000" dirty="0"/>
-              <a:t>) until they are forced into memory by </a:t>
-            </a:r>
-            <a:r>
-              <a:rPr lang="en-US" sz="2000" b="1" dirty="0">
-                <a:solidFill>
-                  <a:srgbClr val="FF0000"/>
-                </a:solidFill>
-              </a:rPr>
-              <a:t>flushes</a:t>
-            </a:r>
-            <a:r>
-              <a:rPr lang="en-US" sz="2000" dirty="0"/>
-              <a:t>. </a:t>
-            </a:r>
-          </a:p>
-          <a:p>
-            <a:pPr marL="457200" lvl="1" indent="0">
-              <a:buNone/>
-            </a:pPr>
-            <a:endParaRPr lang="en-US" sz="2000" dirty="0"/>
-          </a:p>
-          <a:p>
-            <a:pPr marL="0" indent="0">
-              <a:buNone/>
-            </a:pPr>
-            <a:r>
-              <a:rPr lang="en-US" sz="2000" dirty="0"/>
-              <a:t>The </a:t>
-            </a:r>
-            <a:r>
-              <a:rPr lang="en-US" sz="2000" b="1" dirty="0">
-                <a:solidFill>
-                  <a:srgbClr val="FF0000"/>
-                </a:solidFill>
-              </a:rPr>
-              <a:t>flush</a:t>
-            </a:r>
-            <a:r>
-              <a:rPr lang="en-US" sz="2000" dirty="0"/>
-              <a:t> operation defines a sequence of points at which a thread is guaranteed to see a </a:t>
-            </a:r>
-            <a:r>
-              <a:rPr lang="en-US" sz="2000" b="1" dirty="0">
-                <a:solidFill>
-                  <a:srgbClr val="FF0000"/>
-                </a:solidFill>
-              </a:rPr>
-              <a:t>consistent view </a:t>
-            </a:r>
-            <a:r>
-              <a:rPr lang="en-US" sz="2000" dirty="0"/>
-              <a:t>of the shared memory.</a:t>
-            </a:r>
-          </a:p>
-          <a:p>
-            <a:pPr lvl="1">
-              <a:buFont typeface="Wingdings" panose="05000000000000000000" pitchFamily="2" charset="2"/>
-              <a:buChar char="q"/>
-            </a:pPr>
-            <a:r>
-              <a:rPr lang="en-US" sz="2000" dirty="0"/>
-              <a:t> Upon a </a:t>
-            </a:r>
-            <a:r>
-              <a:rPr lang="en-US" sz="2000" b="1" dirty="0">
-                <a:solidFill>
-                  <a:srgbClr val="FF0000"/>
-                </a:solidFill>
-              </a:rPr>
-              <a:t>flush</a:t>
-            </a:r>
-            <a:r>
-              <a:rPr lang="en-US" sz="2000" dirty="0"/>
-              <a:t>, a thread performs the following:</a:t>
-            </a:r>
-          </a:p>
-          <a:p>
-            <a:pPr lvl="2"/>
-            <a:r>
-              <a:rPr lang="en-US" dirty="0"/>
-              <a:t>Force all the pending writes into the shared memory</a:t>
-            </a:r>
-          </a:p>
-          <a:p>
-            <a:pPr lvl="2"/>
-            <a:r>
-              <a:rPr lang="en-US" dirty="0"/>
-              <a:t>Discard the local copies and satisfy reads directly from the shared memory</a:t>
-            </a:r>
-          </a:p>
-          <a:p>
-            <a:pPr lvl="2"/>
-            <a:r>
-              <a:rPr lang="en-US" dirty="0"/>
-              <a:t>Prevent any reads or writes from this thread from reordering </a:t>
-            </a:r>
-            <a:r>
-              <a:rPr lang="en-US" b="1" dirty="0">
-                <a:solidFill>
-                  <a:srgbClr val="FF0000"/>
-                </a:solidFill>
-              </a:rPr>
-              <a:t>across the flush </a:t>
-            </a:r>
-          </a:p>
-          <a:p>
-            <a:pPr lvl="3">
-              <a:buFont typeface="Wingdings" panose="05000000000000000000" pitchFamily="2" charset="2"/>
-              <a:buChar char="§"/>
-            </a:pPr>
-            <a:r>
-              <a:rPr lang="en-US" sz="2000" dirty="0"/>
-              <a:t>This is analogous to a </a:t>
-            </a:r>
-            <a:r>
-              <a:rPr lang="en-US" sz="2000" b="1" dirty="0">
-                <a:solidFill>
-                  <a:srgbClr val="FF0000"/>
-                </a:solidFill>
-              </a:rPr>
-              <a:t>fence</a:t>
-            </a:r>
-            <a:r>
-              <a:rPr lang="en-US" sz="2000" dirty="0"/>
-              <a:t> in other shared memory APIs/ISAs.</a:t>
-            </a:r>
-          </a:p>
-          <a:p>
-            <a:pPr lvl="1">
-              <a:buFont typeface="Wingdings" panose="05000000000000000000" pitchFamily="2" charset="2"/>
-              <a:buChar char="§"/>
-            </a:pPr>
-            <a:endParaRPr lang="en-US" sz="2000" dirty="0"/>
-          </a:p>
-          <a:p>
-            <a:pPr lvl="1"/>
-            <a:endParaRPr lang="en-US" sz="2000" dirty="0"/>
-          </a:p>
-          <a:p>
-            <a:pPr marL="0" indent="0">
-              <a:buNone/>
-            </a:pPr>
-            <a:endParaRPr lang="en-US" sz="2000" dirty="0"/>
-          </a:p>
-          <a:p>
-            <a:pPr marL="0" indent="0">
-              <a:buNone/>
-            </a:pPr>
-            <a:endParaRPr lang="en-US" dirty="0"/>
-          </a:p>
-        </p:txBody>
-      </p:sp>
-    </p:spTree>
-    <p:extLst>
-      <p:ext uri="{BB962C8B-B14F-4D97-AF65-F5344CB8AC3E}">
-        <p14:creationId xmlns:p14="http://schemas.microsoft.com/office/powerpoint/2010/main" val="382629584"/>
-      </p:ext>
-    </p:extLst>
-  </p:cSld>
-  <p:clrMapOvr>
-    <a:masterClrMapping/>
-  </p:clrMapOvr>
-</p:sld>
-</file>
-
 <file path=ppt/slides/slide18.xml><?xml version="1.0" encoding="utf-8"?>
 <p:sld xmlns:a="http://schemas.openxmlformats.org/drawingml/2006/main" xmlns:r="http://schemas.openxmlformats.org/officeDocument/2006/relationships" xmlns:p="http://schemas.openxmlformats.org/presentationml/2006/main">
   <p:cSld>
@@ -7797,7 +7959,7 @@
           <p:cNvPr id="2" name="Title 1">
             <a:extLst>
               <a:ext uri="{FF2B5EF4-FFF2-40B4-BE49-F238E27FC236}">
-                <a16:creationId xmlns:a16="http://schemas.microsoft.com/office/drawing/2014/main" id="{833522B5-D84E-47F7-A28C-816F95E51055}"/>
+                <a16:creationId xmlns:a16="http://schemas.microsoft.com/office/drawing/2014/main" id="{69BBF73D-4C75-4A57-B30E-9E2C233A3D89}"/>
               </a:ext>
             </a:extLst>
           </p:cNvPr>
@@ -7819,9 +7981,8 @@
                   <a:schemeClr val="accent1"/>
                 </a:solidFill>
               </a:rPr>
-              <a:t>OpenMP: Flush</a:t>
-            </a:r>
-            <a:endParaRPr lang="en-US" dirty="0"/>
+              <a:t>OpenMP: Memory Model</a:t>
+            </a:r>
           </a:p>
         </p:txBody>
       </p:sp>
@@ -7830,7 +7991,7 @@
           <p:cNvPr id="3" name="Content Placeholder 2">
             <a:extLst>
               <a:ext uri="{FF2B5EF4-FFF2-40B4-BE49-F238E27FC236}">
-                <a16:creationId xmlns:a16="http://schemas.microsoft.com/office/drawing/2014/main" id="{3715B51A-63DC-4819-85AB-AC3A503CF4CA}"/>
+                <a16:creationId xmlns:a16="http://schemas.microsoft.com/office/drawing/2014/main" id="{98D61C50-A4A1-4FF1-B1E4-68E6354CEC31}"/>
               </a:ext>
             </a:extLst>
           </p:cNvPr>
@@ -7848,20 +8009,34 @@
           </a:bodyPr>
           <a:lstStyle/>
           <a:p>
+            <a:pPr marL="0" indent="0">
+              <a:buNone/>
+            </a:pPr>
+            <a:r>
+              <a:rPr lang="en-US" sz="2000" dirty="0"/>
+              <a:t>OpenMP supports a </a:t>
+            </a:r>
+            <a:r>
+              <a:rPr lang="en-US" sz="2000" b="1" dirty="0">
+                <a:solidFill>
+                  <a:srgbClr val="FF0000"/>
+                </a:solidFill>
+              </a:rPr>
+              <a:t>relaxed memory model</a:t>
+            </a:r>
+            <a:r>
+              <a:rPr lang="en-US" sz="2000" dirty="0"/>
+              <a:t>.</a:t>
+            </a:r>
+          </a:p>
+          <a:p>
             <a:pPr>
               <a:buFont typeface="Wingdings" panose="05000000000000000000" pitchFamily="2" charset="2"/>
               <a:buChar char="q"/>
             </a:pPr>
             <a:r>
               <a:rPr lang="en-US" sz="2000" dirty="0"/>
-              <a:t> Compilers can reorder instructions that implement a program.</a:t>
-            </a:r>
-          </a:p>
-          <a:p>
-            <a:pPr lvl="1"/>
-            <a:r>
-              <a:rPr lang="en-US" sz="2000" dirty="0"/>
-              <a:t>Modern compilers are </a:t>
+              <a:t> Each thread can maintain a </a:t>
             </a:r>
             <a:r>
               <a:rPr lang="en-US" sz="2000" b="1" dirty="0">
@@ -7869,37 +8044,11 @@
                   <a:srgbClr val="FF0000"/>
                 </a:solidFill>
               </a:rPr>
-              <a:t>highly aggressive </a:t>
-            </a:r>
-            <a:r>
-              <a:rPr lang="en-US" sz="2000" dirty="0"/>
-              <a:t>in that they generate code to exploit the functional units, keep the CPU busy, hide memory latencies etc.	</a:t>
-            </a:r>
-          </a:p>
-          <a:p>
-            <a:pPr lvl="1"/>
-            <a:r>
-              <a:rPr lang="en-US" sz="2000" dirty="0"/>
-              <a:t>The compiler generates code that maintains only the </a:t>
-            </a:r>
-            <a:r>
-              <a:rPr lang="en-US" sz="2000" b="1" dirty="0">
-                <a:solidFill>
-                  <a:srgbClr val="FF0000"/>
-                </a:solidFill>
-              </a:rPr>
-              <a:t>as-if-serial semantics</a:t>
-            </a:r>
-            <a:r>
-              <a:rPr lang="en-US" sz="2000" dirty="0"/>
-              <a:t>.</a:t>
-            </a:r>
-          </a:p>
-          <a:p>
-            <a:pPr lvl="2"/>
-            <a:r>
-              <a:rPr lang="en-US" dirty="0"/>
-              <a:t>When it comes to code for multithreaded programs, things can break.</a:t>
+              <a:t>temporary view </a:t>
+            </a:r>
+            <a:r>
+              <a:rPr lang="en-US" sz="2000" dirty="0"/>
+              <a:t>of shared memory that is not consistent with that of other threads.</a:t>
             </a:r>
           </a:p>
           <a:p>
@@ -7909,21 +8058,7 @@
             </a:pPr>
             <a:r>
               <a:rPr lang="en-US" sz="2000" dirty="0"/>
-              <a:t> Compilers generally cannot move instructions past:</a:t>
-            </a:r>
-          </a:p>
-          <a:p>
-            <a:pPr lvl="1"/>
-            <a:r>
-              <a:rPr lang="en-US" sz="2000" dirty="0"/>
-              <a:t> a barrier</a:t>
-            </a:r>
-          </a:p>
-          <a:p>
-            <a:pPr lvl="1"/>
-            <a:r>
-              <a:rPr lang="en-US" sz="2000" dirty="0"/>
-              <a:t> a flush </a:t>
+              <a:t> These temporary views are made consistent with the shared memory </a:t>
             </a:r>
             <a:r>
               <a:rPr lang="en-US" sz="2000" b="1" dirty="0">
@@ -7931,7 +8066,11 @@
                   <a:srgbClr val="FF0000"/>
                 </a:solidFill>
               </a:rPr>
-              <a:t>on all variables</a:t>
+              <a:t>at certain points </a:t>
+            </a:r>
+            <a:r>
+              <a:rPr lang="en-US" sz="2000" dirty="0"/>
+              <a:t>in the program.</a:t>
             </a:r>
           </a:p>
           <a:p>
@@ -7941,14 +8080,7 @@
             </a:pPr>
             <a:r>
               <a:rPr lang="en-US" sz="2000" dirty="0"/>
-              <a:t>  The flush operation does not synchronize different threads</a:t>
-            </a:r>
-          </a:p>
-          <a:p>
-            <a:pPr lvl="1"/>
-            <a:r>
-              <a:rPr lang="en-US" sz="2000" dirty="0"/>
-              <a:t>It just ensures that a thread’s variables (</a:t>
+              <a:t> The operation used to maintain consistency is the </a:t>
             </a:r>
             <a:r>
               <a:rPr lang="en-US" sz="2000" b="1" dirty="0">
@@ -7956,19 +8088,22 @@
                   <a:srgbClr val="FF0000"/>
                 </a:solidFill>
               </a:rPr>
-              <a:t>temporary view</a:t>
-            </a:r>
-            <a:r>
-              <a:rPr lang="en-US" sz="2000" dirty="0"/>
-              <a:t>) are main consistent with the shared memory.</a:t>
-            </a:r>
+              <a:t>flush</a:t>
+            </a:r>
+            <a:r>
+              <a:rPr lang="en-US" sz="2000" dirty="0"/>
+              <a:t> operation.</a:t>
+            </a:r>
+          </a:p>
+          <a:p>
+            <a:endParaRPr lang="en-US" sz="2000" dirty="0"/>
           </a:p>
         </p:txBody>
       </p:sp>
     </p:spTree>
     <p:extLst>
       <p:ext uri="{BB962C8B-B14F-4D97-AF65-F5344CB8AC3E}">
-        <p14:creationId xmlns:p14="http://schemas.microsoft.com/office/powerpoint/2010/main" val="3431177368"/>
+        <p14:creationId xmlns:p14="http://schemas.microsoft.com/office/powerpoint/2010/main" val="98574315"/>
       </p:ext>
     </p:extLst>
   </p:cSld>
@@ -8000,7 +8135,7 @@
           <p:cNvPr id="2" name="Title 1">
             <a:extLst>
               <a:ext uri="{FF2B5EF4-FFF2-40B4-BE49-F238E27FC236}">
-                <a16:creationId xmlns:a16="http://schemas.microsoft.com/office/drawing/2014/main" id="{936A05A3-D333-48C9-8A6F-7DED72792E91}"/>
+                <a16:creationId xmlns:a16="http://schemas.microsoft.com/office/drawing/2014/main" id="{9C4AAE1C-81A5-4D3E-8340-95029E90B301}"/>
               </a:ext>
             </a:extLst>
           </p:cNvPr>
@@ -8033,7 +8168,7 @@
           <p:cNvPr id="3" name="Content Placeholder 2">
             <a:extLst>
               <a:ext uri="{FF2B5EF4-FFF2-40B4-BE49-F238E27FC236}">
-                <a16:creationId xmlns:a16="http://schemas.microsoft.com/office/drawing/2014/main" id="{9ED7B765-434A-4BD6-921D-9F51F76B9F07}"/>
+                <a16:creationId xmlns:a16="http://schemas.microsoft.com/office/drawing/2014/main" id="{AB496106-9E6F-4EBF-B9A8-016F78E064D8}"/>
               </a:ext>
             </a:extLst>
           </p:cNvPr>
@@ -8044,11 +8179,14 @@
             <p:ph idx="1"/>
           </p:nvPr>
         </p:nvSpPr>
-        <p:spPr/>
+        <p:spPr>
+          <a:xfrm>
+            <a:off x="838200" y="1854200"/>
+            <a:ext cx="10515600" cy="4351338"/>
+          </a:xfrm>
+        </p:spPr>
         <p:txBody>
-          <a:bodyPr>
-            <a:normAutofit/>
-          </a:bodyPr>
+          <a:bodyPr/>
           <a:lstStyle/>
           <a:p>
             <a:pPr marL="0" indent="0">
@@ -8056,7 +8194,7 @@
             </a:pPr>
             <a:r>
               <a:rPr lang="en-US" sz="2000" dirty="0"/>
-              <a:t>In OpenMP, a </a:t>
+              <a:t>Each thread has a </a:t>
             </a:r>
             <a:r>
               <a:rPr lang="en-US" sz="2000" b="1" dirty="0">
@@ -8064,11 +8202,11 @@
                   <a:srgbClr val="FF0000"/>
                 </a:solidFill>
               </a:rPr>
-              <a:t>flush</a:t>
-            </a:r>
-            <a:r>
-              <a:rPr lang="en-US" sz="2000" dirty="0"/>
-              <a:t> is </a:t>
+              <a:t>temporary view </a:t>
+            </a:r>
+            <a:r>
+              <a:rPr lang="en-US" sz="2000" dirty="0"/>
+              <a:t>of </a:t>
             </a:r>
             <a:r>
               <a:rPr lang="en-US" sz="2000" b="1" dirty="0">
@@ -8076,164 +8214,198 @@
                   <a:srgbClr val="FF0000"/>
                 </a:solidFill>
               </a:rPr>
-              <a:t>implicit</a:t>
-            </a:r>
-            <a:r>
-              <a:rPr lang="en-US" sz="2000" dirty="0"/>
-              <a:t> in the following synchronization locations:</a:t>
-            </a:r>
-          </a:p>
-          <a:p>
-            <a:pPr lvl="1"/>
-            <a:r>
-              <a:rPr lang="en-US" sz="2000" dirty="0"/>
-              <a:t>On entry and exit of parallel regions</a:t>
-            </a:r>
-          </a:p>
-          <a:p>
-            <a:pPr lvl="1"/>
-            <a:r>
-              <a:rPr lang="en-US" sz="2000" dirty="0"/>
-              <a:t>At implicit and explicit barriers</a:t>
-            </a:r>
-          </a:p>
-          <a:p>
-            <a:pPr lvl="1"/>
-            <a:r>
-              <a:rPr lang="en-US" sz="2000" dirty="0"/>
-              <a:t>On entry and exit of critical regions</a:t>
-            </a:r>
-          </a:p>
-          <a:p>
-            <a:pPr lvl="1"/>
-            <a:r>
-              <a:rPr lang="en-US" sz="2000" dirty="0"/>
-              <a:t>On exit of work-sharing constructs unless </a:t>
+              <a:t>shared memory </a:t>
+            </a:r>
+            <a:r>
+              <a:rPr lang="en-US" sz="2000" dirty="0"/>
+              <a:t>that it uses to store data temporarily and hidden from the other threads.</a:t>
+            </a:r>
+          </a:p>
+          <a:p>
+            <a:pPr lvl="1">
+              <a:buFont typeface="Wingdings" panose="05000000000000000000" pitchFamily="2" charset="2"/>
+              <a:buChar char="q"/>
+            </a:pPr>
+            <a:r>
+              <a:rPr lang="en-US" sz="2000" dirty="0"/>
+              <a:t> Writes to memory can be delayed and overlapped with other operations.</a:t>
+            </a:r>
+          </a:p>
+          <a:p>
+            <a:pPr lvl="1">
+              <a:buFont typeface="Wingdings" panose="05000000000000000000" pitchFamily="2" charset="2"/>
+              <a:buChar char="q"/>
+            </a:pPr>
+            <a:r>
+              <a:rPr lang="en-US" sz="2000" dirty="0"/>
+              <a:t> Reads from memory may be directly satisfied with local copies (cached in </a:t>
             </a:r>
             <a:r>
               <a:rPr lang="en-US" sz="2000" b="1" dirty="0">
                 <a:solidFill>
-                  <a:srgbClr val="00B050"/>
-                </a:solidFill>
-              </a:rPr>
-              <a:t>nowait </a:t>
-            </a:r>
-            <a:r>
-              <a:rPr lang="en-US" sz="2000" dirty="0"/>
-              <a:t>is present</a:t>
-            </a:r>
-          </a:p>
-          <a:p>
-            <a:pPr lvl="1"/>
-            <a:r>
-              <a:rPr lang="en-US" sz="2000" dirty="0"/>
-              <a:t>Immediately before and after TSPs</a:t>
-            </a:r>
-          </a:p>
-          <a:p>
-            <a:pPr lvl="1"/>
-            <a:r>
-              <a:rPr lang="en-US" sz="2000" dirty="0"/>
-              <a:t>During the following runtime functions: </a:t>
-            </a:r>
-            <a:r>
-              <a:rPr lang="en-US" sz="2000" b="1" dirty="0" err="1">
-                <a:solidFill>
-                  <a:srgbClr val="00B050"/>
-                </a:solidFill>
-              </a:rPr>
-              <a:t>omp_set_lock</a:t>
+                  <a:srgbClr val="FF0000"/>
+                </a:solidFill>
+              </a:rPr>
+              <a:t>CPU registers</a:t>
+            </a:r>
+            <a:r>
+              <a:rPr lang="en-US" sz="2000" dirty="0"/>
+              <a:t>) until they are forced into memory by </a:t>
             </a:r>
             <a:r>
               <a:rPr lang="en-US" sz="2000" b="1" dirty="0">
                 <a:solidFill>
-                  <a:srgbClr val="00B050"/>
-                </a:solidFill>
-              </a:rPr>
-              <a:t>() </a:t>
-            </a:r>
-            <a:r>
-              <a:rPr lang="en-US" sz="2000" dirty="0"/>
-              <a:t>and </a:t>
-            </a:r>
-            <a:r>
-              <a:rPr lang="en-US" sz="2000" b="1" dirty="0" err="1">
-                <a:solidFill>
-                  <a:srgbClr val="00B050"/>
-                </a:solidFill>
-              </a:rPr>
-              <a:t>omp_unset_lock</a:t>
-            </a:r>
-            <a:r>
-              <a:rPr lang="en-US" sz="2000" b="1" dirty="0">
-                <a:solidFill>
-                  <a:srgbClr val="00B050"/>
-                </a:solidFill>
-              </a:rPr>
-              <a:t>()</a:t>
-            </a:r>
+                  <a:srgbClr val="FF0000"/>
+                </a:solidFill>
+              </a:rPr>
+              <a:t>flushes</a:t>
+            </a:r>
+            <a:r>
+              <a:rPr lang="en-US" sz="2000" dirty="0"/>
+              <a:t>. </a:t>
+            </a:r>
+          </a:p>
+          <a:p>
+            <a:pPr marL="457200" lvl="1" indent="0">
+              <a:buNone/>
+            </a:pPr>
+            <a:endParaRPr lang="en-US" sz="2000" dirty="0"/>
           </a:p>
           <a:p>
             <a:pPr marL="0" indent="0">
               <a:buNone/>
             </a:pPr>
             <a:r>
-              <a:rPr lang="en-US" sz="2400" b="1" u="sng" dirty="0">
+              <a:rPr lang="en-US" sz="2000" dirty="0"/>
+              <a:t>The </a:t>
+            </a:r>
+            <a:r>
+              <a:rPr lang="en-US" sz="2000" b="1" dirty="0">
                 <a:solidFill>
                   <a:srgbClr val="FF0000"/>
                 </a:solidFill>
               </a:rPr>
-              <a:t>Warning</a:t>
-            </a:r>
+              <a:t>flush</a:t>
+            </a:r>
+            <a:r>
+              <a:rPr lang="en-US" sz="2000" dirty="0"/>
+              <a:t> operation defines a sequence of points at which a thread is guaranteed to see a </a:t>
+            </a:r>
+            <a:r>
+              <a:rPr lang="en-US" sz="2000" b="1" dirty="0">
+                <a:solidFill>
+                  <a:srgbClr val="FF0000"/>
+                </a:solidFill>
+              </a:rPr>
+              <a:t>consistent view </a:t>
+            </a:r>
+            <a:r>
+              <a:rPr lang="en-US" sz="2000" dirty="0"/>
+              <a:t>of the shared memory.</a:t>
+            </a:r>
+          </a:p>
+          <a:p>
+            <a:pPr lvl="1">
+              <a:buFont typeface="Wingdings" panose="05000000000000000000" pitchFamily="2" charset="2"/>
+              <a:buChar char="q"/>
+            </a:pPr>
+            <a:r>
+              <a:rPr lang="en-US" sz="2000" dirty="0"/>
+              <a:t> Upon a </a:t>
+            </a:r>
+            <a:r>
+              <a:rPr lang="en-US" sz="2000" b="1" dirty="0">
+                <a:solidFill>
+                  <a:srgbClr val="FF0000"/>
+                </a:solidFill>
+              </a:rPr>
+              <a:t>flush</a:t>
+            </a:r>
+            <a:r>
+              <a:rPr lang="en-US" sz="2000" dirty="0"/>
+              <a:t>, a thread performs the following:</a:t>
+            </a:r>
+          </a:p>
+          <a:p>
+            <a:pPr lvl="2"/>
+            <a:r>
+              <a:rPr lang="en-US" dirty="0"/>
+              <a:t>Force all the pending writes into the shared memory</a:t>
+            </a:r>
+          </a:p>
+          <a:p>
+            <a:pPr lvl="2"/>
+            <a:r>
+              <a:rPr lang="en-US" dirty="0"/>
+              <a:t>Discard the local copies and satisfy reads directly from the shared memory</a:t>
+            </a:r>
+          </a:p>
+          <a:p>
+            <a:pPr lvl="2"/>
+            <a:r>
+              <a:rPr lang="en-US" dirty="0"/>
+              <a:t>Prevent any reads or writes from this thread from reordering </a:t>
+            </a:r>
+            <a:r>
+              <a:rPr lang="en-US" b="1" dirty="0">
+                <a:solidFill>
+                  <a:srgbClr val="FF0000"/>
+                </a:solidFill>
+              </a:rPr>
+              <a:t>across the flush </a:t>
+            </a:r>
+          </a:p>
+          <a:p>
+            <a:pPr lvl="3">
+              <a:buFont typeface="Wingdings" panose="05000000000000000000" pitchFamily="2" charset="2"/>
+              <a:buChar char="§"/>
+            </a:pPr>
+            <a:r>
+              <a:rPr lang="en-US" sz="2000" dirty="0"/>
+              <a:t>This is analogous to a </a:t>
+            </a:r>
+            <a:r>
+              <a:rPr lang="en-US" sz="2000" b="1" dirty="0">
+                <a:solidFill>
+                  <a:srgbClr val="FF0000"/>
+                </a:solidFill>
+              </a:rPr>
+              <a:t>fence</a:t>
+            </a:r>
+            <a:r>
+              <a:rPr lang="en-US" sz="2000" dirty="0"/>
+              <a:t> in other shared memory APIs/ISAs.</a:t>
+            </a:r>
+          </a:p>
+          <a:p>
+            <a:pPr lvl="1">
+              <a:buFont typeface="Wingdings" panose="05000000000000000000" pitchFamily="2" charset="2"/>
+              <a:buChar char="§"/>
+            </a:pPr>
+            <a:endParaRPr lang="en-US" sz="2000" dirty="0"/>
+          </a:p>
+          <a:p>
+            <a:pPr lvl="1"/>
+            <a:endParaRPr lang="en-US" sz="2000" dirty="0"/>
           </a:p>
           <a:p>
             <a:pPr marL="0" indent="0">
               <a:buNone/>
             </a:pPr>
-            <a:r>
-              <a:rPr lang="en-US" sz="2000" dirty="0"/>
-              <a:t>Avoid using explicit flushes !!! </a:t>
-            </a:r>
-          </a:p>
-          <a:p>
-            <a:pPr lvl="1"/>
-            <a:r>
-              <a:rPr lang="en-US" sz="2000" dirty="0"/>
-              <a:t>it is difficult to get it working .</a:t>
-            </a:r>
-          </a:p>
-          <a:p>
-            <a:pPr lvl="1"/>
-            <a:r>
-              <a:rPr lang="en-US" sz="2000" dirty="0"/>
-              <a:t>Even an expert often get it wrong.</a:t>
-            </a:r>
-          </a:p>
-          <a:p>
-            <a:pPr lvl="1"/>
-            <a:r>
-              <a:rPr lang="en-US" sz="2000" dirty="0"/>
-              <a:t>You may need explicit flushes if you want to implement your own spinlocks.</a:t>
-            </a:r>
-          </a:p>
-          <a:p>
-            <a:pPr marL="457200" lvl="1" indent="0">
+            <a:endParaRPr lang="en-US" sz="2000" dirty="0"/>
+          </a:p>
+          <a:p>
+            <a:pPr marL="0" indent="0">
               <a:buNone/>
             </a:pPr>
-            <a:endParaRPr lang="en-US" sz="1600" dirty="0"/>
-          </a:p>
-          <a:p>
-            <a:endParaRPr lang="en-US" sz="2000" dirty="0"/>
-          </a:p>
-          <a:p>
-            <a:endParaRPr lang="en-US" sz="2000" dirty="0"/>
+            <a:endParaRPr lang="en-US" dirty="0"/>
           </a:p>
         </p:txBody>
       </p:sp>
     </p:spTree>
     <p:extLst>
       <p:ext uri="{BB962C8B-B14F-4D97-AF65-F5344CB8AC3E}">
-        <p14:creationId xmlns:p14="http://schemas.microsoft.com/office/powerpoint/2010/main" val="979872942"/>
+        <p14:creationId xmlns:p14="http://schemas.microsoft.com/office/powerpoint/2010/main" val="382629584"/>
       </p:ext>
     </p:extLst>
   </p:cSld>
@@ -8474,6 +8646,485 @@
           <p:cNvPr id="2" name="Title 1">
             <a:extLst>
               <a:ext uri="{FF2B5EF4-FFF2-40B4-BE49-F238E27FC236}">
+                <a16:creationId xmlns:a16="http://schemas.microsoft.com/office/drawing/2014/main" id="{833522B5-D84E-47F7-A28C-816F95E51055}"/>
+              </a:ext>
+            </a:extLst>
+          </p:cNvPr>
+          <p:cNvSpPr>
+            <a:spLocks noGrp="1"/>
+          </p:cNvSpPr>
+          <p:nvPr>
+            <p:ph type="title"/>
+          </p:nvPr>
+        </p:nvSpPr>
+        <p:spPr/>
+        <p:txBody>
+          <a:bodyPr/>
+          <a:lstStyle/>
+          <a:p>
+            <a:r>
+              <a:rPr lang="en-US" dirty="0">
+                <a:solidFill>
+                  <a:schemeClr val="accent1"/>
+                </a:solidFill>
+              </a:rPr>
+              <a:t>OpenMP: Flush</a:t>
+            </a:r>
+            <a:endParaRPr lang="en-US" dirty="0"/>
+          </a:p>
+        </p:txBody>
+      </p:sp>
+      <p:sp>
+        <p:nvSpPr>
+          <p:cNvPr id="3" name="Content Placeholder 2">
+            <a:extLst>
+              <a:ext uri="{FF2B5EF4-FFF2-40B4-BE49-F238E27FC236}">
+                <a16:creationId xmlns:a16="http://schemas.microsoft.com/office/drawing/2014/main" id="{3715B51A-63DC-4819-85AB-AC3A503CF4CA}"/>
+              </a:ext>
+            </a:extLst>
+          </p:cNvPr>
+          <p:cNvSpPr>
+            <a:spLocks noGrp="1"/>
+          </p:cNvSpPr>
+          <p:nvPr>
+            <p:ph idx="1"/>
+          </p:nvPr>
+        </p:nvSpPr>
+        <p:spPr/>
+        <p:txBody>
+          <a:bodyPr>
+            <a:normAutofit/>
+          </a:bodyPr>
+          <a:lstStyle/>
+          <a:p>
+            <a:pPr>
+              <a:buFont typeface="Wingdings" panose="05000000000000000000" pitchFamily="2" charset="2"/>
+              <a:buChar char="q"/>
+            </a:pPr>
+            <a:r>
+              <a:rPr lang="en-US" sz="2000" dirty="0"/>
+              <a:t> Compilers can reorder instructions that implement a program.</a:t>
+            </a:r>
+          </a:p>
+          <a:p>
+            <a:pPr lvl="1"/>
+            <a:r>
+              <a:rPr lang="en-US" sz="2000" dirty="0"/>
+              <a:t>Modern compilers are </a:t>
+            </a:r>
+            <a:r>
+              <a:rPr lang="en-US" sz="2000" b="1" dirty="0">
+                <a:solidFill>
+                  <a:srgbClr val="FF0000"/>
+                </a:solidFill>
+              </a:rPr>
+              <a:t>highly aggressive </a:t>
+            </a:r>
+            <a:r>
+              <a:rPr lang="en-US" sz="2000" dirty="0"/>
+              <a:t>in that they generate code to exploit the functional units, keep the CPU busy, hide memory latencies etc.	</a:t>
+            </a:r>
+          </a:p>
+          <a:p>
+            <a:pPr lvl="1"/>
+            <a:r>
+              <a:rPr lang="en-US" sz="2000" dirty="0"/>
+              <a:t>The compiler generates code that maintains only the </a:t>
+            </a:r>
+            <a:r>
+              <a:rPr lang="en-US" sz="2000" b="1" dirty="0">
+                <a:solidFill>
+                  <a:srgbClr val="FF0000"/>
+                </a:solidFill>
+              </a:rPr>
+              <a:t>as-if-serial semantics</a:t>
+            </a:r>
+            <a:r>
+              <a:rPr lang="en-US" sz="2000" dirty="0"/>
+              <a:t>.</a:t>
+            </a:r>
+          </a:p>
+          <a:p>
+            <a:pPr lvl="2"/>
+            <a:r>
+              <a:rPr lang="en-US" dirty="0"/>
+              <a:t>When it comes to code for multithreaded programs, things can break.</a:t>
+            </a:r>
+          </a:p>
+          <a:p>
+            <a:pPr>
+              <a:buFont typeface="Wingdings" panose="05000000000000000000" pitchFamily="2" charset="2"/>
+              <a:buChar char="q"/>
+            </a:pPr>
+            <a:r>
+              <a:rPr lang="en-US" sz="2000" dirty="0"/>
+              <a:t> Compilers generally cannot move instructions past:</a:t>
+            </a:r>
+          </a:p>
+          <a:p>
+            <a:pPr lvl="1"/>
+            <a:r>
+              <a:rPr lang="en-US" sz="2000" dirty="0"/>
+              <a:t> a barrier</a:t>
+            </a:r>
+          </a:p>
+          <a:p>
+            <a:pPr lvl="1"/>
+            <a:r>
+              <a:rPr lang="en-US" sz="2000" dirty="0"/>
+              <a:t> a flush </a:t>
+            </a:r>
+            <a:r>
+              <a:rPr lang="en-US" sz="2000" b="1" dirty="0">
+                <a:solidFill>
+                  <a:srgbClr val="FF0000"/>
+                </a:solidFill>
+              </a:rPr>
+              <a:t>on all variables</a:t>
+            </a:r>
+          </a:p>
+          <a:p>
+            <a:pPr>
+              <a:buFont typeface="Wingdings" panose="05000000000000000000" pitchFamily="2" charset="2"/>
+              <a:buChar char="q"/>
+            </a:pPr>
+            <a:r>
+              <a:rPr lang="en-US" sz="2000" dirty="0"/>
+              <a:t>  The flush operation does not synchronize different threads</a:t>
+            </a:r>
+          </a:p>
+          <a:p>
+            <a:pPr lvl="1"/>
+            <a:r>
+              <a:rPr lang="en-US" sz="2000" dirty="0"/>
+              <a:t>It just ensures that a thread’s variables (</a:t>
+            </a:r>
+            <a:r>
+              <a:rPr lang="en-US" sz="2000" b="1" dirty="0">
+                <a:solidFill>
+                  <a:srgbClr val="FF0000"/>
+                </a:solidFill>
+              </a:rPr>
+              <a:t>temporary view</a:t>
+            </a:r>
+            <a:r>
+              <a:rPr lang="en-US" sz="2000" dirty="0"/>
+              <a:t>) are main consistent with the shared memory.</a:t>
+            </a:r>
+          </a:p>
+        </p:txBody>
+      </p:sp>
+    </p:spTree>
+    <p:extLst>
+      <p:ext uri="{BB962C8B-B14F-4D97-AF65-F5344CB8AC3E}">
+        <p14:creationId xmlns:p14="http://schemas.microsoft.com/office/powerpoint/2010/main" val="3431177368"/>
+      </p:ext>
+    </p:extLst>
+  </p:cSld>
+  <p:clrMapOvr>
+    <a:masterClrMapping/>
+  </p:clrMapOvr>
+</p:sld>
+</file>
+
+<file path=ppt/slides/slide21.xml><?xml version="1.0" encoding="utf-8"?>
+<p:sld xmlns:a="http://schemas.openxmlformats.org/drawingml/2006/main" xmlns:r="http://schemas.openxmlformats.org/officeDocument/2006/relationships" xmlns:p="http://schemas.openxmlformats.org/presentationml/2006/main">
+  <p:cSld>
+    <p:spTree>
+      <p:nvGrpSpPr>
+        <p:cNvPr id="1" name=""/>
+        <p:cNvGrpSpPr/>
+        <p:nvPr/>
+      </p:nvGrpSpPr>
+      <p:grpSpPr>
+        <a:xfrm>
+          <a:off x="0" y="0"/>
+          <a:ext cx="0" cy="0"/>
+          <a:chOff x="0" y="0"/>
+          <a:chExt cx="0" cy="0"/>
+        </a:xfrm>
+      </p:grpSpPr>
+      <p:sp>
+        <p:nvSpPr>
+          <p:cNvPr id="2" name="Title 1">
+            <a:extLst>
+              <a:ext uri="{FF2B5EF4-FFF2-40B4-BE49-F238E27FC236}">
+                <a16:creationId xmlns:a16="http://schemas.microsoft.com/office/drawing/2014/main" id="{936A05A3-D333-48C9-8A6F-7DED72792E91}"/>
+              </a:ext>
+            </a:extLst>
+          </p:cNvPr>
+          <p:cNvSpPr>
+            <a:spLocks noGrp="1"/>
+          </p:cNvSpPr>
+          <p:nvPr>
+            <p:ph type="title"/>
+          </p:nvPr>
+        </p:nvSpPr>
+        <p:spPr/>
+        <p:txBody>
+          <a:bodyPr/>
+          <a:lstStyle/>
+          <a:p>
+            <a:r>
+              <a:rPr lang="en-US" dirty="0">
+                <a:solidFill>
+                  <a:schemeClr val="accent1"/>
+                </a:solidFill>
+              </a:rPr>
+              <a:t>OpenMP: Flush</a:t>
+            </a:r>
+            <a:endParaRPr lang="en-US" dirty="0"/>
+          </a:p>
+        </p:txBody>
+      </p:sp>
+      <p:sp>
+        <p:nvSpPr>
+          <p:cNvPr id="3" name="Content Placeholder 2">
+            <a:extLst>
+              <a:ext uri="{FF2B5EF4-FFF2-40B4-BE49-F238E27FC236}">
+                <a16:creationId xmlns:a16="http://schemas.microsoft.com/office/drawing/2014/main" id="{9ED7B765-434A-4BD6-921D-9F51F76B9F07}"/>
+              </a:ext>
+            </a:extLst>
+          </p:cNvPr>
+          <p:cNvSpPr>
+            <a:spLocks noGrp="1"/>
+          </p:cNvSpPr>
+          <p:nvPr>
+            <p:ph idx="1"/>
+          </p:nvPr>
+        </p:nvSpPr>
+        <p:spPr/>
+        <p:txBody>
+          <a:bodyPr>
+            <a:normAutofit fontScale="92500" lnSpcReduction="10000"/>
+          </a:bodyPr>
+          <a:lstStyle/>
+          <a:p>
+            <a:pPr marL="0" indent="0">
+              <a:buNone/>
+            </a:pPr>
+            <a:r>
+              <a:rPr lang="en-US" sz="2000" dirty="0"/>
+              <a:t>In OpenMP, a </a:t>
+            </a:r>
+            <a:r>
+              <a:rPr lang="en-US" sz="2000" b="1" dirty="0">
+                <a:solidFill>
+                  <a:srgbClr val="FF0000"/>
+                </a:solidFill>
+              </a:rPr>
+              <a:t>flush</a:t>
+            </a:r>
+            <a:r>
+              <a:rPr lang="en-US" sz="2000" dirty="0"/>
+              <a:t> is </a:t>
+            </a:r>
+            <a:r>
+              <a:rPr lang="en-US" sz="2000" b="1" dirty="0">
+                <a:solidFill>
+                  <a:srgbClr val="FF0000"/>
+                </a:solidFill>
+              </a:rPr>
+              <a:t>implicit</a:t>
+            </a:r>
+            <a:r>
+              <a:rPr lang="en-US" sz="2000" dirty="0"/>
+              <a:t> in the following synchronization locations:</a:t>
+            </a:r>
+          </a:p>
+          <a:p>
+            <a:pPr lvl="1"/>
+            <a:r>
+              <a:rPr lang="en-US" sz="2000" dirty="0"/>
+              <a:t>At entry to and exit from parallel regions</a:t>
+            </a:r>
+          </a:p>
+          <a:p>
+            <a:pPr lvl="1"/>
+            <a:r>
+              <a:rPr lang="en-US" sz="2000" dirty="0"/>
+              <a:t>At implicit and explicit barriers</a:t>
+            </a:r>
+          </a:p>
+          <a:p>
+            <a:pPr lvl="1"/>
+            <a:r>
+              <a:rPr lang="en-US" sz="2000" dirty="0"/>
+              <a:t>At entry to and exit from critical regions</a:t>
+            </a:r>
+          </a:p>
+          <a:p>
+            <a:pPr lvl="1"/>
+            <a:r>
+              <a:rPr lang="en-US" sz="2000" dirty="0"/>
+              <a:t>At exit from work-sharing constructs unless </a:t>
+            </a:r>
+            <a:r>
+              <a:rPr lang="en-US" sz="2000" b="1" dirty="0">
+                <a:solidFill>
+                  <a:srgbClr val="00B050"/>
+                </a:solidFill>
+              </a:rPr>
+              <a:t>nowait </a:t>
+            </a:r>
+            <a:r>
+              <a:rPr lang="en-US" sz="2000" dirty="0"/>
+              <a:t>is present</a:t>
+            </a:r>
+          </a:p>
+          <a:p>
+            <a:pPr lvl="1"/>
+            <a:r>
+              <a:rPr lang="en-US" sz="2000" dirty="0"/>
+              <a:t>Immediately before and after TSPs</a:t>
+            </a:r>
+          </a:p>
+          <a:p>
+            <a:pPr lvl="1"/>
+            <a:r>
+              <a:rPr lang="en-US" sz="2000" dirty="0"/>
+              <a:t>During the following runtime functions: </a:t>
+            </a:r>
+            <a:r>
+              <a:rPr lang="en-US" sz="2000" b="1" dirty="0" err="1">
+                <a:solidFill>
+                  <a:srgbClr val="00B050"/>
+                </a:solidFill>
+              </a:rPr>
+              <a:t>omp_set_lock</a:t>
+            </a:r>
+            <a:r>
+              <a:rPr lang="en-US" sz="2000" b="1" dirty="0">
+                <a:solidFill>
+                  <a:srgbClr val="00B050"/>
+                </a:solidFill>
+              </a:rPr>
+              <a:t>() </a:t>
+            </a:r>
+            <a:r>
+              <a:rPr lang="en-US" sz="2000" dirty="0"/>
+              <a:t>and </a:t>
+            </a:r>
+            <a:r>
+              <a:rPr lang="en-US" sz="2000" b="1" dirty="0" err="1">
+                <a:solidFill>
+                  <a:srgbClr val="00B050"/>
+                </a:solidFill>
+              </a:rPr>
+              <a:t>omp_unset_lock</a:t>
+            </a:r>
+            <a:r>
+              <a:rPr lang="en-US" sz="2000" b="1" dirty="0">
+                <a:solidFill>
+                  <a:srgbClr val="00B050"/>
+                </a:solidFill>
+              </a:rPr>
+              <a:t>()</a:t>
+            </a:r>
+          </a:p>
+          <a:p>
+            <a:pPr lvl="1"/>
+            <a:r>
+              <a:rPr lang="en-US" sz="2000" dirty="0"/>
+              <a:t>At entry to and exit from the atomic construct</a:t>
+            </a:r>
+          </a:p>
+          <a:p>
+            <a:pPr lvl="1"/>
+            <a:endParaRPr lang="en-US" sz="2000" b="1" dirty="0"/>
+          </a:p>
+          <a:p>
+            <a:pPr marL="0" indent="0">
+              <a:buNone/>
+            </a:pPr>
+            <a:r>
+              <a:rPr lang="en-US" sz="2400" b="1" u="sng" dirty="0">
+                <a:solidFill>
+                  <a:srgbClr val="FF0000"/>
+                </a:solidFill>
+              </a:rPr>
+              <a:t>Warning</a:t>
+            </a:r>
+          </a:p>
+          <a:p>
+            <a:pPr marL="0" indent="0">
+              <a:buNone/>
+            </a:pPr>
+            <a:r>
+              <a:rPr lang="en-US" sz="2000" dirty="0"/>
+              <a:t>Avoid using explicit flushes !!! </a:t>
+            </a:r>
+          </a:p>
+          <a:p>
+            <a:pPr lvl="1"/>
+            <a:r>
+              <a:rPr lang="en-US" sz="2000" dirty="0"/>
+              <a:t>it is difficult to get it working .</a:t>
+            </a:r>
+          </a:p>
+          <a:p>
+            <a:pPr lvl="1"/>
+            <a:r>
+              <a:rPr lang="en-US" sz="2000" dirty="0"/>
+              <a:t>Even an expert often get it wrong.</a:t>
+            </a:r>
+          </a:p>
+          <a:p>
+            <a:pPr lvl="1"/>
+            <a:r>
+              <a:rPr lang="en-US" sz="2000" dirty="0"/>
+              <a:t>You may need explicit flushes if you want to implement your own spinlocks.</a:t>
+            </a:r>
+          </a:p>
+          <a:p>
+            <a:pPr marL="457200" lvl="1" indent="0">
+              <a:buNone/>
+            </a:pPr>
+            <a:endParaRPr lang="en-US" sz="1600" dirty="0"/>
+          </a:p>
+          <a:p>
+            <a:endParaRPr lang="en-US" sz="2000" dirty="0"/>
+          </a:p>
+          <a:p>
+            <a:endParaRPr lang="en-US" sz="2000" dirty="0"/>
+          </a:p>
+        </p:txBody>
+      </p:sp>
+    </p:spTree>
+    <p:extLst>
+      <p:ext uri="{BB962C8B-B14F-4D97-AF65-F5344CB8AC3E}">
+        <p14:creationId xmlns:p14="http://schemas.microsoft.com/office/powerpoint/2010/main" val="979872942"/>
+      </p:ext>
+    </p:extLst>
+  </p:cSld>
+  <p:clrMapOvr>
+    <a:masterClrMapping/>
+  </p:clrMapOvr>
+</p:sld>
+</file>
+
+<file path=ppt/slides/slide22.xml><?xml version="1.0" encoding="utf-8"?>
+<p:sld xmlns:a="http://schemas.openxmlformats.org/drawingml/2006/main" xmlns:r="http://schemas.openxmlformats.org/officeDocument/2006/relationships" xmlns:p="http://schemas.openxmlformats.org/presentationml/2006/main">
+  <p:cSld>
+    <p:spTree>
+      <p:nvGrpSpPr>
+        <p:cNvPr id="1" name=""/>
+        <p:cNvGrpSpPr/>
+        <p:nvPr/>
+      </p:nvGrpSpPr>
+      <p:grpSpPr>
+        <a:xfrm>
+          <a:off x="0" y="0"/>
+          <a:ext cx="0" cy="0"/>
+          <a:chOff x="0" y="0"/>
+          <a:chExt cx="0" cy="0"/>
+        </a:xfrm>
+      </p:grpSpPr>
+      <p:sp>
+        <p:nvSpPr>
+          <p:cNvPr id="2" name="Title 1">
+            <a:extLst>
+              <a:ext uri="{FF2B5EF4-FFF2-40B4-BE49-F238E27FC236}">
                 <a16:creationId xmlns:a16="http://schemas.microsoft.com/office/drawing/2014/main" id="{4C206CEE-2AAD-43AE-A937-415B05FFD521}"/>
               </a:ext>
             </a:extLst>
@@ -8682,391 +9333,6 @@
 </p:sld>
 </file>
 
-<file path=ppt/slides/slide21.xml><?xml version="1.0" encoding="utf-8"?>
-<p:sld xmlns:a="http://schemas.openxmlformats.org/drawingml/2006/main" xmlns:r="http://schemas.openxmlformats.org/officeDocument/2006/relationships" xmlns:p="http://schemas.openxmlformats.org/presentationml/2006/main">
-  <p:cSld>
-    <p:spTree>
-      <p:nvGrpSpPr>
-        <p:cNvPr id="1" name=""/>
-        <p:cNvGrpSpPr/>
-        <p:nvPr/>
-      </p:nvGrpSpPr>
-      <p:grpSpPr>
-        <a:xfrm>
-          <a:off x="0" y="0"/>
-          <a:ext cx="0" cy="0"/>
-          <a:chOff x="0" y="0"/>
-          <a:chExt cx="0" cy="0"/>
-        </a:xfrm>
-      </p:grpSpPr>
-      <p:sp>
-        <p:nvSpPr>
-          <p:cNvPr id="2" name="Title 1">
-            <a:extLst>
-              <a:ext uri="{FF2B5EF4-FFF2-40B4-BE49-F238E27FC236}">
-                <a16:creationId xmlns:a16="http://schemas.microsoft.com/office/drawing/2014/main" id="{67E01AAE-C3BA-4D43-8B69-204191868D99}"/>
-              </a:ext>
-            </a:extLst>
-          </p:cNvPr>
-          <p:cNvSpPr>
-            <a:spLocks noGrp="1"/>
-          </p:cNvSpPr>
-          <p:nvPr>
-            <p:ph type="title"/>
-          </p:nvPr>
-        </p:nvSpPr>
-        <p:spPr/>
-        <p:txBody>
-          <a:bodyPr/>
-          <a:lstStyle/>
-          <a:p>
-            <a:r>
-              <a:rPr lang="en-US" dirty="0">
-                <a:solidFill>
-                  <a:schemeClr val="accent1"/>
-                </a:solidFill>
-              </a:rPr>
-              <a:t>OpenMP: Flush</a:t>
-            </a:r>
-            <a:endParaRPr lang="en-US" dirty="0"/>
-          </a:p>
-        </p:txBody>
-      </p:sp>
-      <p:sp>
-        <p:nvSpPr>
-          <p:cNvPr id="3" name="Content Placeholder 2">
-            <a:extLst>
-              <a:ext uri="{FF2B5EF4-FFF2-40B4-BE49-F238E27FC236}">
-                <a16:creationId xmlns:a16="http://schemas.microsoft.com/office/drawing/2014/main" id="{C504537B-525A-4FDB-80EA-3CDFE04C8E73}"/>
-              </a:ext>
-            </a:extLst>
-          </p:cNvPr>
-          <p:cNvSpPr>
-            <a:spLocks noGrp="1"/>
-          </p:cNvSpPr>
-          <p:nvPr>
-            <p:ph idx="1"/>
-          </p:nvPr>
-        </p:nvSpPr>
-        <p:spPr/>
-        <p:txBody>
-          <a:bodyPr/>
-          <a:lstStyle/>
-          <a:p>
-            <a:pPr>
-              <a:buFont typeface="Wingdings" panose="05000000000000000000" pitchFamily="2" charset="2"/>
-              <a:buChar char="q"/>
-            </a:pPr>
-            <a:r>
-              <a:rPr lang="en-US" sz="2200" dirty="0"/>
-              <a:t>The compiler is not allowed to reorder reads or writes of the variables in the </a:t>
-            </a:r>
-            <a:r>
-              <a:rPr lang="en-US" sz="2200" b="1" dirty="0">
-                <a:solidFill>
-                  <a:srgbClr val="FF0000"/>
-                </a:solidFill>
-              </a:rPr>
-              <a:t>flush-set</a:t>
-            </a:r>
-            <a:r>
-              <a:rPr lang="en-US" sz="2200" dirty="0"/>
-              <a:t> around a flush.</a:t>
-            </a:r>
-          </a:p>
-          <a:p>
-            <a:pPr lvl="1"/>
-            <a:r>
-              <a:rPr lang="en-US" sz="2200" dirty="0"/>
-              <a:t>All previous  reads and writes of the </a:t>
-            </a:r>
-            <a:r>
-              <a:rPr lang="en-US" sz="2200" b="1" dirty="0">
-                <a:solidFill>
-                  <a:srgbClr val="FF0000"/>
-                </a:solidFill>
-              </a:rPr>
-              <a:t>flush-set </a:t>
-            </a:r>
-            <a:r>
-              <a:rPr lang="en-US" sz="2200" dirty="0"/>
-              <a:t>by this thread have completed.</a:t>
-            </a:r>
-          </a:p>
-          <a:p>
-            <a:pPr lvl="1"/>
-            <a:r>
-              <a:rPr lang="en-US" sz="2200" dirty="0"/>
-              <a:t>No subsequent reads or writes of the </a:t>
-            </a:r>
-            <a:r>
-              <a:rPr lang="en-US" sz="2200" b="1" dirty="0">
-                <a:solidFill>
-                  <a:srgbClr val="FF0000"/>
-                </a:solidFill>
-              </a:rPr>
-              <a:t>flush-set</a:t>
-            </a:r>
-            <a:r>
-              <a:rPr lang="en-US" sz="2200" dirty="0"/>
-              <a:t> by this thread have occurred.</a:t>
-            </a:r>
-          </a:p>
-          <a:p>
-            <a:pPr lvl="1"/>
-            <a:r>
-              <a:rPr lang="en-US" sz="2200" dirty="0"/>
-              <a:t>All variables in the </a:t>
-            </a:r>
-            <a:r>
-              <a:rPr lang="en-US" sz="2200" b="1" dirty="0">
-                <a:solidFill>
-                  <a:srgbClr val="FF0000"/>
-                </a:solidFill>
-              </a:rPr>
-              <a:t>flush set</a:t>
-            </a:r>
-            <a:r>
-              <a:rPr lang="en-US" sz="2200" dirty="0"/>
-              <a:t> are moved from temporary storage, i.e., registers, to the shared memory. </a:t>
-            </a:r>
-          </a:p>
-          <a:p>
-            <a:pPr lvl="1"/>
-            <a:r>
-              <a:rPr lang="en-US" sz="2200" dirty="0"/>
-              <a:t>Reads of variables in the </a:t>
-            </a:r>
-            <a:r>
-              <a:rPr lang="en-US" sz="2200" b="1" dirty="0">
-                <a:solidFill>
-                  <a:srgbClr val="FF0000"/>
-                </a:solidFill>
-              </a:rPr>
-              <a:t>flush-set</a:t>
-            </a:r>
-            <a:r>
-              <a:rPr lang="en-US" sz="2200" dirty="0"/>
-              <a:t> that follow that flush are loaded from the shared memory.</a:t>
-            </a:r>
-          </a:p>
-          <a:p>
-            <a:pPr>
-              <a:buFont typeface="Wingdings" panose="05000000000000000000" pitchFamily="2" charset="2"/>
-              <a:buChar char="q"/>
-            </a:pPr>
-            <a:r>
-              <a:rPr lang="en-US" sz="2200" dirty="0"/>
-              <a:t> Again, keep in mind that the flush operation only makes the calling thread’s temporary view  consistent with the shared memory.</a:t>
-            </a:r>
-          </a:p>
-          <a:p>
-            <a:pPr lvl="1"/>
-            <a:r>
-              <a:rPr lang="en-US" sz="2200" dirty="0"/>
-              <a:t> The flush operation by itself does not synchronize itself with other threads.</a:t>
-            </a:r>
-          </a:p>
-          <a:p>
-            <a:pPr marL="0" indent="0">
-              <a:buNone/>
-            </a:pPr>
-            <a:endParaRPr lang="en-US" sz="2000" dirty="0"/>
-          </a:p>
-          <a:p>
-            <a:pPr marL="0" indent="0">
-              <a:buNone/>
-            </a:pPr>
-            <a:endParaRPr lang="en-US" dirty="0"/>
-          </a:p>
-        </p:txBody>
-      </p:sp>
-    </p:spTree>
-    <p:extLst>
-      <p:ext uri="{BB962C8B-B14F-4D97-AF65-F5344CB8AC3E}">
-        <p14:creationId xmlns:p14="http://schemas.microsoft.com/office/powerpoint/2010/main" val="379589292"/>
-      </p:ext>
-    </p:extLst>
-  </p:cSld>
-  <p:clrMapOvr>
-    <a:masterClrMapping/>
-  </p:clrMapOvr>
-</p:sld>
-</file>
-
-<file path=ppt/slides/slide22.xml><?xml version="1.0" encoding="utf-8"?>
-<p:sld xmlns:a="http://schemas.openxmlformats.org/drawingml/2006/main" xmlns:r="http://schemas.openxmlformats.org/officeDocument/2006/relationships" xmlns:p="http://schemas.openxmlformats.org/presentationml/2006/main">
-  <p:cSld>
-    <p:spTree>
-      <p:nvGrpSpPr>
-        <p:cNvPr id="1" name=""/>
-        <p:cNvGrpSpPr/>
-        <p:nvPr/>
-      </p:nvGrpSpPr>
-      <p:grpSpPr>
-        <a:xfrm>
-          <a:off x="0" y="0"/>
-          <a:ext cx="0" cy="0"/>
-          <a:chOff x="0" y="0"/>
-          <a:chExt cx="0" cy="0"/>
-        </a:xfrm>
-      </p:grpSpPr>
-      <p:sp>
-        <p:nvSpPr>
-          <p:cNvPr id="2" name="Title 1">
-            <a:extLst>
-              <a:ext uri="{FF2B5EF4-FFF2-40B4-BE49-F238E27FC236}">
-                <a16:creationId xmlns:a16="http://schemas.microsoft.com/office/drawing/2014/main" id="{61488A70-C930-436F-AA44-213019636706}"/>
-              </a:ext>
-            </a:extLst>
-          </p:cNvPr>
-          <p:cNvSpPr>
-            <a:spLocks noGrp="1"/>
-          </p:cNvSpPr>
-          <p:nvPr>
-            <p:ph type="title"/>
-          </p:nvPr>
-        </p:nvSpPr>
-        <p:spPr/>
-        <p:txBody>
-          <a:bodyPr/>
-          <a:lstStyle/>
-          <a:p>
-            <a:r>
-              <a:rPr lang="en-US" dirty="0">
-                <a:solidFill>
-                  <a:schemeClr val="accent1"/>
-                </a:solidFill>
-              </a:rPr>
-              <a:t>OpenMP: Flush</a:t>
-            </a:r>
-            <a:endParaRPr lang="en-US" dirty="0"/>
-          </a:p>
-        </p:txBody>
-      </p:sp>
-      <p:pic>
-        <p:nvPicPr>
-          <p:cNvPr id="8" name="Content Placeholder 4">
-            <a:extLst>
-              <a:ext uri="{FF2B5EF4-FFF2-40B4-BE49-F238E27FC236}">
-                <a16:creationId xmlns:a16="http://schemas.microsoft.com/office/drawing/2014/main" id="{4C6F2967-6D53-4E0B-A142-5634D587D444}"/>
-              </a:ext>
-            </a:extLst>
-          </p:cNvPr>
-          <p:cNvPicPr>
-            <a:picLocks noGrp="1" noChangeAspect="1"/>
-          </p:cNvPicPr>
-          <p:nvPr>
-            <p:ph idx="1"/>
-          </p:nvPr>
-        </p:nvPicPr>
-        <p:blipFill>
-          <a:blip r:embed="rId2"/>
-          <a:stretch>
-            <a:fillRect/>
-          </a:stretch>
-        </p:blipFill>
-        <p:spPr>
-          <a:xfrm>
-            <a:off x="838200" y="1911350"/>
-            <a:ext cx="6217346" cy="4351338"/>
-          </a:xfrm>
-        </p:spPr>
-      </p:pic>
-      <p:sp>
-        <p:nvSpPr>
-          <p:cNvPr id="9" name="TextBox 8">
-            <a:extLst>
-              <a:ext uri="{FF2B5EF4-FFF2-40B4-BE49-F238E27FC236}">
-                <a16:creationId xmlns:a16="http://schemas.microsoft.com/office/drawing/2014/main" id="{02033F09-4750-43D0-9E60-7DE4C45150CA}"/>
-              </a:ext>
-            </a:extLst>
-          </p:cNvPr>
-          <p:cNvSpPr txBox="1"/>
-          <p:nvPr/>
-        </p:nvSpPr>
-        <p:spPr>
-          <a:xfrm>
-            <a:off x="7213948" y="1840250"/>
-            <a:ext cx="4816127" cy="2246769"/>
-          </a:xfrm>
-          <a:prstGeom prst="rect">
-            <a:avLst/>
-          </a:prstGeom>
-          <a:noFill/>
-        </p:spPr>
-        <p:txBody>
-          <a:bodyPr wrap="square" rtlCol="0">
-            <a:spAutoFit/>
-          </a:bodyPr>
-          <a:lstStyle/>
-          <a:p>
-            <a:r>
-              <a:rPr lang="en-US" sz="2000" b="1" dirty="0">
-                <a:solidFill>
-                  <a:srgbClr val="FF0000"/>
-                </a:solidFill>
-              </a:rPr>
-              <a:t>Producer-Consumer Problem</a:t>
-            </a:r>
-          </a:p>
-          <a:p>
-            <a:r>
-              <a:rPr lang="en-US" sz="2000" dirty="0"/>
-              <a:t>TO DO:</a:t>
-            </a:r>
-          </a:p>
-          <a:p>
-            <a:pPr marL="342900" indent="-342900">
-              <a:buFont typeface="Arial" panose="020B0604020202020204" pitchFamily="34" charset="0"/>
-              <a:buChar char="•"/>
-            </a:pPr>
-            <a:r>
-              <a:rPr lang="en-US" sz="2000" dirty="0"/>
-              <a:t>Implement pairwise synchronization</a:t>
-            </a:r>
-          </a:p>
-          <a:p>
-            <a:r>
-              <a:rPr lang="en-US" sz="2000" dirty="0"/>
-              <a:t>      between the producer and the consumer</a:t>
-            </a:r>
-          </a:p>
-          <a:p>
-            <a:r>
-              <a:rPr lang="en-US" sz="2000" dirty="0"/>
-              <a:t>      thread</a:t>
-            </a:r>
-          </a:p>
-          <a:p>
-            <a:endParaRPr lang="en-US" sz="2000" b="1" dirty="0">
-              <a:solidFill>
-                <a:srgbClr val="FF0000"/>
-              </a:solidFill>
-            </a:endParaRPr>
-          </a:p>
-          <a:p>
-            <a:endParaRPr lang="en-US" sz="2000" b="1" dirty="0">
-              <a:solidFill>
-                <a:srgbClr val="FF0000"/>
-              </a:solidFill>
-            </a:endParaRPr>
-          </a:p>
-        </p:txBody>
-      </p:sp>
-    </p:spTree>
-    <p:extLst>
-      <p:ext uri="{BB962C8B-B14F-4D97-AF65-F5344CB8AC3E}">
-        <p14:creationId xmlns:p14="http://schemas.microsoft.com/office/powerpoint/2010/main" val="972065615"/>
-      </p:ext>
-    </p:extLst>
-  </p:cSld>
-  <p:clrMapOvr>
-    <a:masterClrMapping/>
-  </p:clrMapOvr>
-</p:sld>
-</file>
-
 <file path=ppt/slides/slide23.xml><?xml version="1.0" encoding="utf-8"?>
 <p:sld xmlns:a="http://schemas.openxmlformats.org/drawingml/2006/main" xmlns:r="http://schemas.openxmlformats.org/officeDocument/2006/relationships" xmlns:p="http://schemas.openxmlformats.org/presentationml/2006/main">
   <p:cSld>
@@ -9089,7 +9355,7 @@
           <p:cNvPr id="2" name="Title 1">
             <a:extLst>
               <a:ext uri="{FF2B5EF4-FFF2-40B4-BE49-F238E27FC236}">
-                <a16:creationId xmlns:a16="http://schemas.microsoft.com/office/drawing/2014/main" id="{575972B0-3B56-4BD1-BE65-E31C985DCD06}"/>
+                <a16:creationId xmlns:a16="http://schemas.microsoft.com/office/drawing/2014/main" id="{67E01AAE-C3BA-4D43-8B69-204191868D99}"/>
               </a:ext>
             </a:extLst>
           </p:cNvPr>
@@ -9122,7 +9388,7 @@
           <p:cNvPr id="3" name="Content Placeholder 2">
             <a:extLst>
               <a:ext uri="{FF2B5EF4-FFF2-40B4-BE49-F238E27FC236}">
-                <a16:creationId xmlns:a16="http://schemas.microsoft.com/office/drawing/2014/main" id="{7E329225-2F70-42A3-8F1C-4BC65F8AB05E}"/>
+                <a16:creationId xmlns:a16="http://schemas.microsoft.com/office/drawing/2014/main" id="{C504537B-525A-4FDB-80EA-3CDFE04C8E73}"/>
               </a:ext>
             </a:extLst>
           </p:cNvPr>
@@ -9135,9 +9401,7 @@
         </p:nvSpPr>
         <p:spPr/>
         <p:txBody>
-          <a:bodyPr>
-            <a:normAutofit/>
-          </a:bodyPr>
+          <a:bodyPr/>
           <a:lstStyle/>
           <a:p>
             <a:pPr>
@@ -9145,43 +9409,96 @@
               <a:buChar char="q"/>
             </a:pPr>
             <a:r>
-              <a:rPr lang="en-US" sz="2000" dirty="0"/>
-              <a:t> OpenMP lacks </a:t>
-            </a:r>
-            <a:r>
-              <a:rPr lang="en-US" sz="2000" b="1" dirty="0">
+              <a:rPr lang="en-US" sz="2200" dirty="0"/>
+              <a:t>The compiler is not allowed to reorder reads or writes of the variables in the </a:t>
+            </a:r>
+            <a:r>
+              <a:rPr lang="en-US" sz="2200" b="1" dirty="0">
                 <a:solidFill>
                   <a:srgbClr val="FF0000"/>
                 </a:solidFill>
               </a:rPr>
-              <a:t>pairwise constructs </a:t>
-            </a:r>
-            <a:r>
-              <a:rPr lang="en-US" sz="2000" dirty="0"/>
-              <a:t>that work between pairs of threads.</a:t>
+              <a:t>flush-set</a:t>
+            </a:r>
+            <a:r>
+              <a:rPr lang="en-US" sz="2200" dirty="0"/>
+              <a:t> around a flush.</a:t>
             </a:r>
           </a:p>
           <a:p>
             <a:pPr lvl="1"/>
             <a:r>
-              <a:rPr lang="en-US" sz="2000" dirty="0"/>
-              <a:t>In Pthreads, we have </a:t>
-            </a:r>
-            <a:r>
-              <a:rPr lang="en-US" sz="2000" b="1" dirty="0">
+              <a:rPr lang="en-US" sz="2200" dirty="0"/>
+              <a:t>All previous  reads and writes of the </a:t>
+            </a:r>
+            <a:r>
+              <a:rPr lang="en-US" sz="2200" b="1" dirty="0">
                 <a:solidFill>
                   <a:srgbClr val="FF0000"/>
                 </a:solidFill>
               </a:rPr>
-              <a:t>condition variables </a:t>
-            </a:r>
-            <a:r>
-              <a:rPr lang="en-US" sz="2000" dirty="0"/>
-              <a:t>that can be used to synchronize between a pair of threads.</a:t>
-            </a:r>
-            <a:r>
-              <a:rPr lang="en-US" sz="1600" dirty="0"/>
-              <a:t>	</a:t>
+              <a:t>flush-set </a:t>
+            </a:r>
+            <a:r>
+              <a:rPr lang="en-US" sz="2200" dirty="0"/>
+              <a:t>by this thread have completed.</a:t>
+            </a:r>
+          </a:p>
+          <a:p>
+            <a:pPr lvl="1"/>
+            <a:r>
+              <a:rPr lang="en-US" sz="2200" dirty="0"/>
+              <a:t>No subsequent reads or writes of the </a:t>
+            </a:r>
+            <a:r>
+              <a:rPr lang="en-US" sz="2200" b="1" dirty="0">
+                <a:solidFill>
+                  <a:srgbClr val="FF0000"/>
+                </a:solidFill>
+              </a:rPr>
+              <a:t>flush-set</a:t>
+            </a:r>
+            <a:r>
+              <a:rPr lang="en-US" sz="2200" dirty="0"/>
+              <a:t> by this thread have occurred.</a:t>
+            </a:r>
+          </a:p>
+          <a:p>
+            <a:pPr lvl="1"/>
+            <a:r>
+              <a:rPr lang="en-US" sz="2200" dirty="0"/>
+              <a:t>All variables in the </a:t>
+            </a:r>
+            <a:r>
+              <a:rPr lang="en-US" sz="2200" b="1" dirty="0">
+                <a:solidFill>
+                  <a:srgbClr val="FF0000"/>
+                </a:solidFill>
+              </a:rPr>
+              <a:t>flush set</a:t>
+            </a:r>
+            <a:r>
+              <a:rPr lang="en-US" sz="2200" dirty="0"/>
+              <a:t> are moved from temporary storage, i.e., registers, to the shared memory. </a:t>
+            </a:r>
+          </a:p>
+          <a:p>
+            <a:pPr lvl="1"/>
+            <a:r>
+              <a:rPr lang="en-US" sz="2200" dirty="0"/>
+              <a:t>Reads of variables in the </a:t>
+            </a:r>
+            <a:r>
+              <a:rPr lang="en-US" sz="2200" b="1" dirty="0">
+                <a:solidFill>
+                  <a:srgbClr val="FF0000"/>
+                </a:solidFill>
+              </a:rPr>
+              <a:t>flush-set</a:t>
+            </a:r>
+            <a:r>
+              <a:rPr lang="en-US" sz="2200" dirty="0"/>
+              <a:t> that follow that flush are loaded from the shared memory.</a:t>
             </a:r>
           </a:p>
           <a:p>
@@ -9190,61 +9507,35 @@
               <a:buChar char="q"/>
             </a:pPr>
             <a:r>
-              <a:rPr lang="en-US" sz="2000" dirty="0"/>
-              <a:t> When needed, we have to implement it ourselves !!!</a:t>
-            </a:r>
-          </a:p>
-          <a:p>
-            <a:pPr>
-              <a:buFont typeface="Wingdings" panose="05000000000000000000" pitchFamily="2" charset="2"/>
-              <a:buChar char="q"/>
+              <a:rPr lang="en-US" sz="2200" dirty="0"/>
+              <a:t> Again, keep in mind that the flush operation only makes the calling thread’s temporary view  consistent with the shared memory.</a:t>
+            </a:r>
+          </a:p>
+          <a:p>
+            <a:pPr lvl="1"/>
+            <a:r>
+              <a:rPr lang="en-US" sz="2200" dirty="0"/>
+              <a:t> The flush operation by itself does not synchronize itself with other threads.</a:t>
+            </a:r>
+          </a:p>
+          <a:p>
+            <a:pPr marL="0" indent="0">
+              <a:buNone/>
             </a:pPr>
             <a:endParaRPr lang="en-US" sz="2000" dirty="0"/>
           </a:p>
           <a:p>
-            <a:pPr>
-              <a:buFont typeface="Wingdings" panose="05000000000000000000" pitchFamily="2" charset="2"/>
-              <a:buChar char="q"/>
+            <a:pPr marL="0" indent="0">
+              <a:buNone/>
             </a:pPr>
-            <a:r>
-              <a:rPr lang="en-US" sz="2000" dirty="0"/>
-              <a:t> Pairwise Synchronization can be implemented as follows:</a:t>
-            </a:r>
-          </a:p>
-          <a:p>
-            <a:pPr lvl="1"/>
-            <a:r>
-              <a:rPr lang="en-US" sz="2000" dirty="0"/>
-              <a:t>Use a shared flag variable</a:t>
-            </a:r>
-          </a:p>
-          <a:p>
-            <a:pPr lvl="1"/>
-            <a:r>
-              <a:rPr lang="en-US" sz="2000" dirty="0"/>
-              <a:t>Have the consumer spin waiting for the new value of the shared flag </a:t>
-            </a:r>
-          </a:p>
-          <a:p>
-            <a:pPr lvl="1"/>
-            <a:r>
-              <a:rPr lang="en-US" sz="2000" dirty="0"/>
-              <a:t>Use flushes to force updates to and from memory </a:t>
-            </a:r>
-          </a:p>
-          <a:p>
-            <a:pPr lvl="1">
-              <a:buFont typeface="Wingdings" panose="05000000000000000000" pitchFamily="2" charset="2"/>
-              <a:buChar char="q"/>
-            </a:pPr>
-            <a:endParaRPr lang="en-US" sz="1600" dirty="0"/>
+            <a:endParaRPr lang="en-US" dirty="0"/>
           </a:p>
         </p:txBody>
       </p:sp>
     </p:spTree>
     <p:extLst>
       <p:ext uri="{BB962C8B-B14F-4D97-AF65-F5344CB8AC3E}">
-        <p14:creationId xmlns:p14="http://schemas.microsoft.com/office/powerpoint/2010/main" val="2891452187"/>
+        <p14:creationId xmlns:p14="http://schemas.microsoft.com/office/powerpoint/2010/main" val="379589292"/>
       </p:ext>
     </p:extLst>
   </p:cSld>
@@ -9276,7 +9567,7 @@
           <p:cNvPr id="2" name="Title 1">
             <a:extLst>
               <a:ext uri="{FF2B5EF4-FFF2-40B4-BE49-F238E27FC236}">
-                <a16:creationId xmlns:a16="http://schemas.microsoft.com/office/drawing/2014/main" id="{586803A9-C0CA-493F-A707-F8FEB5588A49}"/>
+                <a16:creationId xmlns:a16="http://schemas.microsoft.com/office/drawing/2014/main" id="{61488A70-C930-436F-AA44-213019636706}"/>
               </a:ext>
             </a:extLst>
           </p:cNvPr>
@@ -9306,17 +9597,19 @@
       </p:sp>
       <p:pic>
         <p:nvPicPr>
-          <p:cNvPr id="5" name="Picture 4">
-            <a:extLst>
-              <a:ext uri="{FF2B5EF4-FFF2-40B4-BE49-F238E27FC236}">
-                <a16:creationId xmlns:a16="http://schemas.microsoft.com/office/drawing/2014/main" id="{5F0C326F-BC62-4E5A-9E32-D8B91C784DBE}"/>
+          <p:cNvPr id="8" name="Content Placeholder 4">
+            <a:extLst>
+              <a:ext uri="{FF2B5EF4-FFF2-40B4-BE49-F238E27FC236}">
+                <a16:creationId xmlns:a16="http://schemas.microsoft.com/office/drawing/2014/main" id="{4C6F2967-6D53-4E0B-A142-5634D587D444}"/>
               </a:ext>
             </a:extLst>
           </p:cNvPr>
           <p:cNvPicPr>
-            <a:picLocks noChangeAspect="1"/>
+            <a:picLocks noGrp="1" noChangeAspect="1"/>
           </p:cNvPicPr>
-          <p:nvPr/>
+          <p:nvPr>
+            <p:ph idx="1"/>
+          </p:nvPr>
         </p:nvPicPr>
         <p:blipFill>
           <a:blip r:embed="rId2"/>
@@ -9326,20 +9619,17 @@
         </p:blipFill>
         <p:spPr>
           <a:xfrm>
-            <a:off x="838200" y="1747838"/>
-            <a:ext cx="6748462" cy="4581957"/>
+            <a:off x="838200" y="1911350"/>
+            <a:ext cx="6217346" cy="4351338"/>
           </a:xfrm>
-          <a:prstGeom prst="rect">
-            <a:avLst/>
-          </a:prstGeom>
         </p:spPr>
       </p:pic>
       <p:sp>
         <p:nvSpPr>
-          <p:cNvPr id="6" name="TextBox 5">
-            <a:extLst>
-              <a:ext uri="{FF2B5EF4-FFF2-40B4-BE49-F238E27FC236}">
-                <a16:creationId xmlns:a16="http://schemas.microsoft.com/office/drawing/2014/main" id="{D53DC5FB-7C45-4A18-88CE-EA9B5749A81E}"/>
+          <p:cNvPr id="9" name="TextBox 8">
+            <a:extLst>
+              <a:ext uri="{FF2B5EF4-FFF2-40B4-BE49-F238E27FC236}">
+                <a16:creationId xmlns:a16="http://schemas.microsoft.com/office/drawing/2014/main" id="{02033F09-4750-43D0-9E60-7DE4C45150CA}"/>
               </a:ext>
             </a:extLst>
           </p:cNvPr>
@@ -9348,8 +9638,8 @@
         </p:nvSpPr>
         <p:spPr>
           <a:xfrm>
-            <a:off x="10061751" y="6329795"/>
-            <a:ext cx="1787349" cy="369332"/>
+            <a:off x="7213948" y="1840250"/>
+            <a:ext cx="4816127" cy="2246769"/>
           </a:xfrm>
           <a:prstGeom prst="rect">
             <a:avLst/>
@@ -9357,7 +9647,88 @@
           <a:noFill/>
         </p:spPr>
         <p:txBody>
-          <a:bodyPr wrap="none" rtlCol="0">
+          <a:bodyPr wrap="square" rtlCol="0">
+            <a:spAutoFit/>
+          </a:bodyPr>
+          <a:lstStyle/>
+          <a:p>
+            <a:r>
+              <a:rPr lang="en-US" sz="2000" b="1" dirty="0">
+                <a:solidFill>
+                  <a:srgbClr val="FF0000"/>
+                </a:solidFill>
+              </a:rPr>
+              <a:t>Producer-Consumer Problem</a:t>
+            </a:r>
+          </a:p>
+          <a:p>
+            <a:r>
+              <a:rPr lang="en-US" sz="2000" dirty="0"/>
+              <a:t>TO DO:</a:t>
+            </a:r>
+          </a:p>
+          <a:p>
+            <a:pPr marL="342900" indent="-342900">
+              <a:buFont typeface="Arial" panose="020B0604020202020204" pitchFamily="34" charset="0"/>
+              <a:buChar char="•"/>
+            </a:pPr>
+            <a:r>
+              <a:rPr lang="en-US" sz="2000" dirty="0"/>
+              <a:t>Implement pairwise synchronization</a:t>
+            </a:r>
+          </a:p>
+          <a:p>
+            <a:r>
+              <a:rPr lang="en-US" sz="2000" dirty="0"/>
+              <a:t>      between the producer and the consumer</a:t>
+            </a:r>
+          </a:p>
+          <a:p>
+            <a:r>
+              <a:rPr lang="en-US" sz="2000" dirty="0"/>
+              <a:t>      thread</a:t>
+            </a:r>
+          </a:p>
+          <a:p>
+            <a:endParaRPr lang="en-US" sz="2000" b="1" dirty="0">
+              <a:solidFill>
+                <a:srgbClr val="FF0000"/>
+              </a:solidFill>
+            </a:endParaRPr>
+          </a:p>
+          <a:p>
+            <a:endParaRPr lang="en-US" sz="2000" b="1" dirty="0">
+              <a:solidFill>
+                <a:srgbClr val="FF0000"/>
+              </a:solidFill>
+            </a:endParaRPr>
+          </a:p>
+        </p:txBody>
+      </p:sp>
+      <p:sp>
+        <p:nvSpPr>
+          <p:cNvPr id="5" name="TextBox 4">
+            <a:extLst>
+              <a:ext uri="{FF2B5EF4-FFF2-40B4-BE49-F238E27FC236}">
+                <a16:creationId xmlns:a16="http://schemas.microsoft.com/office/drawing/2014/main" id="{00992793-3564-44A9-B75E-21905DACC600}"/>
+              </a:ext>
+            </a:extLst>
+          </p:cNvPr>
+          <p:cNvSpPr txBox="1"/>
+          <p:nvPr/>
+        </p:nvSpPr>
+        <p:spPr>
+          <a:xfrm>
+            <a:off x="10039350" y="6308209"/>
+            <a:ext cx="2152650" cy="369332"/>
+          </a:xfrm>
+          <a:prstGeom prst="rect">
+            <a:avLst/>
+          </a:prstGeom>
+          <a:noFill/>
+        </p:spPr>
+        <p:txBody>
+          <a:bodyPr wrap="square">
             <a:spAutoFit/>
           </a:bodyPr>
           <a:lstStyle/>
@@ -9376,7 +9747,7 @@
     </p:spTree>
     <p:extLst>
       <p:ext uri="{BB962C8B-B14F-4D97-AF65-F5344CB8AC3E}">
-        <p14:creationId xmlns:p14="http://schemas.microsoft.com/office/powerpoint/2010/main" val="3825043725"/>
+        <p14:creationId xmlns:p14="http://schemas.microsoft.com/office/powerpoint/2010/main" val="972065615"/>
       </p:ext>
     </p:extLst>
   </p:cSld>
@@ -9408,7 +9779,7 @@
           <p:cNvPr id="2" name="Title 1">
             <a:extLst>
               <a:ext uri="{FF2B5EF4-FFF2-40B4-BE49-F238E27FC236}">
-                <a16:creationId xmlns:a16="http://schemas.microsoft.com/office/drawing/2014/main" id="{74037AFE-AC85-4BE7-AA3E-6349DEC6AD14}"/>
+                <a16:creationId xmlns:a16="http://schemas.microsoft.com/office/drawing/2014/main" id="{575972B0-3B56-4BD1-BE65-E31C985DCD06}"/>
               </a:ext>
             </a:extLst>
           </p:cNvPr>
@@ -9436,114 +9807,134 @@
           </a:p>
         </p:txBody>
       </p:sp>
-      <p:pic>
-        <p:nvPicPr>
-          <p:cNvPr id="8" name="Content Placeholder 4">
-            <a:extLst>
-              <a:ext uri="{FF2B5EF4-FFF2-40B4-BE49-F238E27FC236}">
-                <a16:creationId xmlns:a16="http://schemas.microsoft.com/office/drawing/2014/main" id="{0C0912DB-9982-4937-A94B-98B83C7904CF}"/>
-              </a:ext>
-            </a:extLst>
-          </p:cNvPr>
-          <p:cNvPicPr>
-            <a:picLocks noGrp="1" noChangeAspect="1"/>
-          </p:cNvPicPr>
+      <p:sp>
+        <p:nvSpPr>
+          <p:cNvPr id="3" name="Content Placeholder 2">
+            <a:extLst>
+              <a:ext uri="{FF2B5EF4-FFF2-40B4-BE49-F238E27FC236}">
+                <a16:creationId xmlns:a16="http://schemas.microsoft.com/office/drawing/2014/main" id="{7E329225-2F70-42A3-8F1C-4BC65F8AB05E}"/>
+              </a:ext>
+            </a:extLst>
+          </p:cNvPr>
+          <p:cNvSpPr>
+            <a:spLocks noGrp="1"/>
+          </p:cNvSpPr>
           <p:nvPr>
             <p:ph idx="1"/>
           </p:nvPr>
-        </p:nvPicPr>
-        <p:blipFill>
-          <a:blip r:embed="rId2"/>
-          <a:stretch>
-            <a:fillRect/>
-          </a:stretch>
-        </p:blipFill>
-        <p:spPr>
-          <a:xfrm>
-            <a:off x="763095" y="1854200"/>
-            <a:ext cx="6893909" cy="4351338"/>
-          </a:xfrm>
-        </p:spPr>
-      </p:pic>
-      <p:sp>
-        <p:nvSpPr>
-          <p:cNvPr id="9" name="TextBox 8">
-            <a:extLst>
-              <a:ext uri="{FF2B5EF4-FFF2-40B4-BE49-F238E27FC236}">
-                <a16:creationId xmlns:a16="http://schemas.microsoft.com/office/drawing/2014/main" id="{540D73EA-83DF-4449-B4E6-328C55B2B190}"/>
-              </a:ext>
-            </a:extLst>
-          </p:cNvPr>
-          <p:cNvSpPr txBox="1"/>
-          <p:nvPr/>
         </p:nvSpPr>
-        <p:spPr>
-          <a:xfrm>
-            <a:off x="10290351" y="6308209"/>
-            <a:ext cx="1787349" cy="369332"/>
-          </a:xfrm>
-          <a:prstGeom prst="rect">
-            <a:avLst/>
-          </a:prstGeom>
-          <a:noFill/>
-        </p:spPr>
+        <p:spPr/>
         <p:txBody>
-          <a:bodyPr wrap="none" rtlCol="0">
-            <a:spAutoFit/>
+          <a:bodyPr>
+            <a:normAutofit/>
           </a:bodyPr>
           <a:lstStyle/>
           <a:p>
-            <a:r>
-              <a:rPr lang="en-US" b="1" dirty="0">
+            <a:pPr>
+              <a:buFont typeface="Wingdings" panose="05000000000000000000" pitchFamily="2" charset="2"/>
+              <a:buChar char="q"/>
+            </a:pPr>
+            <a:r>
+              <a:rPr lang="en-US" sz="2000" dirty="0"/>
+              <a:t> OpenMP lacks </a:t>
+            </a:r>
+            <a:r>
+              <a:rPr lang="en-US" sz="2000" b="1" dirty="0">
                 <a:solidFill>
                   <a:srgbClr val="FF0000"/>
                 </a:solidFill>
               </a:rPr>
-              <a:t>Figure Credit: [3]</a:t>
-            </a:r>
-          </a:p>
-        </p:txBody>
-      </p:sp>
-      <p:sp>
-        <p:nvSpPr>
-          <p:cNvPr id="10" name="TextBox 9">
-            <a:extLst>
-              <a:ext uri="{FF2B5EF4-FFF2-40B4-BE49-F238E27FC236}">
-                <a16:creationId xmlns:a16="http://schemas.microsoft.com/office/drawing/2014/main" id="{101180EF-2DB3-4583-A54E-99E89238AF5D}"/>
-              </a:ext>
-            </a:extLst>
-          </p:cNvPr>
-          <p:cNvSpPr txBox="1"/>
-          <p:nvPr/>
-        </p:nvSpPr>
-        <p:spPr>
-          <a:xfrm>
-            <a:off x="7762875" y="4907976"/>
-            <a:ext cx="4314825" cy="400110"/>
-          </a:xfrm>
-          <a:prstGeom prst="rect">
-            <a:avLst/>
-          </a:prstGeom>
-          <a:noFill/>
-        </p:spPr>
-        <p:txBody>
-          <a:bodyPr wrap="square" rtlCol="0">
-            <a:spAutoFit/>
-          </a:bodyPr>
-          <a:lstStyle/>
-          <a:p>
-            <a:r>
-              <a:rPr lang="en-US" sz="2000" dirty="0"/>
-              <a:t>Is this code correct?</a:t>
-            </a:r>
-            <a:endParaRPr lang="en-US" dirty="0"/>
+              <a:t>pairwise constructs </a:t>
+            </a:r>
+            <a:r>
+              <a:rPr lang="en-US" sz="2000" dirty="0"/>
+              <a:t>that work between pairs of threads.</a:t>
+            </a:r>
+          </a:p>
+          <a:p>
+            <a:pPr lvl="1"/>
+            <a:r>
+              <a:rPr lang="en-US" sz="2000" dirty="0"/>
+              <a:t>In Pthreads, we have </a:t>
+            </a:r>
+            <a:r>
+              <a:rPr lang="en-US" sz="2000" b="1" dirty="0">
+                <a:solidFill>
+                  <a:srgbClr val="FF0000"/>
+                </a:solidFill>
+              </a:rPr>
+              <a:t>condition variables </a:t>
+            </a:r>
+            <a:r>
+              <a:rPr lang="en-US" sz="2000" dirty="0"/>
+              <a:t>that can be used to synchronize between a pair of threads.</a:t>
+            </a:r>
+            <a:r>
+              <a:rPr lang="en-US" sz="1600" dirty="0"/>
+              <a:t>	</a:t>
+            </a:r>
+          </a:p>
+          <a:p>
+            <a:pPr>
+              <a:buFont typeface="Wingdings" panose="05000000000000000000" pitchFamily="2" charset="2"/>
+              <a:buChar char="q"/>
+            </a:pPr>
+            <a:r>
+              <a:rPr lang="en-US" sz="2000" dirty="0"/>
+              <a:t> When needed, we have to implement it ourselves !!!</a:t>
+            </a:r>
+          </a:p>
+          <a:p>
+            <a:pPr>
+              <a:buFont typeface="Wingdings" panose="05000000000000000000" pitchFamily="2" charset="2"/>
+              <a:buChar char="q"/>
+            </a:pPr>
+            <a:endParaRPr lang="en-US" sz="2000" dirty="0"/>
+          </a:p>
+          <a:p>
+            <a:pPr>
+              <a:buFont typeface="Wingdings" panose="05000000000000000000" pitchFamily="2" charset="2"/>
+              <a:buChar char="q"/>
+            </a:pPr>
+            <a:r>
+              <a:rPr lang="en-US" sz="2000" dirty="0"/>
+              <a:t> Pairwise Synchronization can be implemented as follows:</a:t>
+            </a:r>
+          </a:p>
+          <a:p>
+            <a:pPr lvl="1"/>
+            <a:r>
+              <a:rPr lang="en-US" sz="2000" dirty="0"/>
+              <a:t>Use a shared flag variable</a:t>
+            </a:r>
+          </a:p>
+          <a:p>
+            <a:pPr lvl="1"/>
+            <a:r>
+              <a:rPr lang="en-US" sz="2000" dirty="0"/>
+              <a:t>Have the consumer spin waiting for the new value of the shared flag </a:t>
+            </a:r>
+          </a:p>
+          <a:p>
+            <a:pPr lvl="1"/>
+            <a:r>
+              <a:rPr lang="en-US" sz="2000" dirty="0"/>
+              <a:t>Use flushes to force updates to and from memory </a:t>
+            </a:r>
+          </a:p>
+          <a:p>
+            <a:pPr lvl="1">
+              <a:buFont typeface="Wingdings" panose="05000000000000000000" pitchFamily="2" charset="2"/>
+              <a:buChar char="q"/>
+            </a:pPr>
+            <a:endParaRPr lang="en-US" sz="1600" dirty="0"/>
           </a:p>
         </p:txBody>
       </p:sp>
     </p:spTree>
     <p:extLst>
       <p:ext uri="{BB962C8B-B14F-4D97-AF65-F5344CB8AC3E}">
-        <p14:creationId xmlns:p14="http://schemas.microsoft.com/office/powerpoint/2010/main" val="3746300000"/>
+        <p14:creationId xmlns:p14="http://schemas.microsoft.com/office/powerpoint/2010/main" val="2891452187"/>
       </p:ext>
     </p:extLst>
   </p:cSld>
@@ -9575,7 +9966,7 @@
           <p:cNvPr id="2" name="Title 1">
             <a:extLst>
               <a:ext uri="{FF2B5EF4-FFF2-40B4-BE49-F238E27FC236}">
-                <a16:creationId xmlns:a16="http://schemas.microsoft.com/office/drawing/2014/main" id="{74037AFE-AC85-4BE7-AA3E-6349DEC6AD14}"/>
+                <a16:creationId xmlns:a16="http://schemas.microsoft.com/office/drawing/2014/main" id="{586803A9-C0CA-493F-A707-F8FEB5588A49}"/>
               </a:ext>
             </a:extLst>
           </p:cNvPr>
@@ -9605,19 +9996,17 @@
       </p:sp>
       <p:pic>
         <p:nvPicPr>
-          <p:cNvPr id="8" name="Content Placeholder 4">
-            <a:extLst>
-              <a:ext uri="{FF2B5EF4-FFF2-40B4-BE49-F238E27FC236}">
-                <a16:creationId xmlns:a16="http://schemas.microsoft.com/office/drawing/2014/main" id="{0C0912DB-9982-4937-A94B-98B83C7904CF}"/>
+          <p:cNvPr id="5" name="Picture 4">
+            <a:extLst>
+              <a:ext uri="{FF2B5EF4-FFF2-40B4-BE49-F238E27FC236}">
+                <a16:creationId xmlns:a16="http://schemas.microsoft.com/office/drawing/2014/main" id="{5F0C326F-BC62-4E5A-9E32-D8B91C784DBE}"/>
               </a:ext>
             </a:extLst>
           </p:cNvPr>
           <p:cNvPicPr>
-            <a:picLocks noGrp="1" noChangeAspect="1"/>
+            <a:picLocks noChangeAspect="1"/>
           </p:cNvPicPr>
-          <p:nvPr>
-            <p:ph idx="1"/>
-          </p:nvPr>
+          <p:nvPr/>
         </p:nvPicPr>
         <p:blipFill>
           <a:blip r:embed="rId2"/>
@@ -9627,17 +10016,20 @@
         </p:blipFill>
         <p:spPr>
           <a:xfrm>
-            <a:off x="763095" y="1854200"/>
-            <a:ext cx="6893909" cy="4351338"/>
+            <a:off x="838200" y="1747838"/>
+            <a:ext cx="6748462" cy="4581957"/>
           </a:xfrm>
+          <a:prstGeom prst="rect">
+            <a:avLst/>
+          </a:prstGeom>
         </p:spPr>
       </p:pic>
       <p:sp>
         <p:nvSpPr>
-          <p:cNvPr id="9" name="TextBox 8">
-            <a:extLst>
-              <a:ext uri="{FF2B5EF4-FFF2-40B4-BE49-F238E27FC236}">
-                <a16:creationId xmlns:a16="http://schemas.microsoft.com/office/drawing/2014/main" id="{540D73EA-83DF-4449-B4E6-328C55B2B190}"/>
+          <p:cNvPr id="6" name="TextBox 5">
+            <a:extLst>
+              <a:ext uri="{FF2B5EF4-FFF2-40B4-BE49-F238E27FC236}">
+                <a16:creationId xmlns:a16="http://schemas.microsoft.com/office/drawing/2014/main" id="{D53DC5FB-7C45-4A18-88CE-EA9B5749A81E}"/>
               </a:ext>
             </a:extLst>
           </p:cNvPr>
@@ -9646,7 +10038,7 @@
         </p:nvSpPr>
         <p:spPr>
           <a:xfrm>
-            <a:off x="10290351" y="6308209"/>
+            <a:off x="10061751" y="6329795"/>
             <a:ext cx="1787349" cy="369332"/>
           </a:xfrm>
           <a:prstGeom prst="rect">
@@ -9671,70 +10063,10 @@
           </a:p>
         </p:txBody>
       </p:sp>
-      <p:sp>
-        <p:nvSpPr>
-          <p:cNvPr id="10" name="TextBox 9">
-            <a:extLst>
-              <a:ext uri="{FF2B5EF4-FFF2-40B4-BE49-F238E27FC236}">
-                <a16:creationId xmlns:a16="http://schemas.microsoft.com/office/drawing/2014/main" id="{101180EF-2DB3-4583-A54E-99E89238AF5D}"/>
-              </a:ext>
-            </a:extLst>
-          </p:cNvPr>
-          <p:cNvSpPr txBox="1"/>
-          <p:nvPr/>
-        </p:nvSpPr>
-        <p:spPr>
-          <a:xfrm>
-            <a:off x="7762875" y="4907976"/>
-            <a:ext cx="4314825" cy="707886"/>
-          </a:xfrm>
-          <a:prstGeom prst="rect">
-            <a:avLst/>
-          </a:prstGeom>
-          <a:noFill/>
-        </p:spPr>
-        <p:txBody>
-          <a:bodyPr wrap="square" rtlCol="0">
-            <a:spAutoFit/>
-          </a:bodyPr>
-          <a:lstStyle/>
-          <a:p>
-            <a:r>
-              <a:rPr lang="en-US" sz="2000" dirty="0"/>
-              <a:t>This code is not </a:t>
-            </a:r>
-            <a:r>
-              <a:rPr lang="en-US" sz="2000" b="1" dirty="0">
-                <a:solidFill>
-                  <a:srgbClr val="FF0000"/>
-                </a:solidFill>
-              </a:rPr>
-              <a:t>data-race free</a:t>
-            </a:r>
-            <a:r>
-              <a:rPr lang="en-US" sz="2000" dirty="0"/>
-              <a:t>,</a:t>
-            </a:r>
-            <a:r>
-              <a:rPr lang="en-US" sz="2000" b="1" dirty="0">
-                <a:solidFill>
-                  <a:srgbClr val="FF0000"/>
-                </a:solidFill>
-              </a:rPr>
-              <a:t> </a:t>
-            </a:r>
-            <a:r>
-              <a:rPr lang="en-US" sz="2000" dirty="0"/>
-              <a:t>but it works correctly on x86 machines.</a:t>
-            </a:r>
-            <a:endParaRPr lang="en-US" dirty="0"/>
-          </a:p>
-        </p:txBody>
-      </p:sp>
     </p:spTree>
     <p:extLst>
       <p:ext uri="{BB962C8B-B14F-4D97-AF65-F5344CB8AC3E}">
-        <p14:creationId xmlns:p14="http://schemas.microsoft.com/office/powerpoint/2010/main" val="717244414"/>
+        <p14:creationId xmlns:p14="http://schemas.microsoft.com/office/powerpoint/2010/main" val="3825043725"/>
       </p:ext>
     </p:extLst>
   </p:cSld>
@@ -9766,7 +10098,7 @@
           <p:cNvPr id="2" name="Title 1">
             <a:extLst>
               <a:ext uri="{FF2B5EF4-FFF2-40B4-BE49-F238E27FC236}">
-                <a16:creationId xmlns:a16="http://schemas.microsoft.com/office/drawing/2014/main" id="{D5FC9B5D-C54A-463E-A7B2-73C88338FB75}"/>
+                <a16:creationId xmlns:a16="http://schemas.microsoft.com/office/drawing/2014/main" id="{74037AFE-AC85-4BE7-AA3E-6349DEC6AD14}"/>
               </a:ext>
             </a:extLst>
           </p:cNvPr>
@@ -9796,17 +10128,19 @@
       </p:sp>
       <p:pic>
         <p:nvPicPr>
-          <p:cNvPr id="7" name="Picture 6">
-            <a:extLst>
-              <a:ext uri="{FF2B5EF4-FFF2-40B4-BE49-F238E27FC236}">
-                <a16:creationId xmlns:a16="http://schemas.microsoft.com/office/drawing/2014/main" id="{99E41DE2-B149-48A6-B7C7-17F359F79E03}"/>
+          <p:cNvPr id="8" name="Content Placeholder 4">
+            <a:extLst>
+              <a:ext uri="{FF2B5EF4-FFF2-40B4-BE49-F238E27FC236}">
+                <a16:creationId xmlns:a16="http://schemas.microsoft.com/office/drawing/2014/main" id="{0C0912DB-9982-4937-A94B-98B83C7904CF}"/>
               </a:ext>
             </a:extLst>
           </p:cNvPr>
           <p:cNvPicPr>
-            <a:picLocks noChangeAspect="1"/>
+            <a:picLocks noGrp="1" noChangeAspect="1"/>
           </p:cNvPicPr>
-          <p:nvPr/>
+          <p:nvPr>
+            <p:ph idx="1"/>
+          </p:nvPr>
         </p:nvPicPr>
         <p:blipFill>
           <a:blip r:embed="rId2"/>
@@ -9816,12 +10150,9 @@
         </p:blipFill>
         <p:spPr>
           <a:xfrm>
-            <a:off x="996439" y="1425111"/>
-            <a:ext cx="6761213" cy="4883098"/>
+            <a:off x="763095" y="1854200"/>
+            <a:ext cx="6893909" cy="4351338"/>
           </a:xfrm>
-          <a:prstGeom prst="rect">
-            <a:avLst/>
-          </a:prstGeom>
         </p:spPr>
       </p:pic>
       <p:sp>
@@ -9829,7 +10160,7 @@
           <p:cNvPr id="9" name="TextBox 8">
             <a:extLst>
               <a:ext uri="{FF2B5EF4-FFF2-40B4-BE49-F238E27FC236}">
-                <a16:creationId xmlns:a16="http://schemas.microsoft.com/office/drawing/2014/main" id="{9AE2EA62-54FF-45EA-9ADF-57DAD9DC951A}"/>
+                <a16:creationId xmlns:a16="http://schemas.microsoft.com/office/drawing/2014/main" id="{540D73EA-83DF-4449-B4E6-328C55B2B190}"/>
               </a:ext>
             </a:extLst>
           </p:cNvPr>
@@ -9838,8 +10169,8 @@
         </p:nvSpPr>
         <p:spPr>
           <a:xfrm>
-            <a:off x="10277475" y="6308209"/>
-            <a:ext cx="2152650" cy="369332"/>
+            <a:off x="10290351" y="6308209"/>
+            <a:ext cx="1787349" cy="369332"/>
           </a:xfrm>
           <a:prstGeom prst="rect">
             <a:avLst/>
@@ -9847,7 +10178,7 @@
           <a:noFill/>
         </p:spPr>
         <p:txBody>
-          <a:bodyPr wrap="square">
+          <a:bodyPr wrap="none" rtlCol="0">
             <a:spAutoFit/>
           </a:bodyPr>
           <a:lstStyle/>
@@ -9868,7 +10199,7 @@
           <p:cNvPr id="10" name="TextBox 9">
             <a:extLst>
               <a:ext uri="{FF2B5EF4-FFF2-40B4-BE49-F238E27FC236}">
-                <a16:creationId xmlns:a16="http://schemas.microsoft.com/office/drawing/2014/main" id="{BCF99C71-DBB1-48C7-9CBD-8CEA2D012E3B}"/>
+                <a16:creationId xmlns:a16="http://schemas.microsoft.com/office/drawing/2014/main" id="{101180EF-2DB3-4583-A54E-99E89238AF5D}"/>
               </a:ext>
             </a:extLst>
           </p:cNvPr>
@@ -9877,8 +10208,8 @@
         </p:nvSpPr>
         <p:spPr>
           <a:xfrm>
-            <a:off x="7570839" y="4617281"/>
-            <a:ext cx="4227871" cy="1631216"/>
+            <a:off x="7762875" y="4907976"/>
+            <a:ext cx="4314825" cy="400110"/>
           </a:xfrm>
           <a:prstGeom prst="rect">
             <a:avLst/>
@@ -9893,45 +10224,16 @@
           <a:p>
             <a:r>
               <a:rPr lang="en-US" sz="2000" dirty="0"/>
-              <a:t>The problem with the code on the last slide is that the reads ands write of the shared </a:t>
-            </a:r>
-            <a:r>
-              <a:rPr lang="en-US" sz="2000" b="1" dirty="0">
-                <a:solidFill>
-                  <a:srgbClr val="FF0000"/>
-                </a:solidFill>
-              </a:rPr>
-              <a:t>flag</a:t>
-            </a:r>
-            <a:r>
-              <a:rPr lang="en-US" sz="2000" dirty="0"/>
-              <a:t> variable are necessarily atomic operations.</a:t>
-            </a:r>
-          </a:p>
-          <a:p>
-            <a:r>
-              <a:rPr lang="en-US" sz="2000" dirty="0"/>
-              <a:t>If not protected, a </a:t>
-            </a:r>
-            <a:r>
-              <a:rPr lang="en-US" sz="2000" b="1" dirty="0">
-                <a:solidFill>
-                  <a:srgbClr val="FF0000"/>
-                </a:solidFill>
-              </a:rPr>
-              <a:t>data race </a:t>
-            </a:r>
-            <a:r>
-              <a:rPr lang="en-US" sz="2000" dirty="0"/>
-              <a:t>can occur.</a:t>
-            </a:r>
+              <a:t>Is this code correct?</a:t>
+            </a:r>
+            <a:endParaRPr lang="en-US" dirty="0"/>
           </a:p>
         </p:txBody>
       </p:sp>
     </p:spTree>
     <p:extLst>
       <p:ext uri="{BB962C8B-B14F-4D97-AF65-F5344CB8AC3E}">
-        <p14:creationId xmlns:p14="http://schemas.microsoft.com/office/powerpoint/2010/main" val="554677744"/>
+        <p14:creationId xmlns:p14="http://schemas.microsoft.com/office/powerpoint/2010/main" val="3746300000"/>
       </p:ext>
     </p:extLst>
   </p:cSld>
@@ -9963,7 +10265,7 @@
           <p:cNvPr id="2" name="Title 1">
             <a:extLst>
               <a:ext uri="{FF2B5EF4-FFF2-40B4-BE49-F238E27FC236}">
-                <a16:creationId xmlns:a16="http://schemas.microsoft.com/office/drawing/2014/main" id="{FEA51157-2C35-4455-879B-3658F5F2CAA4}"/>
+                <a16:creationId xmlns:a16="http://schemas.microsoft.com/office/drawing/2014/main" id="{74037AFE-AC85-4BE7-AA3E-6349DEC6AD14}"/>
               </a:ext>
             </a:extLst>
           </p:cNvPr>
@@ -9993,10 +10295,10 @@
       </p:sp>
       <p:pic>
         <p:nvPicPr>
-          <p:cNvPr id="7" name="Content Placeholder 6">
-            <a:extLst>
-              <a:ext uri="{FF2B5EF4-FFF2-40B4-BE49-F238E27FC236}">
-                <a16:creationId xmlns:a16="http://schemas.microsoft.com/office/drawing/2014/main" id="{F53E5CED-5095-4E1F-A3F7-6B4F859A32F2}"/>
+          <p:cNvPr id="8" name="Content Placeholder 4">
+            <a:extLst>
+              <a:ext uri="{FF2B5EF4-FFF2-40B4-BE49-F238E27FC236}">
+                <a16:creationId xmlns:a16="http://schemas.microsoft.com/office/drawing/2014/main" id="{0C0912DB-9982-4937-A94B-98B83C7904CF}"/>
               </a:ext>
             </a:extLst>
           </p:cNvPr>
@@ -10008,30 +10310,24 @@
           </p:nvPr>
         </p:nvPicPr>
         <p:blipFill>
-          <a:blip r:embed="rId2">
-            <a:extLst>
-              <a:ext uri="{28A0092B-C50C-407E-A947-70E740481C1C}">
-                <a14:useLocalDpi xmlns:a14="http://schemas.microsoft.com/office/drawing/2010/main" val="0"/>
-              </a:ext>
-            </a:extLst>
-          </a:blip>
+          <a:blip r:embed="rId2"/>
           <a:stretch>
             <a:fillRect/>
           </a:stretch>
         </p:blipFill>
         <p:spPr>
           <a:xfrm>
-            <a:off x="1005537" y="1501774"/>
-            <a:ext cx="6867181" cy="4879975"/>
+            <a:off x="763095" y="1854200"/>
+            <a:ext cx="6893909" cy="4351338"/>
           </a:xfrm>
         </p:spPr>
       </p:pic>
       <p:sp>
         <p:nvSpPr>
-          <p:cNvPr id="8" name="TextBox 7">
-            <a:extLst>
-              <a:ext uri="{FF2B5EF4-FFF2-40B4-BE49-F238E27FC236}">
-                <a16:creationId xmlns:a16="http://schemas.microsoft.com/office/drawing/2014/main" id="{45C8A840-115D-4784-BCAC-C97C3782F545}"/>
+          <p:cNvPr id="9" name="TextBox 8">
+            <a:extLst>
+              <a:ext uri="{FF2B5EF4-FFF2-40B4-BE49-F238E27FC236}">
+                <a16:creationId xmlns:a16="http://schemas.microsoft.com/office/drawing/2014/main" id="{540D73EA-83DF-4449-B4E6-328C55B2B190}"/>
               </a:ext>
             </a:extLst>
           </p:cNvPr>
@@ -10040,8 +10336,47 @@
         </p:nvSpPr>
         <p:spPr>
           <a:xfrm>
-            <a:off x="5396218" y="1423988"/>
-            <a:ext cx="4686299" cy="1631216"/>
+            <a:off x="10290351" y="6308209"/>
+            <a:ext cx="1787349" cy="369332"/>
+          </a:xfrm>
+          <a:prstGeom prst="rect">
+            <a:avLst/>
+          </a:prstGeom>
+          <a:noFill/>
+        </p:spPr>
+        <p:txBody>
+          <a:bodyPr wrap="none" rtlCol="0">
+            <a:spAutoFit/>
+          </a:bodyPr>
+          <a:lstStyle/>
+          <a:p>
+            <a:r>
+              <a:rPr lang="en-US" b="1" dirty="0">
+                <a:solidFill>
+                  <a:srgbClr val="FF0000"/>
+                </a:solidFill>
+              </a:rPr>
+              <a:t>Figure Credit: [3]</a:t>
+            </a:r>
+          </a:p>
+        </p:txBody>
+      </p:sp>
+      <p:sp>
+        <p:nvSpPr>
+          <p:cNvPr id="10" name="TextBox 9">
+            <a:extLst>
+              <a:ext uri="{FF2B5EF4-FFF2-40B4-BE49-F238E27FC236}">
+                <a16:creationId xmlns:a16="http://schemas.microsoft.com/office/drawing/2014/main" id="{101180EF-2DB3-4583-A54E-99E89238AF5D}"/>
+              </a:ext>
+            </a:extLst>
+          </p:cNvPr>
+          <p:cNvSpPr txBox="1"/>
+          <p:nvPr/>
+        </p:nvSpPr>
+        <p:spPr>
+          <a:xfrm>
+            <a:off x="7762875" y="4907976"/>
+            <a:ext cx="4314825" cy="707886"/>
           </a:xfrm>
           <a:prstGeom prst="rect">
             <a:avLst/>
@@ -10055,164 +10390,41 @@
           <a:lstStyle/>
           <a:p>
             <a:r>
+              <a:rPr lang="en-US" sz="2000" dirty="0"/>
+              <a:t>This code is not </a:t>
+            </a:r>
+            <a:r>
               <a:rPr lang="en-US" sz="2000" b="1" dirty="0">
                 <a:solidFill>
                   <a:srgbClr val="FF0000"/>
                 </a:solidFill>
               </a:rPr>
-              <a:t>OpenMP 4.0 </a:t>
-            </a:r>
-            <a:r>
-              <a:rPr lang="en-US" sz="2000" dirty="0"/>
-              <a:t>added an optional clause </a:t>
-            </a:r>
-            <a:r>
-              <a:rPr lang="en-US" sz="2000" b="1" dirty="0" err="1">
-                <a:solidFill>
-                  <a:srgbClr val="00B050"/>
-                </a:solidFill>
-              </a:rPr>
-              <a:t>s</a:t>
-            </a:r>
-            <a:r>
-              <a:rPr lang="en-US" sz="2000" b="1" i="0" u="none" strike="noStrike" baseline="0" dirty="0" err="1">
-                <a:solidFill>
-                  <a:srgbClr val="00B050"/>
-                </a:solidFill>
-              </a:rPr>
-              <a:t>eq_cst</a:t>
+              <a:t>data-race free</a:t>
+            </a:r>
+            <a:r>
+              <a:rPr lang="en-US" sz="2000" dirty="0"/>
+              <a:t>,</a:t>
             </a:r>
             <a:r>
               <a:rPr lang="en-US" sz="2000" b="1" dirty="0">
                 <a:solidFill>
-                  <a:srgbClr val="00B050"/>
+                  <a:srgbClr val="FF0000"/>
                 </a:solidFill>
               </a:rPr>
               <a:t> </a:t>
             </a:r>
             <a:r>
               <a:rPr lang="en-US" sz="2000" dirty="0"/>
-              <a:t>to the </a:t>
-            </a:r>
-            <a:r>
-              <a:rPr lang="en-US" sz="2000" b="1" dirty="0">
-                <a:solidFill>
-                  <a:srgbClr val="FF0000"/>
-                </a:solidFill>
-              </a:rPr>
-              <a:t>atomic</a:t>
-            </a:r>
-            <a:r>
-              <a:rPr lang="en-US" sz="2000" dirty="0"/>
-              <a:t> directive to impose sequential consistency on reads and writes operations of the associated atomic variable.</a:t>
-            </a:r>
-          </a:p>
-        </p:txBody>
-      </p:sp>
-      <p:sp>
-        <p:nvSpPr>
-          <p:cNvPr id="11" name="TextBox 10">
-            <a:extLst>
-              <a:ext uri="{FF2B5EF4-FFF2-40B4-BE49-F238E27FC236}">
-                <a16:creationId xmlns:a16="http://schemas.microsoft.com/office/drawing/2014/main" id="{2F9F7A79-68D1-488F-8D55-887001CEBB50}"/>
-              </a:ext>
-            </a:extLst>
-          </p:cNvPr>
-          <p:cNvSpPr txBox="1"/>
-          <p:nvPr/>
-        </p:nvSpPr>
-        <p:spPr>
-          <a:xfrm>
-            <a:off x="5396218" y="5157788"/>
-            <a:ext cx="4686299" cy="1015663"/>
-          </a:xfrm>
-          <a:prstGeom prst="rect">
-            <a:avLst/>
-          </a:prstGeom>
-          <a:noFill/>
-        </p:spPr>
-        <p:txBody>
-          <a:bodyPr wrap="square" rtlCol="0">
-            <a:spAutoFit/>
-          </a:bodyPr>
-          <a:lstStyle/>
-          <a:p>
-            <a:r>
-              <a:rPr lang="en-US" sz="2000" dirty="0"/>
-              <a:t>If the </a:t>
-            </a:r>
-            <a:r>
-              <a:rPr lang="en-US" sz="2000" b="1" dirty="0" err="1">
-                <a:solidFill>
-                  <a:srgbClr val="00B050"/>
-                </a:solidFill>
-              </a:rPr>
-              <a:t>s</a:t>
-            </a:r>
-            <a:r>
-              <a:rPr lang="en-US" sz="2000" b="1" i="0" u="none" strike="noStrike" baseline="0" dirty="0" err="1">
-                <a:solidFill>
-                  <a:srgbClr val="00B050"/>
-                </a:solidFill>
-              </a:rPr>
-              <a:t>eq_cst</a:t>
-            </a:r>
-            <a:r>
-              <a:rPr lang="en-US" sz="2000" b="1" i="0" u="none" strike="noStrike" baseline="0" dirty="0">
-                <a:solidFill>
-                  <a:srgbClr val="00B050"/>
-                </a:solidFill>
-              </a:rPr>
-              <a:t> </a:t>
-            </a:r>
-            <a:r>
-              <a:rPr lang="en-US" sz="2000" i="0" u="none" strike="noStrike" baseline="0" dirty="0"/>
-              <a:t>clause is included, OpenMP </a:t>
-            </a:r>
-            <a:r>
-              <a:rPr lang="en-US" sz="2000" dirty="0"/>
-              <a:t>implicitly </a:t>
-            </a:r>
-            <a:r>
-              <a:rPr lang="en-US" sz="2000" i="0" u="none" strike="noStrike" baseline="0" dirty="0"/>
-              <a:t>adds a </a:t>
-            </a:r>
-            <a:r>
-              <a:rPr lang="en-US" sz="2000" b="1" i="0" u="none" strike="noStrike" baseline="0" dirty="0">
-                <a:solidFill>
-                  <a:srgbClr val="FF0000"/>
-                </a:solidFill>
-              </a:rPr>
-              <a:t>flush </a:t>
-            </a:r>
-            <a:r>
-              <a:rPr lang="en-US" sz="2000" i="0" u="none" strike="noStrike" baseline="0" dirty="0"/>
-              <a:t>without a </a:t>
-            </a:r>
-            <a:r>
-              <a:rPr lang="en-US" sz="2000" b="1" i="0" u="none" strike="noStrike" baseline="0" dirty="0">
-                <a:solidFill>
-                  <a:srgbClr val="FF0000"/>
-                </a:solidFill>
-              </a:rPr>
-              <a:t>flush-set </a:t>
-            </a:r>
-            <a:r>
-              <a:rPr lang="en-US" sz="2000" i="0" u="none" strike="noStrike" baseline="0" dirty="0"/>
-              <a:t>to the </a:t>
-            </a:r>
-            <a:r>
-              <a:rPr lang="en-US" sz="2000" i="0" u="none" strike="noStrike" baseline="0"/>
-              <a:t>atomic operation.</a:t>
-            </a:r>
-            <a:endParaRPr lang="en-US" sz="2000" dirty="0"/>
+              <a:t>but it works correctly on x86 machines.</a:t>
+            </a:r>
+            <a:endParaRPr lang="en-US" dirty="0"/>
           </a:p>
         </p:txBody>
       </p:sp>
     </p:spTree>
     <p:extLst>
       <p:ext uri="{BB962C8B-B14F-4D97-AF65-F5344CB8AC3E}">
-        <p14:creationId xmlns:p14="http://schemas.microsoft.com/office/powerpoint/2010/main" val="1994651668"/>
+        <p14:creationId xmlns:p14="http://schemas.microsoft.com/office/powerpoint/2010/main" val="717244414"/>
       </p:ext>
     </p:extLst>
   </p:cSld>
@@ -10244,7 +10456,7 @@
           <p:cNvPr id="2" name="Title 1">
             <a:extLst>
               <a:ext uri="{FF2B5EF4-FFF2-40B4-BE49-F238E27FC236}">
-                <a16:creationId xmlns:a16="http://schemas.microsoft.com/office/drawing/2014/main" id="{3DC09EEB-E187-4931-88B0-27D719505D05}"/>
+                <a16:creationId xmlns:a16="http://schemas.microsoft.com/office/drawing/2014/main" id="{D5FC9B5D-C54A-463E-A7B2-73C88338FB75}"/>
               </a:ext>
             </a:extLst>
           </p:cNvPr>
@@ -10266,270 +10478,150 @@
                   <a:schemeClr val="accent1"/>
                 </a:solidFill>
               </a:rPr>
-              <a:t>References</a:t>
+              <a:t>OpenMP: Flush</a:t>
+            </a:r>
+            <a:endParaRPr lang="en-US" dirty="0"/>
+          </a:p>
+        </p:txBody>
+      </p:sp>
+      <p:pic>
+        <p:nvPicPr>
+          <p:cNvPr id="7" name="Picture 6">
+            <a:extLst>
+              <a:ext uri="{FF2B5EF4-FFF2-40B4-BE49-F238E27FC236}">
+                <a16:creationId xmlns:a16="http://schemas.microsoft.com/office/drawing/2014/main" id="{99E41DE2-B149-48A6-B7C7-17F359F79E03}"/>
+              </a:ext>
+            </a:extLst>
+          </p:cNvPr>
+          <p:cNvPicPr>
+            <a:picLocks noChangeAspect="1"/>
+          </p:cNvPicPr>
+          <p:nvPr/>
+        </p:nvPicPr>
+        <p:blipFill>
+          <a:blip r:embed="rId2"/>
+          <a:stretch>
+            <a:fillRect/>
+          </a:stretch>
+        </p:blipFill>
+        <p:spPr>
+          <a:xfrm>
+            <a:off x="996439" y="1425111"/>
+            <a:ext cx="6761213" cy="4883098"/>
+          </a:xfrm>
+          <a:prstGeom prst="rect">
+            <a:avLst/>
+          </a:prstGeom>
+        </p:spPr>
+      </p:pic>
+      <p:sp>
+        <p:nvSpPr>
+          <p:cNvPr id="9" name="TextBox 8">
+            <a:extLst>
+              <a:ext uri="{FF2B5EF4-FFF2-40B4-BE49-F238E27FC236}">
+                <a16:creationId xmlns:a16="http://schemas.microsoft.com/office/drawing/2014/main" id="{9AE2EA62-54FF-45EA-9ADF-57DAD9DC951A}"/>
+              </a:ext>
+            </a:extLst>
+          </p:cNvPr>
+          <p:cNvSpPr txBox="1"/>
+          <p:nvPr/>
+        </p:nvSpPr>
+        <p:spPr>
+          <a:xfrm>
+            <a:off x="10277475" y="6308209"/>
+            <a:ext cx="2152650" cy="369332"/>
+          </a:xfrm>
+          <a:prstGeom prst="rect">
+            <a:avLst/>
+          </a:prstGeom>
+          <a:noFill/>
+        </p:spPr>
+        <p:txBody>
+          <a:bodyPr wrap="square">
+            <a:spAutoFit/>
+          </a:bodyPr>
+          <a:lstStyle/>
+          <a:p>
+            <a:r>
+              <a:rPr lang="en-US" b="1" dirty="0">
+                <a:solidFill>
+                  <a:srgbClr val="FF0000"/>
+                </a:solidFill>
+              </a:rPr>
+              <a:t>Figure Credit: [3]</a:t>
             </a:r>
           </a:p>
         </p:txBody>
       </p:sp>
       <p:sp>
         <p:nvSpPr>
-          <p:cNvPr id="3" name="Content Placeholder 2">
-            <a:extLst>
-              <a:ext uri="{FF2B5EF4-FFF2-40B4-BE49-F238E27FC236}">
-                <a16:creationId xmlns:a16="http://schemas.microsoft.com/office/drawing/2014/main" id="{C557F1C5-6E25-4763-875C-0E300E24DAE8}"/>
-              </a:ext>
-            </a:extLst>
-          </p:cNvPr>
-          <p:cNvSpPr>
-            <a:spLocks noGrp="1"/>
-          </p:cNvSpPr>
-          <p:nvPr>
-            <p:ph idx="1"/>
-          </p:nvPr>
+          <p:cNvPr id="10" name="TextBox 9">
+            <a:extLst>
+              <a:ext uri="{FF2B5EF4-FFF2-40B4-BE49-F238E27FC236}">
+                <a16:creationId xmlns:a16="http://schemas.microsoft.com/office/drawing/2014/main" id="{BCF99C71-DBB1-48C7-9CBD-8CEA2D012E3B}"/>
+              </a:ext>
+            </a:extLst>
+          </p:cNvPr>
+          <p:cNvSpPr txBox="1"/>
+          <p:nvPr/>
         </p:nvSpPr>
-        <p:spPr/>
+        <p:spPr>
+          <a:xfrm>
+            <a:off x="7570839" y="4617281"/>
+            <a:ext cx="4227871" cy="1631216"/>
+          </a:xfrm>
+          <a:prstGeom prst="rect">
+            <a:avLst/>
+          </a:prstGeom>
+          <a:noFill/>
+        </p:spPr>
         <p:txBody>
-          <a:bodyPr>
-            <a:normAutofit/>
+          <a:bodyPr wrap="square" rtlCol="0">
+            <a:spAutoFit/>
           </a:bodyPr>
           <a:lstStyle/>
           <a:p>
-            <a:pPr marL="0" indent="0" algn="l">
-              <a:buNone/>
-            </a:pPr>
+            <a:r>
+              <a:rPr lang="en-US" sz="2000" dirty="0"/>
+              <a:t>The problem with the code on the last slide is that the reads ands write of the shared </a:t>
+            </a:r>
             <a:r>
               <a:rPr lang="en-US" sz="2000" b="1" dirty="0">
                 <a:solidFill>
                   <a:srgbClr val="FF0000"/>
                 </a:solidFill>
-                <a:effectLst/>
-              </a:rPr>
-              <a:t>[1] </a:t>
-            </a:r>
-            <a:r>
-              <a:rPr lang="en-US" sz="2000" b="0" i="1" dirty="0">
-                <a:solidFill>
-                  <a:schemeClr val="accent1"/>
-                </a:solidFill>
-                <a:effectLst/>
-              </a:rPr>
-              <a:t>L. Lamport. 1979. How to Make a Multiprocessor Computer That Correctly Executes </a:t>
-            </a:r>
-            <a:r>
-              <a:rPr lang="en-US" sz="2000" b="0" i="1" dirty="0" err="1">
-                <a:solidFill>
-                  <a:schemeClr val="accent1"/>
-                </a:solidFill>
-                <a:effectLst/>
-              </a:rPr>
-              <a:t>Multiprocess</a:t>
-            </a:r>
-            <a:r>
-              <a:rPr lang="en-US" sz="2000" b="0" i="1" dirty="0">
-                <a:solidFill>
-                  <a:schemeClr val="accent1"/>
-                </a:solidFill>
-                <a:effectLst/>
-              </a:rPr>
-              <a:t> Programs. IEEE Trans. </a:t>
-            </a:r>
-            <a:r>
-              <a:rPr lang="en-US" sz="2000" b="0" i="1" dirty="0" err="1">
-                <a:solidFill>
-                  <a:schemeClr val="accent1"/>
-                </a:solidFill>
-                <a:effectLst/>
-              </a:rPr>
-              <a:t>Comput</a:t>
-            </a:r>
-            <a:r>
-              <a:rPr lang="en-US" sz="2000" b="0" i="1" dirty="0">
-                <a:solidFill>
-                  <a:schemeClr val="accent1"/>
-                </a:solidFill>
-                <a:effectLst/>
-              </a:rPr>
-              <a:t>. 28, 9 (September 1979), 690–691. </a:t>
-            </a:r>
-            <a:r>
-              <a:rPr lang="en-US" sz="2000" b="0" i="1" dirty="0" err="1">
-                <a:solidFill>
-                  <a:schemeClr val="accent1"/>
-                </a:solidFill>
-                <a:effectLst/>
-              </a:rPr>
-              <a:t>DOI:https</a:t>
-            </a:r>
-            <a:r>
-              <a:rPr lang="en-US" sz="2000" b="0" i="1" dirty="0">
-                <a:solidFill>
-                  <a:schemeClr val="accent1"/>
-                </a:solidFill>
-                <a:effectLst/>
-              </a:rPr>
-              <a:t>://doi.org/10.1109/TC.1979.1675439</a:t>
-            </a:r>
-          </a:p>
-          <a:p>
-            <a:pPr marL="0" indent="0" algn="l">
-              <a:buNone/>
-            </a:pPr>
+              </a:rPr>
+              <a:t>flag</a:t>
+            </a:r>
+            <a:r>
+              <a:rPr lang="en-US" sz="2000" dirty="0"/>
+              <a:t> variable are necessarily atomic operations.</a:t>
+            </a:r>
+          </a:p>
+          <a:p>
+            <a:r>
+              <a:rPr lang="en-US" sz="2000" dirty="0"/>
+              <a:t>If not protected, a </a:t>
+            </a:r>
             <a:r>
               <a:rPr lang="en-US" sz="2000" b="1" dirty="0">
                 <a:solidFill>
                   <a:srgbClr val="FF0000"/>
                 </a:solidFill>
               </a:rPr>
-              <a:t>[2] </a:t>
-            </a:r>
-            <a:r>
-              <a:rPr lang="en-US" sz="2000" b="0" i="1" dirty="0">
-                <a:solidFill>
-                  <a:schemeClr val="accent1"/>
-                </a:solidFill>
-                <a:effectLst/>
-              </a:rPr>
-              <a:t>Sarita V. </a:t>
-            </a:r>
-            <a:r>
-              <a:rPr lang="en-US" sz="2000" b="0" i="1" dirty="0" err="1">
-                <a:solidFill>
-                  <a:schemeClr val="accent1"/>
-                </a:solidFill>
-                <a:effectLst/>
-              </a:rPr>
-              <a:t>Adve</a:t>
-            </a:r>
-            <a:r>
-              <a:rPr lang="en-US" sz="2000" b="0" i="1" dirty="0">
-                <a:solidFill>
-                  <a:schemeClr val="accent1"/>
-                </a:solidFill>
-                <a:effectLst/>
-              </a:rPr>
-              <a:t> and </a:t>
-            </a:r>
-            <a:r>
-              <a:rPr lang="en-US" sz="2000" b="0" i="1" dirty="0" err="1">
-                <a:solidFill>
-                  <a:schemeClr val="accent1"/>
-                </a:solidFill>
-                <a:effectLst/>
-              </a:rPr>
-              <a:t>Kourosh</a:t>
-            </a:r>
-            <a:r>
-              <a:rPr lang="en-US" sz="2000" b="0" i="1" dirty="0">
-                <a:solidFill>
-                  <a:schemeClr val="accent1"/>
-                </a:solidFill>
-                <a:effectLst/>
-              </a:rPr>
-              <a:t> </a:t>
-            </a:r>
-            <a:r>
-              <a:rPr lang="en-US" sz="2000" b="0" i="1" dirty="0" err="1">
-                <a:solidFill>
-                  <a:schemeClr val="accent1"/>
-                </a:solidFill>
-                <a:effectLst/>
-              </a:rPr>
-              <a:t>Gharachorloo</a:t>
-            </a:r>
-            <a:r>
-              <a:rPr lang="en-US" sz="2000" b="0" i="1" dirty="0">
-                <a:solidFill>
-                  <a:schemeClr val="accent1"/>
-                </a:solidFill>
-                <a:effectLst/>
-              </a:rPr>
-              <a:t>. 1996. Shared Memory Consistency Models: A Tutorial. Computer 29, 12 (December 1996), 66–76. </a:t>
-            </a:r>
-            <a:r>
-              <a:rPr lang="en-US" sz="2000" b="0" i="1" dirty="0" err="1">
-                <a:solidFill>
-                  <a:schemeClr val="accent1"/>
-                </a:solidFill>
-                <a:effectLst/>
-              </a:rPr>
-              <a:t>DOI:https</a:t>
-            </a:r>
-            <a:r>
-              <a:rPr lang="en-US" sz="2000" b="0" i="1" dirty="0">
-                <a:solidFill>
-                  <a:schemeClr val="accent1"/>
-                </a:solidFill>
-                <a:effectLst/>
-              </a:rPr>
-              <a:t>://doi.org/10.1109/2.546611</a:t>
-            </a:r>
-          </a:p>
-          <a:p>
-            <a:pPr marL="0" indent="0">
-              <a:buNone/>
-            </a:pPr>
-            <a:r>
-              <a:rPr lang="en-US" sz="2000" b="1" dirty="0">
-                <a:solidFill>
-                  <a:srgbClr val="FF0000"/>
-                </a:solidFill>
-                <a:effectLst/>
-              </a:rPr>
-              <a:t>[3] </a:t>
-            </a:r>
-            <a:r>
-              <a:rPr lang="en-US" sz="2000" i="1" dirty="0">
-                <a:solidFill>
-                  <a:schemeClr val="accent1"/>
-                </a:solidFill>
-              </a:rPr>
-              <a:t>Tim Mattson. 2020. A Hands-on Introduction to OpenMP. </a:t>
-            </a:r>
-          </a:p>
-          <a:p>
-            <a:pPr marL="0" indent="0" algn="l">
-              <a:buNone/>
-            </a:pPr>
-            <a:endParaRPr lang="en-US" sz="2000" b="0" i="1" dirty="0">
-              <a:solidFill>
-                <a:schemeClr val="accent1"/>
-              </a:solidFill>
-              <a:effectLst/>
-            </a:endParaRPr>
-          </a:p>
-          <a:p>
-            <a:pPr marL="0" indent="0">
-              <a:buNone/>
-            </a:pPr>
-            <a:br>
-              <a:rPr lang="en-US" sz="1400" dirty="0"/>
-            </a:br>
-            <a:br>
-              <a:rPr lang="en-US" sz="2000" dirty="0"/>
-            </a:br>
-            <a:endParaRPr lang="en-US" sz="2000" b="0" dirty="0">
-              <a:solidFill>
-                <a:schemeClr val="accent1"/>
-              </a:solidFill>
-              <a:effectLst/>
-            </a:endParaRPr>
-          </a:p>
-          <a:p>
-            <a:pPr marL="0" indent="0">
-              <a:buNone/>
-            </a:pPr>
-            <a:endParaRPr lang="en-US" sz="2000" dirty="0">
-              <a:solidFill>
-                <a:schemeClr val="accent1"/>
-              </a:solidFill>
-            </a:endParaRPr>
+              <a:t>data race </a:t>
+            </a:r>
+            <a:r>
+              <a:rPr lang="en-US" sz="2000" dirty="0"/>
+              <a:t>can occur.</a:t>
+            </a:r>
           </a:p>
         </p:txBody>
       </p:sp>
     </p:spTree>
     <p:extLst>
       <p:ext uri="{BB962C8B-B14F-4D97-AF65-F5344CB8AC3E}">
-        <p14:creationId xmlns:p14="http://schemas.microsoft.com/office/powerpoint/2010/main" val="1497406006"/>
+        <p14:creationId xmlns:p14="http://schemas.microsoft.com/office/powerpoint/2010/main" val="554677744"/>
       </p:ext>
     </p:extLst>
   </p:cSld>
@@ -10583,7 +10675,7 @@
                   <a:schemeClr val="accent1"/>
                 </a:solidFill>
               </a:rPr>
-              <a:t>Memory Model</a:t>
+              <a:t>Memory Models</a:t>
             </a:r>
             <a:endParaRPr lang="en-US" dirty="0"/>
           </a:p>
@@ -10625,7 +10717,7 @@
             </a:r>
             <a:r>
               <a:rPr lang="en-US" sz="2000" dirty="0"/>
-              <a:t>define correct shared memory behavior in terms of </a:t>
+              <a:t>define the allowed behavior of a shared memory system in terms of the order in which </a:t>
             </a:r>
             <a:r>
               <a:rPr lang="en-US" sz="2000" b="1" dirty="0">
@@ -10645,38 +10737,114 @@
                   <a:srgbClr val="FF0000"/>
                 </a:solidFill>
               </a:rPr>
-              <a:t>memory writes</a:t>
-            </a:r>
-            <a:r>
-              <a:rPr lang="en-US" sz="2000" dirty="0"/>
-              <a:t>.</a:t>
+              <a:t>memory writes </a:t>
+            </a:r>
+            <a:r>
+              <a:rPr lang="en-US" sz="2000" dirty="0"/>
+              <a:t>may appear to execute.</a:t>
             </a:r>
           </a:p>
           <a:p>
             <a:pPr lvl="1"/>
             <a:r>
               <a:rPr lang="en-US" sz="2000" dirty="0"/>
-              <a:t>A memory model specified the </a:t>
-            </a:r>
-            <a:r>
-              <a:rPr lang="en-US" sz="2000" b="1" dirty="0">
+              <a:t>The memory model specifies, for a given multithreaded program, what values a read can return.</a:t>
+            </a:r>
+          </a:p>
+          <a:p>
+            <a:pPr lvl="2">
+              <a:buFont typeface="Courier New" panose="02070309020205020404" pitchFamily="49" charset="0"/>
+              <a:buChar char="o"/>
+            </a:pPr>
+            <a:r>
+              <a:rPr lang="en-US" dirty="0"/>
+              <a:t>There can be more than one possible outcomes allowed by the given memory model.</a:t>
+            </a:r>
+          </a:p>
+          <a:p>
+            <a:pPr lvl="1"/>
+            <a:r>
+              <a:rPr lang="en-US" sz="2000" dirty="0"/>
+              <a:t>The memory model serves as an interface between the programmer and the system so it</a:t>
+            </a:r>
+          </a:p>
+          <a:p>
+            <a:pPr lvl="2">
+              <a:buFont typeface="Courier New" panose="02070309020205020404" pitchFamily="49" charset="0"/>
+              <a:buChar char="o"/>
+            </a:pPr>
+            <a:r>
+              <a:rPr lang="en-US" dirty="0"/>
+              <a:t>affects </a:t>
+            </a:r>
+            <a:r>
+              <a:rPr lang="en-US" b="1" dirty="0">
                 <a:solidFill>
                   <a:srgbClr val="FF0000"/>
                 </a:solidFill>
               </a:rPr>
-              <a:t>allowed behavior </a:t>
-            </a:r>
-            <a:r>
-              <a:rPr lang="en-US" sz="2000" dirty="0"/>
-              <a:t>of multithreaded programs executing with shared memory.</a:t>
-            </a:r>
-          </a:p>
-          <a:p>
-            <a:pPr lvl="1"/>
-            <a:r>
-              <a:rPr lang="en-US" sz="2000" dirty="0"/>
-              <a:t>The memory model specifies, for a given multithreaded program, what values a read can return.</a:t>
-            </a:r>
+              <a:t>programmability</a:t>
+            </a:r>
+            <a:r>
+              <a:rPr lang="en-US" dirty="0"/>
+              <a:t> because programmers must use it to reason about the correct of their programs</a:t>
+            </a:r>
+          </a:p>
+          <a:p>
+            <a:pPr lvl="2">
+              <a:buFont typeface="Courier New" panose="02070309020205020404" pitchFamily="49" charset="0"/>
+              <a:buChar char="o"/>
+            </a:pPr>
+            <a:r>
+              <a:rPr lang="en-US" dirty="0"/>
+              <a:t>affects </a:t>
+            </a:r>
+            <a:r>
+              <a:rPr lang="en-US" b="1" dirty="0">
+                <a:solidFill>
+                  <a:srgbClr val="FF0000"/>
+                </a:solidFill>
+              </a:rPr>
+              <a:t>performance</a:t>
+            </a:r>
+            <a:r>
+              <a:rPr lang="en-US" dirty="0"/>
+              <a:t> because it determines the types of optimizations that may be exploited by the hardware and the system software</a:t>
+            </a:r>
+          </a:p>
+          <a:p>
+            <a:pPr lvl="2">
+              <a:buFont typeface="Courier New" panose="02070309020205020404" pitchFamily="49" charset="0"/>
+              <a:buChar char="o"/>
+            </a:pPr>
+            <a:r>
+              <a:rPr lang="en-US" dirty="0"/>
+              <a:t>affects </a:t>
+            </a:r>
+            <a:r>
+              <a:rPr lang="en-US" b="1" dirty="0">
+                <a:solidFill>
+                  <a:srgbClr val="FF0000"/>
+                </a:solidFill>
+              </a:rPr>
+              <a:t>portability</a:t>
+            </a:r>
+            <a:r>
+              <a:rPr lang="en-US" dirty="0"/>
+              <a:t> when moving software across different systems that support different memory models	  </a:t>
+            </a:r>
+          </a:p>
+          <a:p>
+            <a:pPr marL="457200" lvl="1" indent="0">
+              <a:buNone/>
+            </a:pPr>
+            <a:endParaRPr lang="en-US" sz="2000" dirty="0"/>
+          </a:p>
+          <a:p>
+            <a:pPr marL="0" indent="0">
+              <a:buNone/>
+            </a:pPr>
+            <a:endParaRPr lang="en-US" sz="2400" dirty="0"/>
           </a:p>
         </p:txBody>
       </p:sp>
@@ -10684,6 +10852,643 @@
     <p:extLst>
       <p:ext uri="{BB962C8B-B14F-4D97-AF65-F5344CB8AC3E}">
         <p14:creationId xmlns:p14="http://schemas.microsoft.com/office/powerpoint/2010/main" val="3374199832"/>
+      </p:ext>
+    </p:extLst>
+  </p:cSld>
+  <p:clrMapOvr>
+    <a:masterClrMapping/>
+  </p:clrMapOvr>
+</p:sld>
+</file>
+
+<file path=ppt/slides/slide30.xml><?xml version="1.0" encoding="utf-8"?>
+<p:sld xmlns:a="http://schemas.openxmlformats.org/drawingml/2006/main" xmlns:r="http://schemas.openxmlformats.org/officeDocument/2006/relationships" xmlns:p="http://schemas.openxmlformats.org/presentationml/2006/main">
+  <p:cSld>
+    <p:spTree>
+      <p:nvGrpSpPr>
+        <p:cNvPr id="1" name=""/>
+        <p:cNvGrpSpPr/>
+        <p:nvPr/>
+      </p:nvGrpSpPr>
+      <p:grpSpPr>
+        <a:xfrm>
+          <a:off x="0" y="0"/>
+          <a:ext cx="0" cy="0"/>
+          <a:chOff x="0" y="0"/>
+          <a:chExt cx="0" cy="0"/>
+        </a:xfrm>
+      </p:grpSpPr>
+      <p:sp>
+        <p:nvSpPr>
+          <p:cNvPr id="2" name="Title 1">
+            <a:extLst>
+              <a:ext uri="{FF2B5EF4-FFF2-40B4-BE49-F238E27FC236}">
+                <a16:creationId xmlns:a16="http://schemas.microsoft.com/office/drawing/2014/main" id="{FEA51157-2C35-4455-879B-3658F5F2CAA4}"/>
+              </a:ext>
+            </a:extLst>
+          </p:cNvPr>
+          <p:cNvSpPr>
+            <a:spLocks noGrp="1"/>
+          </p:cNvSpPr>
+          <p:nvPr>
+            <p:ph type="title"/>
+          </p:nvPr>
+        </p:nvSpPr>
+        <p:spPr/>
+        <p:txBody>
+          <a:bodyPr/>
+          <a:lstStyle/>
+          <a:p>
+            <a:r>
+              <a:rPr lang="en-US" dirty="0">
+                <a:solidFill>
+                  <a:schemeClr val="accent1"/>
+                </a:solidFill>
+              </a:rPr>
+              <a:t>OpenMP: Flush</a:t>
+            </a:r>
+            <a:endParaRPr lang="en-US" dirty="0"/>
+          </a:p>
+        </p:txBody>
+      </p:sp>
+      <p:pic>
+        <p:nvPicPr>
+          <p:cNvPr id="7" name="Content Placeholder 6">
+            <a:extLst>
+              <a:ext uri="{FF2B5EF4-FFF2-40B4-BE49-F238E27FC236}">
+                <a16:creationId xmlns:a16="http://schemas.microsoft.com/office/drawing/2014/main" id="{F53E5CED-5095-4E1F-A3F7-6B4F859A32F2}"/>
+              </a:ext>
+            </a:extLst>
+          </p:cNvPr>
+          <p:cNvPicPr>
+            <a:picLocks noGrp="1" noChangeAspect="1"/>
+          </p:cNvPicPr>
+          <p:nvPr>
+            <p:ph idx="1"/>
+          </p:nvPr>
+        </p:nvPicPr>
+        <p:blipFill>
+          <a:blip r:embed="rId2">
+            <a:extLst>
+              <a:ext uri="{28A0092B-C50C-407E-A947-70E740481C1C}">
+                <a14:useLocalDpi xmlns:a14="http://schemas.microsoft.com/office/drawing/2010/main" val="0"/>
+              </a:ext>
+            </a:extLst>
+          </a:blip>
+          <a:stretch>
+            <a:fillRect/>
+          </a:stretch>
+        </p:blipFill>
+        <p:spPr>
+          <a:xfrm>
+            <a:off x="1005537" y="1501774"/>
+            <a:ext cx="6867181" cy="4879975"/>
+          </a:xfrm>
+        </p:spPr>
+      </p:pic>
+      <p:sp>
+        <p:nvSpPr>
+          <p:cNvPr id="8" name="TextBox 7">
+            <a:extLst>
+              <a:ext uri="{FF2B5EF4-FFF2-40B4-BE49-F238E27FC236}">
+                <a16:creationId xmlns:a16="http://schemas.microsoft.com/office/drawing/2014/main" id="{45C8A840-115D-4784-BCAC-C97C3782F545}"/>
+              </a:ext>
+            </a:extLst>
+          </p:cNvPr>
+          <p:cNvSpPr txBox="1"/>
+          <p:nvPr/>
+        </p:nvSpPr>
+        <p:spPr>
+          <a:xfrm>
+            <a:off x="5396218" y="1423988"/>
+            <a:ext cx="4686299" cy="1631216"/>
+          </a:xfrm>
+          <a:prstGeom prst="rect">
+            <a:avLst/>
+          </a:prstGeom>
+          <a:noFill/>
+        </p:spPr>
+        <p:txBody>
+          <a:bodyPr wrap="square" rtlCol="0">
+            <a:spAutoFit/>
+          </a:bodyPr>
+          <a:lstStyle/>
+          <a:p>
+            <a:r>
+              <a:rPr lang="en-US" sz="2000" b="1" dirty="0">
+                <a:solidFill>
+                  <a:srgbClr val="FF0000"/>
+                </a:solidFill>
+              </a:rPr>
+              <a:t>OpenMP 4.0 </a:t>
+            </a:r>
+            <a:r>
+              <a:rPr lang="en-US" sz="2000" dirty="0"/>
+              <a:t>added an optional clause </a:t>
+            </a:r>
+            <a:r>
+              <a:rPr lang="en-US" sz="2000" b="1" dirty="0" err="1">
+                <a:solidFill>
+                  <a:srgbClr val="00B050"/>
+                </a:solidFill>
+              </a:rPr>
+              <a:t>s</a:t>
+            </a:r>
+            <a:r>
+              <a:rPr lang="en-US" sz="2000" b="1" i="0" u="none" strike="noStrike" baseline="0" dirty="0" err="1">
+                <a:solidFill>
+                  <a:srgbClr val="00B050"/>
+                </a:solidFill>
+              </a:rPr>
+              <a:t>eq_cst</a:t>
+            </a:r>
+            <a:r>
+              <a:rPr lang="en-US" sz="2000" b="1" dirty="0">
+                <a:solidFill>
+                  <a:srgbClr val="00B050"/>
+                </a:solidFill>
+              </a:rPr>
+              <a:t> </a:t>
+            </a:r>
+            <a:r>
+              <a:rPr lang="en-US" sz="2000" dirty="0"/>
+              <a:t>to the </a:t>
+            </a:r>
+            <a:r>
+              <a:rPr lang="en-US" sz="2000" b="1" dirty="0">
+                <a:solidFill>
+                  <a:srgbClr val="FF0000"/>
+                </a:solidFill>
+              </a:rPr>
+              <a:t>atomic</a:t>
+            </a:r>
+            <a:r>
+              <a:rPr lang="en-US" sz="2000" dirty="0"/>
+              <a:t> directive to impose sequential consistency on reads and writes operations of the associated atomic variable.</a:t>
+            </a:r>
+          </a:p>
+        </p:txBody>
+      </p:sp>
+      <p:sp>
+        <p:nvSpPr>
+          <p:cNvPr id="11" name="TextBox 10">
+            <a:extLst>
+              <a:ext uri="{FF2B5EF4-FFF2-40B4-BE49-F238E27FC236}">
+                <a16:creationId xmlns:a16="http://schemas.microsoft.com/office/drawing/2014/main" id="{2F9F7A79-68D1-488F-8D55-887001CEBB50}"/>
+              </a:ext>
+            </a:extLst>
+          </p:cNvPr>
+          <p:cNvSpPr txBox="1"/>
+          <p:nvPr/>
+        </p:nvSpPr>
+        <p:spPr>
+          <a:xfrm>
+            <a:off x="5396218" y="5157788"/>
+            <a:ext cx="4686299" cy="1015663"/>
+          </a:xfrm>
+          <a:prstGeom prst="rect">
+            <a:avLst/>
+          </a:prstGeom>
+          <a:noFill/>
+        </p:spPr>
+        <p:txBody>
+          <a:bodyPr wrap="square" rtlCol="0">
+            <a:spAutoFit/>
+          </a:bodyPr>
+          <a:lstStyle/>
+          <a:p>
+            <a:r>
+              <a:rPr lang="en-US" sz="2000" dirty="0"/>
+              <a:t>If the </a:t>
+            </a:r>
+            <a:r>
+              <a:rPr lang="en-US" sz="2000" b="1" dirty="0" err="1">
+                <a:solidFill>
+                  <a:srgbClr val="00B050"/>
+                </a:solidFill>
+              </a:rPr>
+              <a:t>s</a:t>
+            </a:r>
+            <a:r>
+              <a:rPr lang="en-US" sz="2000" b="1" i="0" u="none" strike="noStrike" baseline="0" dirty="0" err="1">
+                <a:solidFill>
+                  <a:srgbClr val="00B050"/>
+                </a:solidFill>
+              </a:rPr>
+              <a:t>eq_cst</a:t>
+            </a:r>
+            <a:r>
+              <a:rPr lang="en-US" sz="2000" b="1" i="0" u="none" strike="noStrike" baseline="0" dirty="0">
+                <a:solidFill>
+                  <a:srgbClr val="00B050"/>
+                </a:solidFill>
+              </a:rPr>
+              <a:t> </a:t>
+            </a:r>
+            <a:r>
+              <a:rPr lang="en-US" sz="2000" i="0" u="none" strike="noStrike" baseline="0" dirty="0"/>
+              <a:t>clause is included, OpenMP </a:t>
+            </a:r>
+            <a:r>
+              <a:rPr lang="en-US" sz="2000" dirty="0"/>
+              <a:t>implicitly </a:t>
+            </a:r>
+            <a:r>
+              <a:rPr lang="en-US" sz="2000" i="0" u="none" strike="noStrike" baseline="0" dirty="0"/>
+              <a:t>adds a </a:t>
+            </a:r>
+            <a:r>
+              <a:rPr lang="en-US" sz="2000" b="1" i="0" u="none" strike="noStrike" baseline="0" dirty="0">
+                <a:solidFill>
+                  <a:srgbClr val="FF0000"/>
+                </a:solidFill>
+              </a:rPr>
+              <a:t>flush </a:t>
+            </a:r>
+            <a:r>
+              <a:rPr lang="en-US" sz="2000" i="0" u="none" strike="noStrike" baseline="0" dirty="0"/>
+              <a:t>without a </a:t>
+            </a:r>
+            <a:r>
+              <a:rPr lang="en-US" sz="2000" b="1" i="0" u="none" strike="noStrike" baseline="0" dirty="0">
+                <a:solidFill>
+                  <a:srgbClr val="FF0000"/>
+                </a:solidFill>
+              </a:rPr>
+              <a:t>flush-set </a:t>
+            </a:r>
+            <a:r>
+              <a:rPr lang="en-US" sz="2000" i="0" u="none" strike="noStrike" baseline="0" dirty="0"/>
+              <a:t>to the </a:t>
+            </a:r>
+            <a:r>
+              <a:rPr lang="en-US" sz="2000" i="0" u="none" strike="noStrike" baseline="0"/>
+              <a:t>atomic operation.</a:t>
+            </a:r>
+            <a:endParaRPr lang="en-US" sz="2000" dirty="0"/>
+          </a:p>
+        </p:txBody>
+      </p:sp>
+      <p:sp>
+        <p:nvSpPr>
+          <p:cNvPr id="6" name="TextBox 5">
+            <a:extLst>
+              <a:ext uri="{FF2B5EF4-FFF2-40B4-BE49-F238E27FC236}">
+                <a16:creationId xmlns:a16="http://schemas.microsoft.com/office/drawing/2014/main" id="{26670B68-C0D2-46E1-961E-539F12F118A6}"/>
+              </a:ext>
+            </a:extLst>
+          </p:cNvPr>
+          <p:cNvSpPr txBox="1"/>
+          <p:nvPr/>
+        </p:nvSpPr>
+        <p:spPr>
+          <a:xfrm>
+            <a:off x="9934575" y="6173451"/>
+            <a:ext cx="2152650" cy="369332"/>
+          </a:xfrm>
+          <a:prstGeom prst="rect">
+            <a:avLst/>
+          </a:prstGeom>
+          <a:noFill/>
+        </p:spPr>
+        <p:txBody>
+          <a:bodyPr wrap="square">
+            <a:spAutoFit/>
+          </a:bodyPr>
+          <a:lstStyle/>
+          <a:p>
+            <a:r>
+              <a:rPr lang="en-US" b="1" dirty="0">
+                <a:solidFill>
+                  <a:srgbClr val="FF0000"/>
+                </a:solidFill>
+              </a:rPr>
+              <a:t>Figure Credit: [3]</a:t>
+            </a:r>
+          </a:p>
+        </p:txBody>
+      </p:sp>
+    </p:spTree>
+    <p:extLst>
+      <p:ext uri="{BB962C8B-B14F-4D97-AF65-F5344CB8AC3E}">
+        <p14:creationId xmlns:p14="http://schemas.microsoft.com/office/powerpoint/2010/main" val="1994651668"/>
+      </p:ext>
+    </p:extLst>
+  </p:cSld>
+  <p:clrMapOvr>
+    <a:masterClrMapping/>
+  </p:clrMapOvr>
+</p:sld>
+</file>
+
+<file path=ppt/slides/slide31.xml><?xml version="1.0" encoding="utf-8"?>
+<p:sld xmlns:a="http://schemas.openxmlformats.org/drawingml/2006/main" xmlns:r="http://schemas.openxmlformats.org/officeDocument/2006/relationships" xmlns:p="http://schemas.openxmlformats.org/presentationml/2006/main">
+  <p:cSld>
+    <p:spTree>
+      <p:nvGrpSpPr>
+        <p:cNvPr id="1" name=""/>
+        <p:cNvGrpSpPr/>
+        <p:nvPr/>
+      </p:nvGrpSpPr>
+      <p:grpSpPr>
+        <a:xfrm>
+          <a:off x="0" y="0"/>
+          <a:ext cx="0" cy="0"/>
+          <a:chOff x="0" y="0"/>
+          <a:chExt cx="0" cy="0"/>
+        </a:xfrm>
+      </p:grpSpPr>
+      <p:sp>
+        <p:nvSpPr>
+          <p:cNvPr id="2" name="Title 1">
+            <a:extLst>
+              <a:ext uri="{FF2B5EF4-FFF2-40B4-BE49-F238E27FC236}">
+                <a16:creationId xmlns:a16="http://schemas.microsoft.com/office/drawing/2014/main" id="{3DC09EEB-E187-4931-88B0-27D719505D05}"/>
+              </a:ext>
+            </a:extLst>
+          </p:cNvPr>
+          <p:cNvSpPr>
+            <a:spLocks noGrp="1"/>
+          </p:cNvSpPr>
+          <p:nvPr>
+            <p:ph type="title"/>
+          </p:nvPr>
+        </p:nvSpPr>
+        <p:spPr/>
+        <p:txBody>
+          <a:bodyPr/>
+          <a:lstStyle/>
+          <a:p>
+            <a:r>
+              <a:rPr lang="en-US" dirty="0">
+                <a:solidFill>
+                  <a:schemeClr val="accent1"/>
+                </a:solidFill>
+              </a:rPr>
+              <a:t>References</a:t>
+            </a:r>
+          </a:p>
+        </p:txBody>
+      </p:sp>
+      <p:sp>
+        <p:nvSpPr>
+          <p:cNvPr id="3" name="Content Placeholder 2">
+            <a:extLst>
+              <a:ext uri="{FF2B5EF4-FFF2-40B4-BE49-F238E27FC236}">
+                <a16:creationId xmlns:a16="http://schemas.microsoft.com/office/drawing/2014/main" id="{C557F1C5-6E25-4763-875C-0E300E24DAE8}"/>
+              </a:ext>
+            </a:extLst>
+          </p:cNvPr>
+          <p:cNvSpPr>
+            <a:spLocks noGrp="1"/>
+          </p:cNvSpPr>
+          <p:nvPr>
+            <p:ph idx="1"/>
+          </p:nvPr>
+        </p:nvSpPr>
+        <p:spPr/>
+        <p:txBody>
+          <a:bodyPr>
+            <a:normAutofit/>
+          </a:bodyPr>
+          <a:lstStyle/>
+          <a:p>
+            <a:pPr marL="0" indent="0" algn="l">
+              <a:buNone/>
+            </a:pPr>
+            <a:r>
+              <a:rPr lang="en-US" sz="2000" b="1" dirty="0">
+                <a:solidFill>
+                  <a:srgbClr val="FF0000"/>
+                </a:solidFill>
+                <a:effectLst/>
+              </a:rPr>
+              <a:t>[1] </a:t>
+            </a:r>
+            <a:r>
+              <a:rPr lang="en-US" sz="2000" b="0" i="1" dirty="0">
+                <a:solidFill>
+                  <a:schemeClr val="accent1"/>
+                </a:solidFill>
+                <a:effectLst/>
+              </a:rPr>
+              <a:t>L. Lamport. 1979. How to Make a Multiprocessor Computer That Correctly Executes </a:t>
+            </a:r>
+            <a:r>
+              <a:rPr lang="en-US" sz="2000" b="0" i="1" dirty="0" err="1">
+                <a:solidFill>
+                  <a:schemeClr val="accent1"/>
+                </a:solidFill>
+                <a:effectLst/>
+              </a:rPr>
+              <a:t>Multiprocess</a:t>
+            </a:r>
+            <a:r>
+              <a:rPr lang="en-US" sz="2000" b="0" i="1" dirty="0">
+                <a:solidFill>
+                  <a:schemeClr val="accent1"/>
+                </a:solidFill>
+                <a:effectLst/>
+              </a:rPr>
+              <a:t> Programs. IEEE Trans. </a:t>
+            </a:r>
+            <a:r>
+              <a:rPr lang="en-US" sz="2000" b="0" i="1" dirty="0" err="1">
+                <a:solidFill>
+                  <a:schemeClr val="accent1"/>
+                </a:solidFill>
+                <a:effectLst/>
+              </a:rPr>
+              <a:t>Comput</a:t>
+            </a:r>
+            <a:r>
+              <a:rPr lang="en-US" sz="2000" b="0" i="1" dirty="0">
+                <a:solidFill>
+                  <a:schemeClr val="accent1"/>
+                </a:solidFill>
+                <a:effectLst/>
+              </a:rPr>
+              <a:t>. 28, 9 (September 1979), 690–691. </a:t>
+            </a:r>
+            <a:r>
+              <a:rPr lang="en-US" sz="2000" b="0" i="1" dirty="0" err="1">
+                <a:solidFill>
+                  <a:schemeClr val="accent1"/>
+                </a:solidFill>
+                <a:effectLst/>
+              </a:rPr>
+              <a:t>DOI:https</a:t>
+            </a:r>
+            <a:r>
+              <a:rPr lang="en-US" sz="2000" b="0" i="1" dirty="0">
+                <a:solidFill>
+                  <a:schemeClr val="accent1"/>
+                </a:solidFill>
+                <a:effectLst/>
+              </a:rPr>
+              <a:t>://doi.org/10.1109/TC.1979.1675439</a:t>
+            </a:r>
+          </a:p>
+          <a:p>
+            <a:pPr marL="0" indent="0" algn="l">
+              <a:buNone/>
+            </a:pPr>
+            <a:r>
+              <a:rPr lang="en-US" sz="2000" b="1" dirty="0">
+                <a:solidFill>
+                  <a:srgbClr val="FF0000"/>
+                </a:solidFill>
+              </a:rPr>
+              <a:t>[2] </a:t>
+            </a:r>
+            <a:r>
+              <a:rPr lang="en-US" sz="2000" b="0" i="1" dirty="0">
+                <a:solidFill>
+                  <a:schemeClr val="accent1"/>
+                </a:solidFill>
+                <a:effectLst/>
+              </a:rPr>
+              <a:t>Sarita V. </a:t>
+            </a:r>
+            <a:r>
+              <a:rPr lang="en-US" sz="2000" b="0" i="1" dirty="0" err="1">
+                <a:solidFill>
+                  <a:schemeClr val="accent1"/>
+                </a:solidFill>
+                <a:effectLst/>
+              </a:rPr>
+              <a:t>Adve</a:t>
+            </a:r>
+            <a:r>
+              <a:rPr lang="en-US" sz="2000" b="0" i="1" dirty="0">
+                <a:solidFill>
+                  <a:schemeClr val="accent1"/>
+                </a:solidFill>
+                <a:effectLst/>
+              </a:rPr>
+              <a:t> and </a:t>
+            </a:r>
+            <a:r>
+              <a:rPr lang="en-US" sz="2000" b="0" i="1" dirty="0" err="1">
+                <a:solidFill>
+                  <a:schemeClr val="accent1"/>
+                </a:solidFill>
+                <a:effectLst/>
+              </a:rPr>
+              <a:t>Kourosh</a:t>
+            </a:r>
+            <a:r>
+              <a:rPr lang="en-US" sz="2000" b="0" i="1" dirty="0">
+                <a:solidFill>
+                  <a:schemeClr val="accent1"/>
+                </a:solidFill>
+                <a:effectLst/>
+              </a:rPr>
+              <a:t> </a:t>
+            </a:r>
+            <a:r>
+              <a:rPr lang="en-US" sz="2000" b="0" i="1" dirty="0" err="1">
+                <a:solidFill>
+                  <a:schemeClr val="accent1"/>
+                </a:solidFill>
+                <a:effectLst/>
+              </a:rPr>
+              <a:t>Gharachorloo</a:t>
+            </a:r>
+            <a:r>
+              <a:rPr lang="en-US" sz="2000" b="0" i="1" dirty="0">
+                <a:solidFill>
+                  <a:schemeClr val="accent1"/>
+                </a:solidFill>
+                <a:effectLst/>
+              </a:rPr>
+              <a:t>. 1996. Shared Memory Consistency Models: A Tutorial. Computer 29, 12 (December 1996), 66–76. </a:t>
+            </a:r>
+            <a:r>
+              <a:rPr lang="en-US" sz="2000" b="0" i="1" dirty="0" err="1">
+                <a:solidFill>
+                  <a:schemeClr val="accent1"/>
+                </a:solidFill>
+                <a:effectLst/>
+              </a:rPr>
+              <a:t>DOI:https</a:t>
+            </a:r>
+            <a:r>
+              <a:rPr lang="en-US" sz="2000" b="0" i="1" dirty="0">
+                <a:solidFill>
+                  <a:schemeClr val="accent1"/>
+                </a:solidFill>
+                <a:effectLst/>
+              </a:rPr>
+              <a:t>://doi.org/10.1109/2.546611</a:t>
+            </a:r>
+          </a:p>
+          <a:p>
+            <a:pPr marL="0" indent="0">
+              <a:buNone/>
+            </a:pPr>
+            <a:r>
+              <a:rPr lang="en-US" sz="2000" b="1" dirty="0">
+                <a:solidFill>
+                  <a:srgbClr val="FF0000"/>
+                </a:solidFill>
+                <a:effectLst/>
+              </a:rPr>
+              <a:t>[3] </a:t>
+            </a:r>
+            <a:r>
+              <a:rPr lang="en-US" sz="2000" i="1" dirty="0">
+                <a:solidFill>
+                  <a:schemeClr val="accent1"/>
+                </a:solidFill>
+              </a:rPr>
+              <a:t>Tim Mattson. 2020. A Hands-on Introduction to OpenMP. </a:t>
+            </a:r>
+          </a:p>
+          <a:p>
+            <a:pPr marL="0" indent="0" algn="l">
+              <a:buNone/>
+            </a:pPr>
+            <a:endParaRPr lang="en-US" sz="2000" b="0" i="1" dirty="0">
+              <a:solidFill>
+                <a:schemeClr val="accent1"/>
+              </a:solidFill>
+              <a:effectLst/>
+            </a:endParaRPr>
+          </a:p>
+          <a:p>
+            <a:pPr marL="0" indent="0">
+              <a:buNone/>
+            </a:pPr>
+            <a:br>
+              <a:rPr lang="en-US" sz="1400" dirty="0"/>
+            </a:br>
+            <a:br>
+              <a:rPr lang="en-US" sz="2000" dirty="0"/>
+            </a:br>
+            <a:endParaRPr lang="en-US" sz="2000" b="0" dirty="0">
+              <a:solidFill>
+                <a:schemeClr val="accent1"/>
+              </a:solidFill>
+              <a:effectLst/>
+            </a:endParaRPr>
+          </a:p>
+          <a:p>
+            <a:pPr marL="0" indent="0">
+              <a:buNone/>
+            </a:pPr>
+            <a:endParaRPr lang="en-US" sz="2000" dirty="0">
+              <a:solidFill>
+                <a:schemeClr val="accent1"/>
+              </a:solidFill>
+            </a:endParaRPr>
+          </a:p>
+        </p:txBody>
+      </p:sp>
+    </p:spTree>
+    <p:extLst>
+      <p:ext uri="{BB962C8B-B14F-4D97-AF65-F5344CB8AC3E}">
+        <p14:creationId xmlns:p14="http://schemas.microsoft.com/office/powerpoint/2010/main" val="1497406006"/>
       </p:ext>
     </p:extLst>
   </p:cSld>
@@ -10715,7 +11520,7 @@
           <p:cNvPr id="2" name="Title 1">
             <a:extLst>
               <a:ext uri="{FF2B5EF4-FFF2-40B4-BE49-F238E27FC236}">
-                <a16:creationId xmlns:a16="http://schemas.microsoft.com/office/drawing/2014/main" id="{5AEA643A-3DFA-4358-B211-5F6773BD2D89}"/>
+                <a16:creationId xmlns:a16="http://schemas.microsoft.com/office/drawing/2014/main" id="{49A6D583-D67B-4F23-9037-24273C39D5FE}"/>
               </a:ext>
             </a:extLst>
           </p:cNvPr>
@@ -10737,7 +11542,7 @@
                   <a:schemeClr val="accent1"/>
                 </a:solidFill>
               </a:rPr>
-              <a:t>Memory Model</a:t>
+              <a:t>Memory Models</a:t>
             </a:r>
             <a:endParaRPr lang="en-US" dirty="0"/>
           </a:p>
@@ -10748,7 +11553,7 @@
           <p:cNvPr id="3" name="Content Placeholder 2">
             <a:extLst>
               <a:ext uri="{FF2B5EF4-FFF2-40B4-BE49-F238E27FC236}">
-                <a16:creationId xmlns:a16="http://schemas.microsoft.com/office/drawing/2014/main" id="{6840193C-AB41-423A-9767-29D58855C915}"/>
+                <a16:creationId xmlns:a16="http://schemas.microsoft.com/office/drawing/2014/main" id="{D9BB914A-FD04-4172-BC16-EF477B88090A}"/>
               </a:ext>
             </a:extLst>
           </p:cNvPr>
@@ -10771,16 +11576,69 @@
             </a:pPr>
             <a:r>
               <a:rPr lang="en-US" sz="2000" dirty="0"/>
-              <a:t>Reasoning about multithreaded execution can be mind-boggling. </a:t>
-            </a:r>
-          </a:p>
-          <a:p>
-            <a:pPr marL="0" indent="0">
-              <a:buNone/>
-            </a:pPr>
-            <a:r>
-              <a:rPr lang="en-US" sz="2000" dirty="0"/>
-              <a:t>Assume that x = 0 and y = 0, initially.</a:t>
+              <a:t>A </a:t>
+            </a:r>
+            <a:r>
+              <a:rPr lang="en-US" sz="2000" b="1" dirty="0">
+                <a:solidFill>
+                  <a:srgbClr val="FF0000"/>
+                </a:solidFill>
+              </a:rPr>
+              <a:t>memory model </a:t>
+            </a:r>
+            <a:r>
+              <a:rPr lang="en-US" sz="2000" dirty="0"/>
+              <a:t>needs to be specified </a:t>
+            </a:r>
+            <a:r>
+              <a:rPr lang="en-US" sz="2000" b="1" dirty="0">
+                <a:solidFill>
+                  <a:srgbClr val="FF0000"/>
+                </a:solidFill>
+              </a:rPr>
+              <a:t>for every level </a:t>
+            </a:r>
+            <a:r>
+              <a:rPr lang="en-US" sz="2000" dirty="0"/>
+              <a:t>at which there is an interface between the programmer and the system:</a:t>
+            </a:r>
+          </a:p>
+          <a:p>
+            <a:pPr lvl="1"/>
+            <a:r>
+              <a:rPr lang="en-US" sz="2000" dirty="0"/>
+              <a:t>At the </a:t>
+            </a:r>
+            <a:r>
+              <a:rPr lang="en-US" sz="2000" b="1" dirty="0">
+                <a:solidFill>
+                  <a:srgbClr val="FF0000"/>
+                </a:solidFill>
+              </a:rPr>
+              <a:t>ISA</a:t>
+            </a:r>
+            <a:r>
+              <a:rPr lang="en-US" sz="2000" dirty="0"/>
+              <a:t> interface, the memory model affects the designer of the computer architecture and the programmer who writes or reasons about machine code that runs on the hardware</a:t>
+            </a:r>
+          </a:p>
+          <a:p>
+            <a:pPr lvl="1"/>
+            <a:r>
+              <a:rPr lang="en-US" sz="2000" dirty="0"/>
+              <a:t>At the </a:t>
+            </a:r>
+            <a:r>
+              <a:rPr lang="en-US" sz="2000" b="1" dirty="0">
+                <a:solidFill>
+                  <a:srgbClr val="FF0000"/>
+                </a:solidFill>
+              </a:rPr>
+              <a:t>high-level language </a:t>
+            </a:r>
+            <a:r>
+              <a:rPr lang="en-US" sz="2000" dirty="0"/>
+              <a:t>interface, the memory model affects both the designer of the compiler software and the programmer who writes or reasons about code written in high-level languages.</a:t>
             </a:r>
           </a:p>
           <a:p>
@@ -10793,210 +11651,35 @@
             <a:pPr marL="0" indent="0">
               <a:buNone/>
             </a:pPr>
-            <a:endParaRPr lang="en-US" sz="2000" dirty="0"/>
-          </a:p>
-          <a:p>
-            <a:pPr marL="0" indent="0">
-              <a:buNone/>
-            </a:pPr>
-            <a:endParaRPr lang="en-US" sz="2000" dirty="0"/>
-          </a:p>
-          <a:p>
-            <a:pPr marL="0" indent="0">
-              <a:buNone/>
-            </a:pPr>
-            <a:endParaRPr lang="en-US" sz="2000" dirty="0"/>
-          </a:p>
-          <a:p>
-            <a:pPr marL="0" indent="0">
-              <a:buNone/>
-            </a:pPr>
-            <a:r>
-              <a:rPr lang="en-US" sz="2000" dirty="0"/>
-              <a:t>One would expect that only the following three </a:t>
+            <a:r>
+              <a:rPr lang="en-US" sz="2000" dirty="0"/>
+              <a:t>Therefore, the </a:t>
             </a:r>
             <a:r>
               <a:rPr lang="en-US" sz="2000" b="1" dirty="0">
                 <a:solidFill>
-                  <a:srgbClr val="00B050"/>
-                </a:solidFill>
-              </a:rPr>
-              <a:t>final states </a:t>
-            </a:r>
-            <a:r>
-              <a:rPr lang="en-US" sz="2000" b="1" dirty="0">
-                <a:solidFill>
                   <a:srgbClr val="FF0000"/>
                 </a:solidFill>
               </a:rPr>
-              <a:t>(r1,r2) </a:t>
-            </a:r>
-            <a:r>
-              <a:rPr lang="en-US" sz="2000" dirty="0"/>
-              <a:t>are possible: </a:t>
-            </a:r>
-            <a:r>
-              <a:rPr lang="en-US" sz="2000" b="1" dirty="0">
-                <a:solidFill>
-                  <a:srgbClr val="FF0000"/>
-                </a:solidFill>
-              </a:rPr>
-              <a:t>(0,0)</a:t>
-            </a:r>
-            <a:r>
-              <a:rPr lang="en-US" sz="2000" dirty="0"/>
-              <a:t>, </a:t>
-            </a:r>
-            <a:r>
-              <a:rPr lang="en-US" sz="2000" b="1" dirty="0">
-                <a:solidFill>
-                  <a:srgbClr val="FF0000"/>
-                </a:solidFill>
-              </a:rPr>
-              <a:t>(0,1) </a:t>
-            </a:r>
-            <a:r>
-              <a:rPr lang="en-US" sz="2000" dirty="0"/>
-              <a:t>and </a:t>
-            </a:r>
-            <a:r>
-              <a:rPr lang="en-US" sz="2000" b="1" dirty="0">
-                <a:solidFill>
-                  <a:srgbClr val="FF0000"/>
-                </a:solidFill>
-              </a:rPr>
-              <a:t>(1,1)</a:t>
+              <a:t>memory model </a:t>
+            </a:r>
+            <a:r>
+              <a:rPr lang="en-US" sz="2000" dirty="0"/>
+              <a:t>has a significant impact on </a:t>
             </a:r>
           </a:p>
           <a:p>
             <a:pPr lvl="1"/>
             <a:r>
               <a:rPr lang="en-US" sz="2000" dirty="0"/>
-              <a:t>Q: What is wrong with </a:t>
-            </a:r>
-            <a:r>
-              <a:rPr lang="en-US" sz="2000" b="1" dirty="0">
-                <a:solidFill>
-                  <a:srgbClr val="FF0000"/>
-                </a:solidFill>
-              </a:rPr>
-              <a:t>(r1,r2)=(1,0)</a:t>
-            </a:r>
-            <a:r>
-              <a:rPr lang="en-US" sz="2000" dirty="0"/>
-              <a:t>?</a:t>
-            </a:r>
-            <a:r>
-              <a:rPr lang="en-US" sz="2000" b="1" dirty="0">
-                <a:solidFill>
-                  <a:srgbClr val="FF0000"/>
-                </a:solidFill>
-              </a:rPr>
-              <a:t> </a:t>
+              <a:t>the writing of multithreaded programs from the programmer’s perspective and </a:t>
             </a:r>
           </a:p>
           <a:p>
             <a:pPr lvl="1"/>
             <a:r>
               <a:rPr lang="en-US" sz="2000" dirty="0"/>
-              <a:t>A: We would probably think this final state wouldn’t be reached because our intuition is based on the </a:t>
-            </a:r>
-            <a:r>
-              <a:rPr lang="en-US" sz="2000" b="1" dirty="0">
-                <a:solidFill>
-                  <a:srgbClr val="FF0000"/>
-                </a:solidFill>
-              </a:rPr>
-              <a:t>Sequential Consistency </a:t>
-            </a:r>
-            <a:r>
-              <a:rPr lang="en-US" sz="2000" dirty="0"/>
-              <a:t>model.</a:t>
-            </a:r>
-          </a:p>
-          <a:p>
-            <a:pPr lvl="1"/>
-            <a:endParaRPr lang="en-US" sz="2000" b="1" dirty="0">
-              <a:solidFill>
-                <a:srgbClr val="FF0000"/>
-              </a:solidFill>
-            </a:endParaRPr>
-          </a:p>
-          <a:p>
-            <a:pPr marL="0" indent="0">
-              <a:buNone/>
-            </a:pPr>
-            <a:endParaRPr lang="en-US" sz="2000" dirty="0"/>
-          </a:p>
-        </p:txBody>
-      </p:sp>
-      <p:sp>
-        <p:nvSpPr>
-          <p:cNvPr id="4" name="TextBox 3">
-            <a:extLst>
-              <a:ext uri="{FF2B5EF4-FFF2-40B4-BE49-F238E27FC236}">
-                <a16:creationId xmlns:a16="http://schemas.microsoft.com/office/drawing/2014/main" id="{AD3C2A80-ECE6-400C-98DB-3B49C3D9573A}"/>
-              </a:ext>
-            </a:extLst>
-          </p:cNvPr>
-          <p:cNvSpPr txBox="1"/>
-          <p:nvPr/>
-        </p:nvSpPr>
-        <p:spPr>
-          <a:xfrm>
-            <a:off x="3115903" y="2967335"/>
-            <a:ext cx="4591665" cy="923330"/>
-          </a:xfrm>
-          <a:prstGeom prst="rect">
-            <a:avLst/>
-          </a:prstGeom>
-          <a:noFill/>
-        </p:spPr>
-        <p:txBody>
-          <a:bodyPr wrap="square" rtlCol="0">
-            <a:spAutoFit/>
-          </a:bodyPr>
-          <a:lstStyle/>
-          <a:p>
-            <a:r>
-              <a:rPr lang="en-US" b="1" dirty="0">
-                <a:solidFill>
-                  <a:srgbClr val="FF0000"/>
-                </a:solidFill>
-              </a:rPr>
-              <a:t>Thread T0</a:t>
-            </a:r>
-            <a:r>
-              <a:rPr lang="en-US" dirty="0"/>
-              <a:t>		         </a:t>
-            </a:r>
-            <a:r>
-              <a:rPr lang="en-US" b="1" dirty="0">
-                <a:solidFill>
-                  <a:srgbClr val="FF0000"/>
-                </a:solidFill>
-              </a:rPr>
-              <a:t>Thread T1   </a:t>
-            </a:r>
-            <a:r>
-              <a:rPr lang="en-US" dirty="0">
-                <a:solidFill>
-                  <a:srgbClr val="FF0000"/>
-                </a:solidFill>
-              </a:rPr>
-              <a:t>   </a:t>
-            </a:r>
-          </a:p>
-          <a:p>
-            <a:r>
-              <a:rPr lang="en-US" dirty="0"/>
-              <a:t>   x = 1	                                             r1 = y</a:t>
-            </a:r>
-          </a:p>
-          <a:p>
-            <a:r>
-              <a:rPr lang="en-US" dirty="0"/>
-              <a:t>   y = 1			          r2 = x</a:t>
+              <a:t>virtually all aspects of designing a parallel system(including processor, memory system, interconnection network, compiler and programming languages).</a:t>
             </a:r>
           </a:p>
         </p:txBody>
@@ -11004,7 +11687,7 @@
     </p:spTree>
     <p:extLst>
       <p:ext uri="{BB962C8B-B14F-4D97-AF65-F5344CB8AC3E}">
-        <p14:creationId xmlns:p14="http://schemas.microsoft.com/office/powerpoint/2010/main" val="2192823804"/>
+        <p14:creationId xmlns:p14="http://schemas.microsoft.com/office/powerpoint/2010/main" val="2398924956"/>
       </p:ext>
     </p:extLst>
   </p:cSld>
@@ -11036,6 +11719,351 @@
           <p:cNvPr id="2" name="Title 1">
             <a:extLst>
               <a:ext uri="{FF2B5EF4-FFF2-40B4-BE49-F238E27FC236}">
+                <a16:creationId xmlns:a16="http://schemas.microsoft.com/office/drawing/2014/main" id="{5AEA643A-3DFA-4358-B211-5F6773BD2D89}"/>
+              </a:ext>
+            </a:extLst>
+          </p:cNvPr>
+          <p:cNvSpPr>
+            <a:spLocks noGrp="1"/>
+          </p:cNvSpPr>
+          <p:nvPr>
+            <p:ph type="title"/>
+          </p:nvPr>
+        </p:nvSpPr>
+        <p:spPr/>
+        <p:txBody>
+          <a:bodyPr/>
+          <a:lstStyle/>
+          <a:p>
+            <a:r>
+              <a:rPr lang="en-US" dirty="0">
+                <a:solidFill>
+                  <a:schemeClr val="accent1"/>
+                </a:solidFill>
+              </a:rPr>
+              <a:t>Memory Models</a:t>
+            </a:r>
+            <a:endParaRPr lang="en-US" dirty="0"/>
+          </a:p>
+        </p:txBody>
+      </p:sp>
+      <p:sp>
+        <p:nvSpPr>
+          <p:cNvPr id="3" name="Content Placeholder 2">
+            <a:extLst>
+              <a:ext uri="{FF2B5EF4-FFF2-40B4-BE49-F238E27FC236}">
+                <a16:creationId xmlns:a16="http://schemas.microsoft.com/office/drawing/2014/main" id="{6840193C-AB41-423A-9767-29D58855C915}"/>
+              </a:ext>
+            </a:extLst>
+          </p:cNvPr>
+          <p:cNvSpPr>
+            <a:spLocks noGrp="1"/>
+          </p:cNvSpPr>
+          <p:nvPr>
+            <p:ph idx="1"/>
+          </p:nvPr>
+        </p:nvSpPr>
+        <p:spPr/>
+        <p:txBody>
+          <a:bodyPr>
+            <a:normAutofit/>
+          </a:bodyPr>
+          <a:lstStyle/>
+          <a:p>
+            <a:pPr marL="0" indent="0">
+              <a:buNone/>
+            </a:pPr>
+            <a:r>
+              <a:rPr lang="en-US" sz="2000" dirty="0"/>
+              <a:t>Reasoning about multithreaded execution can be mind-boggling. </a:t>
+            </a:r>
+          </a:p>
+          <a:p>
+            <a:pPr marL="0" indent="0">
+              <a:buNone/>
+            </a:pPr>
+            <a:r>
+              <a:rPr lang="en-US" sz="2000" dirty="0"/>
+              <a:t>Assume that </a:t>
+            </a:r>
+            <a:r>
+              <a:rPr lang="en-US" sz="2000" dirty="0">
+                <a:solidFill>
+                  <a:srgbClr val="FF0000"/>
+                </a:solidFill>
+              </a:rPr>
+              <a:t>x = 0 </a:t>
+            </a:r>
+            <a:r>
+              <a:rPr lang="en-US" sz="2000" dirty="0"/>
+              <a:t>and </a:t>
+            </a:r>
+            <a:r>
+              <a:rPr lang="en-US" sz="2000" dirty="0">
+                <a:solidFill>
+                  <a:srgbClr val="FF0000"/>
+                </a:solidFill>
+              </a:rPr>
+              <a:t>y = 0</a:t>
+            </a:r>
+            <a:r>
+              <a:rPr lang="en-US" sz="2000" dirty="0"/>
+              <a:t>, initially.</a:t>
+            </a:r>
+          </a:p>
+          <a:p>
+            <a:pPr marL="0" indent="0">
+              <a:buNone/>
+            </a:pPr>
+            <a:endParaRPr lang="en-US" sz="2000" dirty="0"/>
+          </a:p>
+          <a:p>
+            <a:pPr marL="0" indent="0">
+              <a:buNone/>
+            </a:pPr>
+            <a:endParaRPr lang="en-US" sz="2000" dirty="0"/>
+          </a:p>
+          <a:p>
+            <a:pPr marL="0" indent="0">
+              <a:buNone/>
+            </a:pPr>
+            <a:endParaRPr lang="en-US" sz="2000" dirty="0"/>
+          </a:p>
+          <a:p>
+            <a:pPr marL="0" indent="0">
+              <a:buNone/>
+            </a:pPr>
+            <a:endParaRPr lang="en-US" sz="2000" dirty="0"/>
+          </a:p>
+          <a:p>
+            <a:pPr marL="0" indent="0">
+              <a:buNone/>
+            </a:pPr>
+            <a:r>
+              <a:rPr lang="en-US" sz="2000" dirty="0"/>
+              <a:t>One would expect that only the following three </a:t>
+            </a:r>
+            <a:r>
+              <a:rPr lang="en-US" sz="2000" b="1" dirty="0">
+                <a:solidFill>
+                  <a:srgbClr val="00B050"/>
+                </a:solidFill>
+              </a:rPr>
+              <a:t>final states </a:t>
+            </a:r>
+            <a:r>
+              <a:rPr lang="en-US" sz="2000" dirty="0">
+                <a:solidFill>
+                  <a:srgbClr val="FF0000"/>
+                </a:solidFill>
+              </a:rPr>
+              <a:t>(r1,r2) </a:t>
+            </a:r>
+            <a:r>
+              <a:rPr lang="en-US" sz="2000" dirty="0"/>
+              <a:t>are possible: </a:t>
+            </a:r>
+            <a:r>
+              <a:rPr lang="en-US" sz="2000" dirty="0">
+                <a:solidFill>
+                  <a:srgbClr val="FF0000"/>
+                </a:solidFill>
+              </a:rPr>
+              <a:t>(0,0)</a:t>
+            </a:r>
+            <a:r>
+              <a:rPr lang="en-US" sz="2000" dirty="0"/>
+              <a:t>, </a:t>
+            </a:r>
+            <a:r>
+              <a:rPr lang="en-US" sz="2000" dirty="0">
+                <a:solidFill>
+                  <a:srgbClr val="FF0000"/>
+                </a:solidFill>
+              </a:rPr>
+              <a:t>(0,1) </a:t>
+            </a:r>
+            <a:r>
+              <a:rPr lang="en-US" sz="2000" dirty="0"/>
+              <a:t>and </a:t>
+            </a:r>
+            <a:r>
+              <a:rPr lang="en-US" sz="2000" dirty="0">
+                <a:solidFill>
+                  <a:srgbClr val="FF0000"/>
+                </a:solidFill>
+              </a:rPr>
+              <a:t>(1,1)</a:t>
+            </a:r>
+          </a:p>
+          <a:p>
+            <a:pPr lvl="1"/>
+            <a:r>
+              <a:rPr lang="en-US" sz="2000" dirty="0"/>
+              <a:t>Q: What is wrong with </a:t>
+            </a:r>
+            <a:r>
+              <a:rPr lang="en-US" sz="2000" dirty="0">
+                <a:solidFill>
+                  <a:srgbClr val="FF0000"/>
+                </a:solidFill>
+              </a:rPr>
+              <a:t>(r1,r2)=(1,0)</a:t>
+            </a:r>
+            <a:r>
+              <a:rPr lang="en-US" sz="2000" dirty="0"/>
+              <a:t>?</a:t>
+            </a:r>
+            <a:r>
+              <a:rPr lang="en-US" sz="2000" dirty="0">
+                <a:solidFill>
+                  <a:srgbClr val="FF0000"/>
+                </a:solidFill>
+              </a:rPr>
+              <a:t> </a:t>
+            </a:r>
+          </a:p>
+          <a:p>
+            <a:pPr lvl="1"/>
+            <a:r>
+              <a:rPr lang="en-US" sz="2000" dirty="0"/>
+              <a:t>A: We would probably think this final state wouldn’t be reached because our intuition is based on the </a:t>
+            </a:r>
+            <a:r>
+              <a:rPr lang="en-US" sz="2000" b="1" dirty="0">
+                <a:solidFill>
+                  <a:srgbClr val="FF0000"/>
+                </a:solidFill>
+              </a:rPr>
+              <a:t>Sequential Consistency </a:t>
+            </a:r>
+            <a:r>
+              <a:rPr lang="en-US" sz="2000" dirty="0"/>
+              <a:t>model.</a:t>
+            </a:r>
+          </a:p>
+          <a:p>
+            <a:pPr lvl="1"/>
+            <a:endParaRPr lang="en-US" sz="2000" b="1" dirty="0">
+              <a:solidFill>
+                <a:srgbClr val="FF0000"/>
+              </a:solidFill>
+            </a:endParaRPr>
+          </a:p>
+          <a:p>
+            <a:pPr marL="0" indent="0">
+              <a:buNone/>
+            </a:pPr>
+            <a:endParaRPr lang="en-US" sz="2000" dirty="0"/>
+          </a:p>
+        </p:txBody>
+      </p:sp>
+      <p:sp>
+        <p:nvSpPr>
+          <p:cNvPr id="4" name="TextBox 3">
+            <a:extLst>
+              <a:ext uri="{FF2B5EF4-FFF2-40B4-BE49-F238E27FC236}">
+                <a16:creationId xmlns:a16="http://schemas.microsoft.com/office/drawing/2014/main" id="{AD3C2A80-ECE6-400C-98DB-3B49C3D9573A}"/>
+              </a:ext>
+            </a:extLst>
+          </p:cNvPr>
+          <p:cNvSpPr txBox="1"/>
+          <p:nvPr/>
+        </p:nvSpPr>
+        <p:spPr>
+          <a:xfrm>
+            <a:off x="3115903" y="2967335"/>
+            <a:ext cx="4591665" cy="923330"/>
+          </a:xfrm>
+          <a:prstGeom prst="rect">
+            <a:avLst/>
+          </a:prstGeom>
+          <a:noFill/>
+        </p:spPr>
+        <p:txBody>
+          <a:bodyPr wrap="square" rtlCol="0">
+            <a:spAutoFit/>
+          </a:bodyPr>
+          <a:lstStyle/>
+          <a:p>
+            <a:r>
+              <a:rPr lang="en-US" b="1" dirty="0">
+                <a:solidFill>
+                  <a:srgbClr val="FF0000"/>
+                </a:solidFill>
+              </a:rPr>
+              <a:t>Thread T0</a:t>
+            </a:r>
+            <a:r>
+              <a:rPr lang="en-US" dirty="0"/>
+              <a:t>		         </a:t>
+            </a:r>
+            <a:r>
+              <a:rPr lang="en-US" b="1" dirty="0">
+                <a:solidFill>
+                  <a:srgbClr val="FF0000"/>
+                </a:solidFill>
+              </a:rPr>
+              <a:t>Thread T1   </a:t>
+            </a:r>
+            <a:r>
+              <a:rPr lang="en-US" dirty="0">
+                <a:solidFill>
+                  <a:srgbClr val="FF0000"/>
+                </a:solidFill>
+              </a:rPr>
+              <a:t>   </a:t>
+            </a:r>
+          </a:p>
+          <a:p>
+            <a:r>
+              <a:rPr lang="en-US" dirty="0"/>
+              <a:t>   x = 1	                                             r1 = y</a:t>
+            </a:r>
+          </a:p>
+          <a:p>
+            <a:r>
+              <a:rPr lang="en-US" dirty="0"/>
+              <a:t>   y = 1			          r2 = x</a:t>
+            </a:r>
+          </a:p>
+        </p:txBody>
+      </p:sp>
+    </p:spTree>
+    <p:extLst>
+      <p:ext uri="{BB962C8B-B14F-4D97-AF65-F5344CB8AC3E}">
+        <p14:creationId xmlns:p14="http://schemas.microsoft.com/office/powerpoint/2010/main" val="2192823804"/>
+      </p:ext>
+    </p:extLst>
+  </p:cSld>
+  <p:clrMapOvr>
+    <a:masterClrMapping/>
+  </p:clrMapOvr>
+</p:sld>
+</file>
+
+<file path=ppt/slides/slide6.xml><?xml version="1.0" encoding="utf-8"?>
+<p:sld xmlns:a="http://schemas.openxmlformats.org/drawingml/2006/main" xmlns:r="http://schemas.openxmlformats.org/officeDocument/2006/relationships" xmlns:p="http://schemas.openxmlformats.org/presentationml/2006/main">
+  <p:cSld>
+    <p:spTree>
+      <p:nvGrpSpPr>
+        <p:cNvPr id="1" name=""/>
+        <p:cNvGrpSpPr/>
+        <p:nvPr/>
+      </p:nvGrpSpPr>
+      <p:grpSpPr>
+        <a:xfrm>
+          <a:off x="0" y="0"/>
+          <a:ext cx="0" cy="0"/>
+          <a:chOff x="0" y="0"/>
+          <a:chExt cx="0" cy="0"/>
+        </a:xfrm>
+      </p:grpSpPr>
+      <p:sp>
+        <p:nvSpPr>
+          <p:cNvPr id="2" name="Title 1">
+            <a:extLst>
+              <a:ext uri="{FF2B5EF4-FFF2-40B4-BE49-F238E27FC236}">
                 <a16:creationId xmlns:a16="http://schemas.microsoft.com/office/drawing/2014/main" id="{F5529C0C-127F-466C-8A06-F119592186D2}"/>
               </a:ext>
             </a:extLst>
@@ -11140,7 +12168,31 @@
             </a:r>
             <a:r>
               <a:rPr lang="en-US" i="1" dirty="0"/>
-              <a:t>A multiprocessor system is sequentially consistent if the result of any execution is the same as if the operations of all the processors were executed in some sequential order, and the operations of each individua processor appear in this sequence in the order specified by its program.”</a:t>
+              <a:t>A multiprocessor system is sequentially consistent if the result of any execution is the same as if the operations of all the processors were executed in </a:t>
+            </a:r>
+            <a:r>
+              <a:rPr lang="en-US" b="1" i="1" dirty="0">
+                <a:solidFill>
+                  <a:srgbClr val="FF0000"/>
+                </a:solidFill>
+              </a:rPr>
+              <a:t>some sequential order</a:t>
+            </a:r>
+            <a:r>
+              <a:rPr lang="en-US" i="1" dirty="0"/>
+              <a:t>, and the operations of each individua processor appear in this sequence </a:t>
+            </a:r>
+            <a:r>
+              <a:rPr lang="en-US" b="1" i="1" dirty="0">
+                <a:solidFill>
+                  <a:srgbClr val="FF0000"/>
+                </a:solidFill>
+              </a:rPr>
+              <a:t>in the order specified by its program</a:t>
+            </a:r>
+            <a:r>
+              <a:rPr lang="en-US" i="1" dirty="0"/>
+              <a:t>.”</a:t>
             </a:r>
           </a:p>
           <a:p>
@@ -11152,7 +12204,7 @@
             <a:r>
               <a:rPr lang="en-US" sz="2000" b="1" dirty="0">
                 <a:solidFill>
-                  <a:srgbClr val="FF0000"/>
+                  <a:srgbClr val="00B050"/>
                 </a:solidFill>
               </a:rPr>
               <a:t>a single global switch </a:t>
@@ -12181,7 +13233,7 @@
 </p:sld>
 </file>
 
-<file path=ppt/slides/slide6.xml><?xml version="1.0" encoding="utf-8"?>
+<file path=ppt/slides/slide7.xml><?xml version="1.0" encoding="utf-8"?>
 <p:sld xmlns:a="http://schemas.openxmlformats.org/drawingml/2006/main" xmlns:r="http://schemas.openxmlformats.org/officeDocument/2006/relationships" xmlns:p="http://schemas.openxmlformats.org/presentationml/2006/main">
   <p:cSld>
     <p:spTree>
@@ -12203,7 +13255,7 @@
           <p:cNvPr id="2" name="Title 1">
             <a:extLst>
               <a:ext uri="{FF2B5EF4-FFF2-40B4-BE49-F238E27FC236}">
-                <a16:creationId xmlns:a16="http://schemas.microsoft.com/office/drawing/2014/main" id="{B9DFF5DC-8A51-4F5F-BDCF-CB5E27EF7A47}"/>
+                <a16:creationId xmlns:a16="http://schemas.microsoft.com/office/drawing/2014/main" id="{92183A21-B68F-4E5E-9C79-D273F9B5A873}"/>
               </a:ext>
             </a:extLst>
           </p:cNvPr>
@@ -12236,7 +13288,7 @@
           <p:cNvPr id="3" name="Content Placeholder 2">
             <a:extLst>
               <a:ext uri="{FF2B5EF4-FFF2-40B4-BE49-F238E27FC236}">
-                <a16:creationId xmlns:a16="http://schemas.microsoft.com/office/drawing/2014/main" id="{748A3B93-89A4-4691-9A05-B0A7703F4F70}"/>
+                <a16:creationId xmlns:a16="http://schemas.microsoft.com/office/drawing/2014/main" id="{4754EB3D-BBD7-4F7D-8A26-7BEB170DA011}"/>
               </a:ext>
             </a:extLst>
           </p:cNvPr>
@@ -12258,6 +13310,255 @@
               <a:buNone/>
             </a:pPr>
             <a:r>
+              <a:rPr lang="en-US" sz="2000" dirty="0"/>
+              <a:t>There are two key aspects to </a:t>
+            </a:r>
+            <a:r>
+              <a:rPr lang="en-US" sz="2000" b="1" dirty="0">
+                <a:solidFill>
+                  <a:srgbClr val="FF0000"/>
+                </a:solidFill>
+              </a:rPr>
+              <a:t>Sequential Consistency</a:t>
+            </a:r>
+            <a:r>
+              <a:rPr lang="en-US" sz="2000" dirty="0"/>
+              <a:t>:</a:t>
+            </a:r>
+          </a:p>
+          <a:p>
+            <a:pPr lvl="1"/>
+            <a:r>
+              <a:rPr lang="en-US" sz="2000" dirty="0"/>
+              <a:t>Maintaining </a:t>
+            </a:r>
+            <a:r>
+              <a:rPr lang="en-US" sz="2000" b="1" dirty="0">
+                <a:solidFill>
+                  <a:srgbClr val="FF0000"/>
+                </a:solidFill>
+              </a:rPr>
+              <a:t>program order </a:t>
+            </a:r>
+            <a:r>
+              <a:rPr lang="en-US" sz="2000" dirty="0"/>
+              <a:t>among operations from </a:t>
+            </a:r>
+            <a:r>
+              <a:rPr lang="en-US" sz="2000" b="1" dirty="0">
+                <a:solidFill>
+                  <a:srgbClr val="00B050"/>
+                </a:solidFill>
+              </a:rPr>
+              <a:t>individual threads</a:t>
+            </a:r>
+          </a:p>
+          <a:p>
+            <a:pPr lvl="1"/>
+            <a:r>
+              <a:rPr lang="en-US" sz="2000" dirty="0"/>
+              <a:t>Maintaining a </a:t>
+            </a:r>
+            <a:r>
+              <a:rPr lang="en-US" sz="2000" b="1" dirty="0">
+                <a:solidFill>
+                  <a:srgbClr val="FF0000"/>
+                </a:solidFill>
+              </a:rPr>
+              <a:t>single sequential order </a:t>
+            </a:r>
+            <a:r>
+              <a:rPr lang="en-US" sz="2000" dirty="0"/>
+              <a:t>among operations from </a:t>
+            </a:r>
+            <a:r>
+              <a:rPr lang="en-US" sz="2000" b="1" dirty="0">
+                <a:solidFill>
+                  <a:srgbClr val="00B050"/>
+                </a:solidFill>
+              </a:rPr>
+              <a:t>all threads </a:t>
+            </a:r>
+          </a:p>
+          <a:p>
+            <a:pPr lvl="2">
+              <a:buFont typeface="Wingdings" panose="05000000000000000000" pitchFamily="2" charset="2"/>
+              <a:buChar char="§"/>
+            </a:pPr>
+            <a:r>
+              <a:rPr lang="en-US" dirty="0"/>
+              <a:t>referred to as </a:t>
+            </a:r>
+            <a:r>
+              <a:rPr lang="en-US" b="1" dirty="0">
+                <a:solidFill>
+                  <a:srgbClr val="00B050"/>
+                </a:solidFill>
+              </a:rPr>
+              <a:t>write atomicity </a:t>
+            </a:r>
+            <a:r>
+              <a:rPr lang="en-US" dirty="0"/>
+              <a:t>makes it appear as if each memory operation executes </a:t>
+            </a:r>
+            <a:r>
+              <a:rPr lang="en-US" b="1" dirty="0">
+                <a:solidFill>
+                  <a:srgbClr val="FF0000"/>
+                </a:solidFill>
+              </a:rPr>
+              <a:t>atomically</a:t>
+            </a:r>
+            <a:r>
+              <a:rPr lang="en-US" dirty="0"/>
+              <a:t> or </a:t>
+            </a:r>
+            <a:r>
+              <a:rPr lang="en-US" b="1" dirty="0">
+                <a:solidFill>
+                  <a:srgbClr val="FF0000"/>
+                </a:solidFill>
+              </a:rPr>
+              <a:t>instantaneously</a:t>
+            </a:r>
+            <a:r>
+              <a:rPr lang="en-US" dirty="0"/>
+              <a:t> with respect to other memory operations.</a:t>
+            </a:r>
+          </a:p>
+          <a:p>
+            <a:pPr lvl="2">
+              <a:buFont typeface="Wingdings" panose="05000000000000000000" pitchFamily="2" charset="2"/>
+              <a:buChar char="§"/>
+            </a:pPr>
+            <a:endParaRPr lang="en-US" sz="1600" b="1" dirty="0">
+              <a:solidFill>
+                <a:srgbClr val="00B050"/>
+              </a:solidFill>
+            </a:endParaRPr>
+          </a:p>
+          <a:p>
+            <a:pPr marL="457200" lvl="1" indent="0">
+              <a:buNone/>
+            </a:pPr>
+            <a:endParaRPr lang="en-US" sz="2000" b="1" dirty="0">
+              <a:solidFill>
+                <a:srgbClr val="00B050"/>
+              </a:solidFill>
+            </a:endParaRPr>
+          </a:p>
+          <a:p>
+            <a:pPr marL="914400" lvl="2" indent="0">
+              <a:buNone/>
+            </a:pPr>
+            <a:endParaRPr lang="en-US" sz="1600" dirty="0"/>
+          </a:p>
+          <a:p>
+            <a:pPr lvl="1"/>
+            <a:endParaRPr lang="en-US" sz="2000" dirty="0"/>
+          </a:p>
+          <a:p>
+            <a:pPr marL="0" indent="0">
+              <a:buNone/>
+            </a:pPr>
+            <a:endParaRPr lang="en-US" sz="2000" b="1" dirty="0">
+              <a:solidFill>
+                <a:srgbClr val="FF0000"/>
+              </a:solidFill>
+            </a:endParaRPr>
+          </a:p>
+        </p:txBody>
+      </p:sp>
+    </p:spTree>
+    <p:extLst>
+      <p:ext uri="{BB962C8B-B14F-4D97-AF65-F5344CB8AC3E}">
+        <p14:creationId xmlns:p14="http://schemas.microsoft.com/office/powerpoint/2010/main" val="907964900"/>
+      </p:ext>
+    </p:extLst>
+  </p:cSld>
+  <p:clrMapOvr>
+    <a:masterClrMapping/>
+  </p:clrMapOvr>
+</p:sld>
+</file>
+
+<file path=ppt/slides/slide8.xml><?xml version="1.0" encoding="utf-8"?>
+<p:sld xmlns:a="http://schemas.openxmlformats.org/drawingml/2006/main" xmlns:r="http://schemas.openxmlformats.org/officeDocument/2006/relationships" xmlns:p="http://schemas.openxmlformats.org/presentationml/2006/main">
+  <p:cSld>
+    <p:spTree>
+      <p:nvGrpSpPr>
+        <p:cNvPr id="1" name=""/>
+        <p:cNvGrpSpPr/>
+        <p:nvPr/>
+      </p:nvGrpSpPr>
+      <p:grpSpPr>
+        <a:xfrm>
+          <a:off x="0" y="0"/>
+          <a:ext cx="0" cy="0"/>
+          <a:chOff x="0" y="0"/>
+          <a:chExt cx="0" cy="0"/>
+        </a:xfrm>
+      </p:grpSpPr>
+      <p:sp>
+        <p:nvSpPr>
+          <p:cNvPr id="2" name="Title 1">
+            <a:extLst>
+              <a:ext uri="{FF2B5EF4-FFF2-40B4-BE49-F238E27FC236}">
+                <a16:creationId xmlns:a16="http://schemas.microsoft.com/office/drawing/2014/main" id="{B9DFF5DC-8A51-4F5F-BDCF-CB5E27EF7A47}"/>
+              </a:ext>
+            </a:extLst>
+          </p:cNvPr>
+          <p:cNvSpPr>
+            <a:spLocks noGrp="1"/>
+          </p:cNvSpPr>
+          <p:nvPr>
+            <p:ph type="title"/>
+          </p:nvPr>
+        </p:nvSpPr>
+        <p:spPr/>
+        <p:txBody>
+          <a:bodyPr/>
+          <a:lstStyle/>
+          <a:p>
+            <a:r>
+              <a:rPr lang="en-US" dirty="0">
+                <a:solidFill>
+                  <a:schemeClr val="accent1"/>
+                </a:solidFill>
+              </a:rPr>
+              <a:t>Sequential Consistency Model</a:t>
+            </a:r>
+            <a:endParaRPr lang="en-US" dirty="0"/>
+          </a:p>
+        </p:txBody>
+      </p:sp>
+      <p:sp>
+        <p:nvSpPr>
+          <p:cNvPr id="3" name="Content Placeholder 2">
+            <a:extLst>
+              <a:ext uri="{FF2B5EF4-FFF2-40B4-BE49-F238E27FC236}">
+                <a16:creationId xmlns:a16="http://schemas.microsoft.com/office/drawing/2014/main" id="{748A3B93-89A4-4691-9A05-B0A7703F4F70}"/>
+              </a:ext>
+            </a:extLst>
+          </p:cNvPr>
+          <p:cNvSpPr>
+            <a:spLocks noGrp="1"/>
+          </p:cNvSpPr>
+          <p:nvPr>
+            <p:ph idx="1"/>
+          </p:nvPr>
+        </p:nvSpPr>
+        <p:spPr/>
+        <p:txBody>
+          <a:bodyPr>
+            <a:normAutofit/>
+          </a:bodyPr>
+          <a:lstStyle/>
+          <a:p>
+            <a:pPr marL="0" indent="0">
+              <a:buNone/>
+            </a:pPr>
+            <a:r>
               <a:rPr lang="en-US" sz="2000" b="1" u="sng" dirty="0">
                 <a:solidFill>
                   <a:srgbClr val="00B050"/>
@@ -12292,7 +13593,19 @@
             <a:pPr lvl="1"/>
             <a:r>
               <a:rPr lang="en-US" sz="2000" dirty="0"/>
-              <a:t>Threads issue memory operations in program order.</a:t>
+              <a:t>Threads issue memory operations in </a:t>
+            </a:r>
+            <a:r>
+              <a:rPr lang="en-US" sz="2000" b="1" dirty="0">
+                <a:solidFill>
+                  <a:srgbClr val="FF0000"/>
+                </a:solidFill>
+              </a:rPr>
+              <a:t>program order</a:t>
+            </a:r>
+            <a:r>
+              <a:rPr lang="en-US" sz="2000" dirty="0"/>
+              <a:t>.</a:t>
             </a:r>
           </a:p>
           <a:p>
@@ -12317,7 +13630,7 @@
                   <a:srgbClr val="FF0000"/>
                 </a:solidFill>
               </a:rPr>
-              <a:t>Write-Atomicity</a:t>
+              <a:t>Write Atomicity</a:t>
             </a:r>
             <a:r>
               <a:rPr lang="en-US" sz="2000" dirty="0"/>
@@ -12340,7 +13653,31 @@
             <a:pPr lvl="1"/>
             <a:r>
               <a:rPr lang="en-US" sz="2000" dirty="0"/>
-              <a:t>A read is allowed to complete only if the matching write (i.e., the one whose value is returned by the read) also completes.</a:t>
+              <a:t>A read is allowed to complete only if the matching write (i.e., the one whose value is returned by the read) also </a:t>
+            </a:r>
+            <a:r>
+              <a:rPr lang="en-US" sz="2000" b="1" dirty="0">
+                <a:solidFill>
+                  <a:srgbClr val="00B050"/>
+                </a:solidFill>
+              </a:rPr>
+              <a:t>completes</a:t>
+            </a:r>
+            <a:r>
+              <a:rPr lang="en-US" sz="2000" dirty="0"/>
+              <a:t>(i.e., </a:t>
+            </a:r>
+            <a:r>
+              <a:rPr lang="en-US" sz="2000" b="1" dirty="0">
+                <a:solidFill>
+                  <a:srgbClr val="00B050"/>
+                </a:solidFill>
+              </a:rPr>
+              <a:t>until the write becomes visible to all threads</a:t>
+            </a:r>
+            <a:r>
+              <a:rPr lang="en-US" sz="2000" dirty="0"/>
+              <a:t>).</a:t>
             </a:r>
             <a:endParaRPr lang="en-US" b="1" dirty="0">
               <a:solidFill>
@@ -12354,7 +13691,7 @@
             </a:pPr>
             <a:r>
               <a:rPr lang="en-US" sz="2000" dirty="0"/>
-              <a:t>In a SC system, the operations of a multithreaded program </a:t>
+              <a:t>In a SC system, the operations of a program </a:t>
             </a:r>
             <a:r>
               <a:rPr lang="en-US" sz="2000" b="1" dirty="0">
@@ -12438,7 +13775,7 @@
 </p:sld>
 </file>
 
-<file path=ppt/slides/slide7.xml><?xml version="1.0" encoding="utf-8"?>
+<file path=ppt/slides/slide9.xml><?xml version="1.0" encoding="utf-8"?>
 <p:sld xmlns:a="http://schemas.openxmlformats.org/drawingml/2006/main" xmlns:r="http://schemas.openxmlformats.org/officeDocument/2006/relationships" xmlns:p="http://schemas.openxmlformats.org/presentationml/2006/main">
   <p:cSld>
     <p:spTree>
@@ -12913,644 +14250,6 @@
     <p:extLst>
       <p:ext uri="{BB962C8B-B14F-4D97-AF65-F5344CB8AC3E}">
         <p14:creationId xmlns:p14="http://schemas.microsoft.com/office/powerpoint/2010/main" val="2001980954"/>
-      </p:ext>
-    </p:extLst>
-  </p:cSld>
-  <p:clrMapOvr>
-    <a:masterClrMapping/>
-  </p:clrMapOvr>
-</p:sld>
-</file>
-
-<file path=ppt/slides/slide8.xml><?xml version="1.0" encoding="utf-8"?>
-<p:sld xmlns:a="http://schemas.openxmlformats.org/drawingml/2006/main" xmlns:r="http://schemas.openxmlformats.org/officeDocument/2006/relationships" xmlns:p="http://schemas.openxmlformats.org/presentationml/2006/main">
-  <p:cSld>
-    <p:spTree>
-      <p:nvGrpSpPr>
-        <p:cNvPr id="1" name=""/>
-        <p:cNvGrpSpPr/>
-        <p:nvPr/>
-      </p:nvGrpSpPr>
-      <p:grpSpPr>
-        <a:xfrm>
-          <a:off x="0" y="0"/>
-          <a:ext cx="0" cy="0"/>
-          <a:chOff x="0" y="0"/>
-          <a:chExt cx="0" cy="0"/>
-        </a:xfrm>
-      </p:grpSpPr>
-      <p:sp>
-        <p:nvSpPr>
-          <p:cNvPr id="2" name="Title 1">
-            <a:extLst>
-              <a:ext uri="{FF2B5EF4-FFF2-40B4-BE49-F238E27FC236}">
-                <a16:creationId xmlns:a16="http://schemas.microsoft.com/office/drawing/2014/main" id="{529EE6D9-26E4-4D94-82C1-8B540184C6FD}"/>
-              </a:ext>
-            </a:extLst>
-          </p:cNvPr>
-          <p:cNvSpPr>
-            <a:spLocks noGrp="1"/>
-          </p:cNvSpPr>
-          <p:nvPr>
-            <p:ph type="title"/>
-          </p:nvPr>
-        </p:nvSpPr>
-        <p:spPr/>
-        <p:txBody>
-          <a:bodyPr/>
-          <a:lstStyle/>
-          <a:p>
-            <a:r>
-              <a:rPr lang="en-US" dirty="0">
-                <a:solidFill>
-                  <a:schemeClr val="accent1"/>
-                </a:solidFill>
-              </a:rPr>
-              <a:t>Sequential Consistency Model</a:t>
-            </a:r>
-            <a:endParaRPr lang="en-US" dirty="0"/>
-          </a:p>
-        </p:txBody>
-      </p:sp>
-      <p:sp>
-        <p:nvSpPr>
-          <p:cNvPr id="3" name="Content Placeholder 2">
-            <a:extLst>
-              <a:ext uri="{FF2B5EF4-FFF2-40B4-BE49-F238E27FC236}">
-                <a16:creationId xmlns:a16="http://schemas.microsoft.com/office/drawing/2014/main" id="{177252B0-1582-4514-BBA3-152B38BF086C}"/>
-              </a:ext>
-            </a:extLst>
-          </p:cNvPr>
-          <p:cNvSpPr>
-            <a:spLocks noGrp="1"/>
-          </p:cNvSpPr>
-          <p:nvPr>
-            <p:ph idx="1"/>
-          </p:nvPr>
-        </p:nvSpPr>
-        <p:spPr/>
-        <p:txBody>
-          <a:bodyPr/>
-          <a:lstStyle/>
-          <a:p>
-            <a:pPr marL="0" indent="0">
-              <a:buNone/>
-            </a:pPr>
-            <a:r>
-              <a:rPr lang="en-US" sz="2000" dirty="0"/>
-              <a:t>By the </a:t>
-            </a:r>
-            <a:r>
-              <a:rPr lang="en-US" sz="2000" b="1" dirty="0">
-                <a:solidFill>
-                  <a:srgbClr val="FF0000"/>
-                </a:solidFill>
-              </a:rPr>
-              <a:t>Program Order </a:t>
-            </a:r>
-            <a:r>
-              <a:rPr lang="en-US" sz="2000" dirty="0"/>
-              <a:t>condition, </a:t>
-            </a:r>
-          </a:p>
-          <a:p>
-            <a:r>
-              <a:rPr lang="en-US" sz="2000" dirty="0"/>
-              <a:t>(1) </a:t>
-            </a:r>
-            <a:r>
-              <a:rPr lang="en-US" sz="2000" b="1" dirty="0">
-                <a:solidFill>
-                  <a:srgbClr val="FF0000"/>
-                </a:solidFill>
-              </a:rPr>
-              <a:t>happens-before</a:t>
-            </a:r>
-            <a:r>
-              <a:rPr lang="en-US" sz="2000" dirty="0"/>
-              <a:t> (2)</a:t>
-            </a:r>
-          </a:p>
-          <a:p>
-            <a:r>
-              <a:rPr lang="en-US" sz="2000" dirty="0"/>
-              <a:t>(3) </a:t>
-            </a:r>
-            <a:r>
-              <a:rPr lang="en-US" sz="2000" b="1" dirty="0">
-                <a:solidFill>
-                  <a:srgbClr val="FF0000"/>
-                </a:solidFill>
-              </a:rPr>
-              <a:t>happens-before</a:t>
-            </a:r>
-            <a:r>
-              <a:rPr lang="en-US" sz="2000" dirty="0"/>
-              <a:t> (4)</a:t>
-            </a:r>
-          </a:p>
-          <a:p>
-            <a:pPr marL="0" indent="0">
-              <a:buNone/>
-            </a:pPr>
-            <a:endParaRPr lang="en-US" dirty="0"/>
-          </a:p>
-          <a:p>
-            <a:pPr marL="0" indent="0">
-              <a:buNone/>
-            </a:pPr>
-            <a:r>
-              <a:rPr lang="en-US" sz="2000" dirty="0"/>
-              <a:t>We can see that the happens-before relationship is cyclic.</a:t>
-            </a:r>
-          </a:p>
-          <a:p>
-            <a:pPr lvl="1"/>
-            <a:r>
-              <a:rPr lang="en-US" sz="2000" dirty="0"/>
-              <a:t>This final state cannot be reached in SC.</a:t>
-            </a:r>
-          </a:p>
-        </p:txBody>
-      </p:sp>
-      <p:grpSp>
-        <p:nvGrpSpPr>
-          <p:cNvPr id="35" name="Group 34">
-            <a:extLst>
-              <a:ext uri="{FF2B5EF4-FFF2-40B4-BE49-F238E27FC236}">
-                <a16:creationId xmlns:a16="http://schemas.microsoft.com/office/drawing/2014/main" id="{1179E119-A8E4-4318-BFCD-C90630A23E36}"/>
-              </a:ext>
-            </a:extLst>
-          </p:cNvPr>
-          <p:cNvGrpSpPr/>
-          <p:nvPr/>
-        </p:nvGrpSpPr>
-        <p:grpSpPr>
-          <a:xfrm>
-            <a:off x="5400367" y="1768475"/>
-            <a:ext cx="4591665" cy="1477328"/>
-            <a:chOff x="3800167" y="3810298"/>
-            <a:chExt cx="4591665" cy="1477328"/>
-          </a:xfrm>
-        </p:grpSpPr>
-        <p:sp>
-          <p:nvSpPr>
-            <p:cNvPr id="6" name="TextBox 5">
-              <a:extLst>
-                <a:ext uri="{FF2B5EF4-FFF2-40B4-BE49-F238E27FC236}">
-                  <a16:creationId xmlns:a16="http://schemas.microsoft.com/office/drawing/2014/main" id="{7CA96476-67B3-473A-AE91-330549DE1ACD}"/>
-                </a:ext>
-              </a:extLst>
-            </p:cNvPr>
-            <p:cNvSpPr txBox="1"/>
-            <p:nvPr/>
-          </p:nvSpPr>
-          <p:spPr>
-            <a:xfrm>
-              <a:off x="3800167" y="3810298"/>
-              <a:ext cx="4591665" cy="1477328"/>
-            </a:xfrm>
-            <a:prstGeom prst="rect">
-              <a:avLst/>
-            </a:prstGeom>
-            <a:noFill/>
-          </p:spPr>
-          <p:txBody>
-            <a:bodyPr wrap="square" rtlCol="0">
-              <a:spAutoFit/>
-            </a:bodyPr>
-            <a:lstStyle/>
-            <a:p>
-              <a:r>
-                <a:rPr lang="en-US" b="1" dirty="0">
-                  <a:solidFill>
-                    <a:srgbClr val="FF0000"/>
-                  </a:solidFill>
-                </a:rPr>
-                <a:t>Thread T0</a:t>
-              </a:r>
-              <a:r>
-                <a:rPr lang="en-US" dirty="0"/>
-                <a:t>		          </a:t>
-              </a:r>
-              <a:r>
-                <a:rPr lang="en-US" b="1" dirty="0">
-                  <a:solidFill>
-                    <a:srgbClr val="FF0000"/>
-                  </a:solidFill>
-                </a:rPr>
-                <a:t>Thread T1   </a:t>
-              </a:r>
-              <a:r>
-                <a:rPr lang="en-US" dirty="0">
-                  <a:solidFill>
-                    <a:srgbClr val="FF0000"/>
-                  </a:solidFill>
-                </a:rPr>
-                <a:t>   </a:t>
-              </a:r>
-            </a:p>
-            <a:p>
-              <a:r>
-                <a:rPr lang="en-US" dirty="0"/>
-                <a:t>   (1) x = 1                                             (3) r1=y</a:t>
-              </a:r>
-            </a:p>
-            <a:p>
-              <a:endParaRPr lang="en-US" dirty="0"/>
-            </a:p>
-            <a:p>
-              <a:r>
-                <a:rPr lang="en-US" dirty="0"/>
-                <a:t>	                                             </a:t>
-              </a:r>
-            </a:p>
-            <a:p>
-              <a:r>
-                <a:rPr lang="en-US" dirty="0"/>
-                <a:t>   (2) y = 1			          (4) r2 = x</a:t>
-              </a:r>
-            </a:p>
-          </p:txBody>
-        </p:sp>
-        <p:cxnSp>
-          <p:nvCxnSpPr>
-            <p:cNvPr id="7" name="Straight Arrow Connector 6">
-              <a:extLst>
-                <a:ext uri="{FF2B5EF4-FFF2-40B4-BE49-F238E27FC236}">
-                  <a16:creationId xmlns:a16="http://schemas.microsoft.com/office/drawing/2014/main" id="{FD444D0E-E568-4AE8-8449-738DA47099D5}"/>
-                </a:ext>
-              </a:extLst>
-            </p:cNvPr>
-            <p:cNvCxnSpPr>
-              <a:cxnSpLocks/>
-            </p:cNvCxnSpPr>
-            <p:nvPr/>
-          </p:nvCxnSpPr>
-          <p:spPr>
-            <a:xfrm flipH="1" flipV="1">
-              <a:off x="4855292" y="4243837"/>
-              <a:ext cx="2288458" cy="804413"/>
-            </a:xfrm>
-            <a:prstGeom prst="straightConnector1">
-              <a:avLst/>
-            </a:prstGeom>
-            <a:ln w="28575">
-              <a:solidFill>
-                <a:srgbClr val="FF0000"/>
-              </a:solidFill>
-              <a:tailEnd type="triangle"/>
-            </a:ln>
-          </p:spPr>
-          <p:style>
-            <a:lnRef idx="1">
-              <a:schemeClr val="accent1"/>
-            </a:lnRef>
-            <a:fillRef idx="0">
-              <a:schemeClr val="accent1"/>
-            </a:fillRef>
-            <a:effectRef idx="0">
-              <a:schemeClr val="accent1"/>
-            </a:effectRef>
-            <a:fontRef idx="minor">
-              <a:schemeClr val="tx1"/>
-            </a:fontRef>
-          </p:style>
-        </p:cxnSp>
-        <p:cxnSp>
-          <p:nvCxnSpPr>
-            <p:cNvPr id="8" name="Straight Arrow Connector 7">
-              <a:extLst>
-                <a:ext uri="{FF2B5EF4-FFF2-40B4-BE49-F238E27FC236}">
-                  <a16:creationId xmlns:a16="http://schemas.microsoft.com/office/drawing/2014/main" id="{1EA4484A-89A4-4FBC-8BE2-A3EDF6DA467B}"/>
-                </a:ext>
-              </a:extLst>
-            </p:cNvPr>
-            <p:cNvCxnSpPr>
-              <a:cxnSpLocks/>
-            </p:cNvCxnSpPr>
-            <p:nvPr/>
-          </p:nvCxnSpPr>
-          <p:spPr>
-            <a:xfrm flipV="1">
-              <a:off x="4985107" y="4280819"/>
-              <a:ext cx="2221783" cy="730447"/>
-            </a:xfrm>
-            <a:prstGeom prst="straightConnector1">
-              <a:avLst/>
-            </a:prstGeom>
-            <a:ln w="28575">
-              <a:solidFill>
-                <a:srgbClr val="FF0000"/>
-              </a:solidFill>
-              <a:tailEnd type="triangle"/>
-            </a:ln>
-          </p:spPr>
-          <p:style>
-            <a:lnRef idx="1">
-              <a:schemeClr val="accent1"/>
-            </a:lnRef>
-            <a:fillRef idx="0">
-              <a:schemeClr val="accent1"/>
-            </a:fillRef>
-            <a:effectRef idx="0">
-              <a:schemeClr val="accent1"/>
-            </a:effectRef>
-            <a:fontRef idx="minor">
-              <a:schemeClr val="tx1"/>
-            </a:fontRef>
-          </p:style>
-        </p:cxnSp>
-        <p:cxnSp>
-          <p:nvCxnSpPr>
-            <p:cNvPr id="31" name="Straight Arrow Connector 30">
-              <a:extLst>
-                <a:ext uri="{FF2B5EF4-FFF2-40B4-BE49-F238E27FC236}">
-                  <a16:creationId xmlns:a16="http://schemas.microsoft.com/office/drawing/2014/main" id="{F5808C17-ADE6-4402-9A0E-8137BFC18BEF}"/>
-                </a:ext>
-              </a:extLst>
-            </p:cNvPr>
-            <p:cNvCxnSpPr>
-              <a:cxnSpLocks/>
-            </p:cNvCxnSpPr>
-            <p:nvPr/>
-          </p:nvCxnSpPr>
-          <p:spPr>
-            <a:xfrm flipH="1">
-              <a:off x="7480505" y="4396237"/>
-              <a:ext cx="1" cy="556763"/>
-            </a:xfrm>
-            <a:prstGeom prst="straightConnector1">
-              <a:avLst/>
-            </a:prstGeom>
-            <a:ln w="28575">
-              <a:solidFill>
-                <a:srgbClr val="FF0000"/>
-              </a:solidFill>
-              <a:tailEnd type="triangle"/>
-            </a:ln>
-          </p:spPr>
-          <p:style>
-            <a:lnRef idx="1">
-              <a:schemeClr val="accent1"/>
-            </a:lnRef>
-            <a:fillRef idx="0">
-              <a:schemeClr val="accent1"/>
-            </a:fillRef>
-            <a:effectRef idx="0">
-              <a:schemeClr val="accent1"/>
-            </a:effectRef>
-            <a:fontRef idx="minor">
-              <a:schemeClr val="tx1"/>
-            </a:fontRef>
-          </p:style>
-        </p:cxnSp>
-        <p:cxnSp>
-          <p:nvCxnSpPr>
-            <p:cNvPr id="34" name="Straight Arrow Connector 33">
-              <a:extLst>
-                <a:ext uri="{FF2B5EF4-FFF2-40B4-BE49-F238E27FC236}">
-                  <a16:creationId xmlns:a16="http://schemas.microsoft.com/office/drawing/2014/main" id="{CD3D4A27-8BA2-41FC-BB77-2DBD086F44A3}"/>
-                </a:ext>
-              </a:extLst>
-            </p:cNvPr>
-            <p:cNvCxnSpPr>
-              <a:cxnSpLocks/>
-            </p:cNvCxnSpPr>
-            <p:nvPr/>
-          </p:nvCxnSpPr>
-          <p:spPr>
-            <a:xfrm flipH="1">
-              <a:off x="4516998" y="4404644"/>
-              <a:ext cx="1" cy="556763"/>
-            </a:xfrm>
-            <a:prstGeom prst="straightConnector1">
-              <a:avLst/>
-            </a:prstGeom>
-            <a:ln w="28575">
-              <a:solidFill>
-                <a:srgbClr val="FF0000"/>
-              </a:solidFill>
-              <a:tailEnd type="triangle"/>
-            </a:ln>
-          </p:spPr>
-          <p:style>
-            <a:lnRef idx="1">
-              <a:schemeClr val="accent1"/>
-            </a:lnRef>
-            <a:fillRef idx="0">
-              <a:schemeClr val="accent1"/>
-            </a:fillRef>
-            <a:effectRef idx="0">
-              <a:schemeClr val="accent1"/>
-            </a:effectRef>
-            <a:fontRef idx="minor">
-              <a:schemeClr val="tx1"/>
-            </a:fontRef>
-          </p:style>
-        </p:cxnSp>
-      </p:grpSp>
-    </p:spTree>
-    <p:extLst>
-      <p:ext uri="{BB962C8B-B14F-4D97-AF65-F5344CB8AC3E}">
-        <p14:creationId xmlns:p14="http://schemas.microsoft.com/office/powerpoint/2010/main" val="613682244"/>
-      </p:ext>
-    </p:extLst>
-  </p:cSld>
-  <p:clrMapOvr>
-    <a:masterClrMapping/>
-  </p:clrMapOvr>
-</p:sld>
-</file>
-
-<file path=ppt/slides/slide9.xml><?xml version="1.0" encoding="utf-8"?>
-<p:sld xmlns:a="http://schemas.openxmlformats.org/drawingml/2006/main" xmlns:r="http://schemas.openxmlformats.org/officeDocument/2006/relationships" xmlns:p="http://schemas.openxmlformats.org/presentationml/2006/main">
-  <p:cSld>
-    <p:spTree>
-      <p:nvGrpSpPr>
-        <p:cNvPr id="1" name=""/>
-        <p:cNvGrpSpPr/>
-        <p:nvPr/>
-      </p:nvGrpSpPr>
-      <p:grpSpPr>
-        <a:xfrm>
-          <a:off x="0" y="0"/>
-          <a:ext cx="0" cy="0"/>
-          <a:chOff x="0" y="0"/>
-          <a:chExt cx="0" cy="0"/>
-        </a:xfrm>
-      </p:grpSpPr>
-      <p:sp>
-        <p:nvSpPr>
-          <p:cNvPr id="2" name="Title 1">
-            <a:extLst>
-              <a:ext uri="{FF2B5EF4-FFF2-40B4-BE49-F238E27FC236}">
-                <a16:creationId xmlns:a16="http://schemas.microsoft.com/office/drawing/2014/main" id="{4A0188D4-3ECB-47E9-9896-B87F6C68DC79}"/>
-              </a:ext>
-            </a:extLst>
-          </p:cNvPr>
-          <p:cNvSpPr>
-            <a:spLocks noGrp="1"/>
-          </p:cNvSpPr>
-          <p:nvPr>
-            <p:ph type="title"/>
-          </p:nvPr>
-        </p:nvSpPr>
-        <p:spPr/>
-        <p:txBody>
-          <a:bodyPr/>
-          <a:lstStyle/>
-          <a:p>
-            <a:r>
-              <a:rPr lang="en-US" dirty="0">
-                <a:solidFill>
-                  <a:schemeClr val="accent1"/>
-                </a:solidFill>
-              </a:rPr>
-              <a:t>Sequential Consistency Model</a:t>
-            </a:r>
-            <a:endParaRPr lang="en-US" dirty="0"/>
-          </a:p>
-        </p:txBody>
-      </p:sp>
-      <p:sp>
-        <p:nvSpPr>
-          <p:cNvPr id="3" name="Content Placeholder 2">
-            <a:extLst>
-              <a:ext uri="{FF2B5EF4-FFF2-40B4-BE49-F238E27FC236}">
-                <a16:creationId xmlns:a16="http://schemas.microsoft.com/office/drawing/2014/main" id="{03F2C8E4-A457-4CA6-A3C1-96B70CD3C178}"/>
-              </a:ext>
-            </a:extLst>
-          </p:cNvPr>
-          <p:cNvSpPr>
-            <a:spLocks noGrp="1"/>
-          </p:cNvSpPr>
-          <p:nvPr>
-            <p:ph idx="1"/>
-          </p:nvPr>
-        </p:nvSpPr>
-        <p:spPr/>
-        <p:txBody>
-          <a:bodyPr>
-            <a:normAutofit/>
-          </a:bodyPr>
-          <a:lstStyle/>
-          <a:p>
-            <a:pPr>
-              <a:buFont typeface="Wingdings" panose="05000000000000000000" pitchFamily="2" charset="2"/>
-              <a:buChar char="q"/>
-            </a:pPr>
-            <a:r>
-              <a:rPr lang="en-US" sz="2000" dirty="0"/>
-              <a:t> The rules of SC we just discussed are </a:t>
-            </a:r>
-            <a:r>
-              <a:rPr lang="en-US" sz="2000" b="1" dirty="0">
-                <a:solidFill>
-                  <a:srgbClr val="FF0000"/>
-                </a:solidFill>
-              </a:rPr>
-              <a:t>intuitive to the programmer</a:t>
-            </a:r>
-            <a:r>
-              <a:rPr lang="en-US" sz="2000" dirty="0"/>
-              <a:t>.</a:t>
-            </a:r>
-          </a:p>
-          <a:p>
-            <a:pPr lvl="1"/>
-            <a:r>
-              <a:rPr lang="en-US" sz="2000" dirty="0"/>
-              <a:t>The idea is that multiple threads executing in parallel are accessing </a:t>
-            </a:r>
-            <a:r>
-              <a:rPr lang="en-US" sz="2000" b="1" dirty="0">
-                <a:solidFill>
-                  <a:srgbClr val="FF0000"/>
-                </a:solidFill>
-              </a:rPr>
-              <a:t>a single shared main memory</a:t>
-            </a:r>
-            <a:r>
-              <a:rPr lang="en-US" sz="2000" dirty="0"/>
-              <a:t>.</a:t>
-            </a:r>
-          </a:p>
-          <a:p>
-            <a:pPr marL="0" indent="0">
-              <a:buNone/>
-            </a:pPr>
-            <a:endParaRPr lang="en-US" sz="2000" dirty="0"/>
-          </a:p>
-          <a:p>
-            <a:pPr>
-              <a:buFont typeface="Wingdings" panose="05000000000000000000" pitchFamily="2" charset="2"/>
-              <a:buChar char="q"/>
-            </a:pPr>
-            <a:r>
-              <a:rPr lang="en-US" sz="2000" dirty="0"/>
-              <a:t> SC implementations will result in </a:t>
-            </a:r>
-            <a:r>
-              <a:rPr lang="en-US" sz="2000" b="1" dirty="0">
-                <a:solidFill>
-                  <a:srgbClr val="FF0000"/>
-                </a:solidFill>
-              </a:rPr>
-              <a:t>poor performance</a:t>
-            </a:r>
-            <a:r>
-              <a:rPr lang="en-US" sz="2000" dirty="0"/>
-              <a:t>.</a:t>
-            </a:r>
-          </a:p>
-          <a:p>
-            <a:pPr lvl="1"/>
-            <a:r>
-              <a:rPr lang="en-US" sz="2000" dirty="0">
-                <a:sym typeface="Wingdings" panose="05000000000000000000" pitchFamily="2" charset="2"/>
-              </a:rPr>
-              <a:t>SC</a:t>
-            </a:r>
-            <a:r>
-              <a:rPr lang="en-US" sz="2000" dirty="0">
-                <a:solidFill>
-                  <a:srgbClr val="00B050"/>
-                </a:solidFill>
-                <a:sym typeface="Wingdings" panose="05000000000000000000" pitchFamily="2" charset="2"/>
-              </a:rPr>
-              <a:t> </a:t>
-            </a:r>
-            <a:r>
-              <a:rPr lang="en-US" sz="2000" dirty="0">
-                <a:sym typeface="Wingdings" panose="05000000000000000000" pitchFamily="2" charset="2"/>
-              </a:rPr>
-              <a:t>is a strong memory model.</a:t>
-            </a:r>
-            <a:r>
-              <a:rPr lang="en-US" sz="1600" dirty="0"/>
-              <a:t>	</a:t>
-            </a:r>
-          </a:p>
-          <a:p>
-            <a:pPr lvl="1"/>
-            <a:r>
-              <a:rPr lang="en-US" sz="2000" dirty="0"/>
-              <a:t>The benefits of multiple threads, instruction-level parallelism, etc. are greatly limited </a:t>
-            </a:r>
-            <a:r>
-              <a:rPr lang="en-US" sz="2000" dirty="0">
-                <a:sym typeface="Wingdings" panose="05000000000000000000" pitchFamily="2" charset="2"/>
-              </a:rPr>
-              <a:t></a:t>
-            </a:r>
-          </a:p>
-        </p:txBody>
-      </p:sp>
-    </p:spTree>
-    <p:extLst>
-      <p:ext uri="{BB962C8B-B14F-4D97-AF65-F5344CB8AC3E}">
-        <p14:creationId xmlns:p14="http://schemas.microsoft.com/office/powerpoint/2010/main" val="3764144486"/>
       </p:ext>
     </p:extLst>
   </p:cSld>
